--- a/slides/r1-intro.pptx
+++ b/slides/r1-intro.pptx
@@ -5,47 +5,49 @@
     <p:sldMasterId id="2147483960" r:id="rId1"/>
   </p:sldMasterIdLst>
   <p:notesMasterIdLst>
-    <p:notesMasterId r:id="rId40"/>
+    <p:notesMasterId r:id="rId42"/>
   </p:notesMasterIdLst>
   <p:sldIdLst>
     <p:sldId id="256" r:id="rId2"/>
     <p:sldId id="273" r:id="rId3"/>
-    <p:sldId id="257" r:id="rId4"/>
-    <p:sldId id="258" r:id="rId5"/>
-    <p:sldId id="259" r:id="rId6"/>
-    <p:sldId id="260" r:id="rId7"/>
-    <p:sldId id="268" r:id="rId8"/>
-    <p:sldId id="271" r:id="rId9"/>
-    <p:sldId id="272" r:id="rId10"/>
-    <p:sldId id="277" r:id="rId11"/>
-    <p:sldId id="275" r:id="rId12"/>
-    <p:sldId id="274" r:id="rId13"/>
-    <p:sldId id="276" r:id="rId14"/>
-    <p:sldId id="278" r:id="rId15"/>
-    <p:sldId id="279" r:id="rId16"/>
-    <p:sldId id="280" r:id="rId17"/>
-    <p:sldId id="281" r:id="rId18"/>
-    <p:sldId id="282" r:id="rId19"/>
-    <p:sldId id="283" r:id="rId20"/>
-    <p:sldId id="286" r:id="rId21"/>
-    <p:sldId id="353" r:id="rId22"/>
-    <p:sldId id="288" r:id="rId23"/>
-    <p:sldId id="363" r:id="rId24"/>
-    <p:sldId id="365" r:id="rId25"/>
-    <p:sldId id="348" r:id="rId26"/>
-    <p:sldId id="285" r:id="rId27"/>
-    <p:sldId id="360" r:id="rId28"/>
-    <p:sldId id="287" r:id="rId29"/>
-    <p:sldId id="352" r:id="rId30"/>
-    <p:sldId id="284" r:id="rId31"/>
-    <p:sldId id="355" r:id="rId32"/>
-    <p:sldId id="362" r:id="rId33"/>
-    <p:sldId id="350" r:id="rId34"/>
-    <p:sldId id="349" r:id="rId35"/>
-    <p:sldId id="361" r:id="rId36"/>
-    <p:sldId id="351" r:id="rId37"/>
-    <p:sldId id="354" r:id="rId38"/>
-    <p:sldId id="356" r:id="rId39"/>
+    <p:sldId id="261" r:id="rId4"/>
+    <p:sldId id="257" r:id="rId5"/>
+    <p:sldId id="258" r:id="rId6"/>
+    <p:sldId id="259" r:id="rId7"/>
+    <p:sldId id="260" r:id="rId8"/>
+    <p:sldId id="268" r:id="rId9"/>
+    <p:sldId id="271" r:id="rId10"/>
+    <p:sldId id="272" r:id="rId11"/>
+    <p:sldId id="277" r:id="rId12"/>
+    <p:sldId id="275" r:id="rId13"/>
+    <p:sldId id="274" r:id="rId14"/>
+    <p:sldId id="276" r:id="rId15"/>
+    <p:sldId id="278" r:id="rId16"/>
+    <p:sldId id="279" r:id="rId17"/>
+    <p:sldId id="280" r:id="rId18"/>
+    <p:sldId id="281" r:id="rId19"/>
+    <p:sldId id="358" r:id="rId20"/>
+    <p:sldId id="282" r:id="rId21"/>
+    <p:sldId id="283" r:id="rId22"/>
+    <p:sldId id="286" r:id="rId23"/>
+    <p:sldId id="353" r:id="rId24"/>
+    <p:sldId id="288" r:id="rId25"/>
+    <p:sldId id="363" r:id="rId26"/>
+    <p:sldId id="365" r:id="rId27"/>
+    <p:sldId id="348" r:id="rId28"/>
+    <p:sldId id="285" r:id="rId29"/>
+    <p:sldId id="360" r:id="rId30"/>
+    <p:sldId id="287" r:id="rId31"/>
+    <p:sldId id="352" r:id="rId32"/>
+    <p:sldId id="284" r:id="rId33"/>
+    <p:sldId id="355" r:id="rId34"/>
+    <p:sldId id="362" r:id="rId35"/>
+    <p:sldId id="350" r:id="rId36"/>
+    <p:sldId id="349" r:id="rId37"/>
+    <p:sldId id="361" r:id="rId38"/>
+    <p:sldId id="351" r:id="rId39"/>
+    <p:sldId id="354" r:id="rId40"/>
+    <p:sldId id="356" r:id="rId41"/>
   </p:sldIdLst>
   <p:sldSz cx="9144000" cy="6858000" type="screen4x3"/>
   <p:notesSz cx="6858000" cy="9144000"/>
@@ -166,234 +168,9 @@
 <file path=ppt/revisionInfo.xml><?xml version="1.0" encoding="utf-8"?>
 <p1510:revInfo xmlns:a="http://schemas.openxmlformats.org/drawingml/2006/main" xmlns:r="http://schemas.openxmlformats.org/officeDocument/2006/relationships" xmlns:p1510="http://schemas.microsoft.com/office/powerpoint/2015/10/main">
   <p1510:revLst>
-    <p1510:client id="{FA25370A-E906-4B17-91AB-53BCFC208937}" v="9" dt="2023-02-19T18:47:32.268"/>
+    <p1510:client id="{F9E7C416-4738-4E93-8556-71E75A64F81B}" v="514" dt="2018-10-18T22:53:59.526"/>
   </p1510:revLst>
 </p1510:revInfo>
-</file>
-
-<file path=ppt/changesInfos/changesInfo1.xml><?xml version="1.0" encoding="utf-8"?>
-<pc:chgInfo xmlns:a="http://schemas.openxmlformats.org/drawingml/2006/main" xmlns:r="http://schemas.openxmlformats.org/officeDocument/2006/relationships" xmlns:ac="http://schemas.microsoft.com/office/drawing/2013/main/command" xmlns:pc="http://schemas.microsoft.com/office/powerpoint/2013/main/command">
-  <pc:docChgLst>
-    <pc:chgData name="Safa Shehadi" userId="64cad8017936ef3a" providerId="LiveId" clId="{FA25370A-E906-4B17-91AB-53BCFC208937}"/>
-    <pc:docChg chg="undo custSel delSld modSld sldOrd">
-      <pc:chgData name="Safa Shehadi" userId="64cad8017936ef3a" providerId="LiveId" clId="{FA25370A-E906-4B17-91AB-53BCFC208937}" dt="2023-02-19T19:09:00.933" v="1652" actId="20577"/>
-      <pc:docMkLst>
-        <pc:docMk/>
-      </pc:docMkLst>
-      <pc:sldChg chg="addSp modSp mod modNotesTx">
-        <pc:chgData name="Safa Shehadi" userId="64cad8017936ef3a" providerId="LiveId" clId="{FA25370A-E906-4B17-91AB-53BCFC208937}" dt="2023-02-15T18:57:53.294" v="506" actId="20577"/>
-        <pc:sldMkLst>
-          <pc:docMk/>
-          <pc:sldMk cId="182139768" sldId="256"/>
-        </pc:sldMkLst>
-        <pc:spChg chg="add mod">
-          <ac:chgData name="Safa Shehadi" userId="64cad8017936ef3a" providerId="LiveId" clId="{FA25370A-E906-4B17-91AB-53BCFC208937}" dt="2023-02-15T18:57:53.294" v="506" actId="20577"/>
-          <ac:spMkLst>
-            <pc:docMk/>
-            <pc:sldMk cId="182139768" sldId="256"/>
-            <ac:spMk id="6" creationId="{5135DB99-EBD4-1361-699F-4D990A5BCF92}"/>
-          </ac:spMkLst>
-        </pc:spChg>
-      </pc:sldChg>
-      <pc:sldChg chg="modNotesTx">
-        <pc:chgData name="Safa Shehadi" userId="64cad8017936ef3a" providerId="LiveId" clId="{FA25370A-E906-4B17-91AB-53BCFC208937}" dt="2023-02-19T18:48:41.884" v="1643" actId="20577"/>
-        <pc:sldMkLst>
-          <pc:docMk/>
-          <pc:sldMk cId="3583035542" sldId="257"/>
-        </pc:sldMkLst>
-      </pc:sldChg>
-      <pc:sldChg chg="addSp delSp mod modNotesTx">
-        <pc:chgData name="Safa Shehadi" userId="64cad8017936ef3a" providerId="LiveId" clId="{FA25370A-E906-4B17-91AB-53BCFC208937}" dt="2023-02-19T18:48:21.389" v="1642" actId="20577"/>
-        <pc:sldMkLst>
-          <pc:docMk/>
-          <pc:sldMk cId="2430498522" sldId="258"/>
-        </pc:sldMkLst>
-        <pc:spChg chg="add del">
-          <ac:chgData name="Safa Shehadi" userId="64cad8017936ef3a" providerId="LiveId" clId="{FA25370A-E906-4B17-91AB-53BCFC208937}" dt="2023-02-18T16:54:19.170" v="1179" actId="478"/>
-          <ac:spMkLst>
-            <pc:docMk/>
-            <pc:sldMk cId="2430498522" sldId="258"/>
-            <ac:spMk id="8" creationId="{4A3F425F-ACC7-FA4D-6804-115E07B8BF5E}"/>
-          </ac:spMkLst>
-        </pc:spChg>
-      </pc:sldChg>
-      <pc:sldChg chg="modSp del mod">
-        <pc:chgData name="Safa Shehadi" userId="64cad8017936ef3a" providerId="LiveId" clId="{FA25370A-E906-4B17-91AB-53BCFC208937}" dt="2023-02-15T15:31:40.291" v="267" actId="47"/>
-        <pc:sldMkLst>
-          <pc:docMk/>
-          <pc:sldMk cId="1698252008" sldId="261"/>
-        </pc:sldMkLst>
-        <pc:spChg chg="mod">
-          <ac:chgData name="Safa Shehadi" userId="64cad8017936ef3a" providerId="LiveId" clId="{FA25370A-E906-4B17-91AB-53BCFC208937}" dt="2023-02-15T15:31:23.191" v="266" actId="20577"/>
-          <ac:spMkLst>
-            <pc:docMk/>
-            <pc:sldMk cId="1698252008" sldId="261"/>
-            <ac:spMk id="3" creationId="{00000000-0000-0000-0000-000000000000}"/>
-          </ac:spMkLst>
-        </pc:spChg>
-      </pc:sldChg>
-      <pc:sldChg chg="modSp mod modNotesTx">
-        <pc:chgData name="Safa Shehadi" userId="64cad8017936ef3a" providerId="LiveId" clId="{FA25370A-E906-4B17-91AB-53BCFC208937}" dt="2023-02-19T18:47:33.738" v="1637" actId="20577"/>
-        <pc:sldMkLst>
-          <pc:docMk/>
-          <pc:sldMk cId="1560032010" sldId="271"/>
-        </pc:sldMkLst>
-        <pc:spChg chg="mod">
-          <ac:chgData name="Safa Shehadi" userId="64cad8017936ef3a" providerId="LiveId" clId="{FA25370A-E906-4B17-91AB-53BCFC208937}" dt="2023-02-15T18:49:46.315" v="464" actId="14100"/>
-          <ac:spMkLst>
-            <pc:docMk/>
-            <pc:sldMk cId="1560032010" sldId="271"/>
-            <ac:spMk id="6" creationId="{F7292D51-4478-454D-A024-6971F03A263B}"/>
-          </ac:spMkLst>
-        </pc:spChg>
-      </pc:sldChg>
-      <pc:sldChg chg="modNotesTx">
-        <pc:chgData name="Safa Shehadi" userId="64cad8017936ef3a" providerId="LiveId" clId="{FA25370A-E906-4B17-91AB-53BCFC208937}" dt="2023-02-19T18:46:12.362" v="1581" actId="20577"/>
-        <pc:sldMkLst>
-          <pc:docMk/>
-          <pc:sldMk cId="3974307281" sldId="272"/>
-        </pc:sldMkLst>
-      </pc:sldChg>
-      <pc:sldChg chg="modNotesTx">
-        <pc:chgData name="Safa Shehadi" userId="64cad8017936ef3a" providerId="LiveId" clId="{FA25370A-E906-4B17-91AB-53BCFC208937}" dt="2023-02-18T09:54:02.091" v="553" actId="20577"/>
-        <pc:sldMkLst>
-          <pc:docMk/>
-          <pc:sldMk cId="3286870270" sldId="273"/>
-        </pc:sldMkLst>
-      </pc:sldChg>
-      <pc:sldChg chg="modNotesTx">
-        <pc:chgData name="Safa Shehadi" userId="64cad8017936ef3a" providerId="LiveId" clId="{FA25370A-E906-4B17-91AB-53BCFC208937}" dt="2023-02-18T16:01:31.375" v="1178" actId="20577"/>
-        <pc:sldMkLst>
-          <pc:docMk/>
-          <pc:sldMk cId="2298059489" sldId="274"/>
-        </pc:sldMkLst>
-      </pc:sldChg>
-      <pc:sldChg chg="modNotesTx">
-        <pc:chgData name="Safa Shehadi" userId="64cad8017936ef3a" providerId="LiveId" clId="{FA25370A-E906-4B17-91AB-53BCFC208937}" dt="2023-02-19T18:44:32.495" v="1474" actId="20577"/>
-        <pc:sldMkLst>
-          <pc:docMk/>
-          <pc:sldMk cId="92368355" sldId="275"/>
-        </pc:sldMkLst>
-      </pc:sldChg>
-      <pc:sldChg chg="modAnim modNotesTx">
-        <pc:chgData name="Safa Shehadi" userId="64cad8017936ef3a" providerId="LiveId" clId="{FA25370A-E906-4B17-91AB-53BCFC208937}" dt="2023-02-19T11:34:35.690" v="1292"/>
-        <pc:sldMkLst>
-          <pc:docMk/>
-          <pc:sldMk cId="2407113951" sldId="276"/>
-        </pc:sldMkLst>
-      </pc:sldChg>
-      <pc:sldChg chg="modNotesTx">
-        <pc:chgData name="Safa Shehadi" userId="64cad8017936ef3a" providerId="LiveId" clId="{FA25370A-E906-4B17-91AB-53BCFC208937}" dt="2023-02-19T18:45:31.856" v="1578" actId="20577"/>
-        <pc:sldMkLst>
-          <pc:docMk/>
-          <pc:sldMk cId="113105520" sldId="277"/>
-        </pc:sldMkLst>
-      </pc:sldChg>
-      <pc:sldChg chg="modNotesTx">
-        <pc:chgData name="Safa Shehadi" userId="64cad8017936ef3a" providerId="LiveId" clId="{FA25370A-E906-4B17-91AB-53BCFC208937}" dt="2023-02-18T11:08:31.593" v="1141"/>
-        <pc:sldMkLst>
-          <pc:docMk/>
-          <pc:sldMk cId="156765947" sldId="279"/>
-        </pc:sldMkLst>
-      </pc:sldChg>
-      <pc:sldChg chg="ord">
-        <pc:chgData name="Safa Shehadi" userId="64cad8017936ef3a" providerId="LiveId" clId="{FA25370A-E906-4B17-91AB-53BCFC208937}" dt="2023-02-10T12:17:50.830" v="226"/>
-        <pc:sldMkLst>
-          <pc:docMk/>
-          <pc:sldMk cId="1876776730" sldId="282"/>
-        </pc:sldMkLst>
-      </pc:sldChg>
-      <pc:sldChg chg="modAnim">
-        <pc:chgData name="Safa Shehadi" userId="64cad8017936ef3a" providerId="LiveId" clId="{FA25370A-E906-4B17-91AB-53BCFC208937}" dt="2023-02-19T11:51:31.552" v="1293"/>
-        <pc:sldMkLst>
-          <pc:docMk/>
-          <pc:sldMk cId="1528680154" sldId="283"/>
-        </pc:sldMkLst>
-      </pc:sldChg>
-      <pc:sldChg chg="modNotesTx">
-        <pc:chgData name="Safa Shehadi" userId="64cad8017936ef3a" providerId="LiveId" clId="{FA25370A-E906-4B17-91AB-53BCFC208937}" dt="2023-02-19T18:42:19.659" v="1456" actId="20577"/>
-        <pc:sldMkLst>
-          <pc:docMk/>
-          <pc:sldMk cId="1767805463" sldId="288"/>
-        </pc:sldMkLst>
-      </pc:sldChg>
-      <pc:sldChg chg="modNotesTx">
-        <pc:chgData name="Safa Shehadi" userId="64cad8017936ef3a" providerId="LiveId" clId="{FA25370A-E906-4B17-91AB-53BCFC208937}" dt="2023-02-19T18:42:47.855" v="1459" actId="20577"/>
-        <pc:sldMkLst>
-          <pc:docMk/>
-          <pc:sldMk cId="2061797285" sldId="353"/>
-        </pc:sldMkLst>
-      </pc:sldChg>
-      <pc:sldChg chg="modSp mod modNotesTx">
-        <pc:chgData name="Safa Shehadi" userId="64cad8017936ef3a" providerId="LiveId" clId="{FA25370A-E906-4B17-91AB-53BCFC208937}" dt="2023-02-19T19:09:00.933" v="1652" actId="20577"/>
-        <pc:sldMkLst>
-          <pc:docMk/>
-          <pc:sldMk cId="167038872" sldId="356"/>
-        </pc:sldMkLst>
-        <pc:spChg chg="mod">
-          <ac:chgData name="Safa Shehadi" userId="64cad8017936ef3a" providerId="LiveId" clId="{FA25370A-E906-4B17-91AB-53BCFC208937}" dt="2023-02-19T19:09:00.933" v="1652" actId="20577"/>
-          <ac:spMkLst>
-            <pc:docMk/>
-            <pc:sldMk cId="167038872" sldId="356"/>
-            <ac:spMk id="3" creationId="{D262E697-A7A6-400B-A8F7-5AF5EF7E14E6}"/>
-          </ac:spMkLst>
-        </pc:spChg>
-      </pc:sldChg>
-      <pc:sldChg chg="del">
-        <pc:chgData name="Safa Shehadi" userId="64cad8017936ef3a" providerId="LiveId" clId="{FA25370A-E906-4B17-91AB-53BCFC208937}" dt="2023-02-10T12:17:52.874" v="227" actId="47"/>
-        <pc:sldMkLst>
-          <pc:docMk/>
-          <pc:sldMk cId="3033703913" sldId="358"/>
-        </pc:sldMkLst>
-      </pc:sldChg>
-      <pc:sldChg chg="del">
-        <pc:chgData name="Safa Shehadi" userId="64cad8017936ef3a" providerId="LiveId" clId="{FA25370A-E906-4B17-91AB-53BCFC208937}" dt="2023-02-18T11:09:02.345" v="1142" actId="47"/>
-        <pc:sldMkLst>
-          <pc:docMk/>
-          <pc:sldMk cId="116031099" sldId="359"/>
-        </pc:sldMkLst>
-      </pc:sldChg>
-    </pc:docChg>
-  </pc:docChgLst>
-  <pc:docChgLst>
-    <pc:chgData name="Safa Shehadi" userId="64cad8017936ef3a" providerId="LiveId" clId="{F590C90F-332F-49FC-B978-9FDA954AE0AF}"/>
-    <pc:docChg chg="undo custSel modSld">
-      <pc:chgData name="Safa Shehadi" userId="64cad8017936ef3a" providerId="LiveId" clId="{F590C90F-332F-49FC-B978-9FDA954AE0AF}" dt="2023-02-06T08:53:09.578" v="136" actId="20577"/>
-      <pc:docMkLst>
-        <pc:docMk/>
-      </pc:docMkLst>
-      <pc:sldChg chg="modSp mod">
-        <pc:chgData name="Safa Shehadi" userId="64cad8017936ef3a" providerId="LiveId" clId="{F590C90F-332F-49FC-B978-9FDA954AE0AF}" dt="2023-02-06T08:53:09.578" v="136" actId="20577"/>
-        <pc:sldMkLst>
-          <pc:docMk/>
-          <pc:sldMk cId="1487414229" sldId="259"/>
-        </pc:sldMkLst>
-        <pc:spChg chg="mod">
-          <ac:chgData name="Safa Shehadi" userId="64cad8017936ef3a" providerId="LiveId" clId="{F590C90F-332F-49FC-B978-9FDA954AE0AF}" dt="2023-02-06T08:53:09.578" v="136" actId="20577"/>
-          <ac:spMkLst>
-            <pc:docMk/>
-            <pc:sldMk cId="1487414229" sldId="259"/>
-            <ac:spMk id="3" creationId="{00000000-0000-0000-0000-000000000000}"/>
-          </ac:spMkLst>
-        </pc:spChg>
-      </pc:sldChg>
-      <pc:sldChg chg="modNotesTx">
-        <pc:chgData name="Safa Shehadi" userId="64cad8017936ef3a" providerId="LiveId" clId="{F590C90F-332F-49FC-B978-9FDA954AE0AF}" dt="2023-02-04T14:41:07.439" v="128" actId="20577"/>
-        <pc:sldMkLst>
-          <pc:docMk/>
-          <pc:sldMk cId="2407113951" sldId="276"/>
-        </pc:sldMkLst>
-      </pc:sldChg>
-      <pc:sldChg chg="modNotesTx">
-        <pc:chgData name="Safa Shehadi" userId="64cad8017936ef3a" providerId="LiveId" clId="{F590C90F-332F-49FC-B978-9FDA954AE0AF}" dt="2023-02-04T11:24:49.520" v="47" actId="20577"/>
-        <pc:sldMkLst>
-          <pc:docMk/>
-          <pc:sldMk cId="113105520" sldId="277"/>
-        </pc:sldMkLst>
-      </pc:sldChg>
-    </pc:docChg>
-  </pc:docChgLst>
-</pc:chgInfo>
 </file>
 
 <file path=ppt/diagrams/colors1.xml><?xml version="1.0" encoding="utf-8"?>
@@ -6868,7 +6645,7 @@
   <dgm:whole/>
   <dgm:extLst>
     <a:ext uri="http://schemas.microsoft.com/office/drawing/2008/diagram">
-      <dsp:dataModelExt xmlns:dsp="http://schemas.microsoft.com/office/drawing/2008/diagram" relId="rId7" minVer="http://schemas.openxmlformats.org/drawingml/2006/diagram"/>
+      <dsp:dataModelExt xmlns:dsp="http://schemas.microsoft.com/office/drawing/2008/diagram" relId="rId6" minVer="http://schemas.openxmlformats.org/drawingml/2006/diagram"/>
     </a:ext>
   </dgm:extLst>
 </dgm:dataModel>
@@ -23989,7 +23766,7 @@
           <a:p>
             <a:fld id="{E1E9A386-374F-46B8-905A-6C0BF92B68B0}" type="datetimeFigureOut">
               <a:rPr lang="en-US" smtClean="0"/>
-              <a:t>2/19/2023</a:t>
+              <a:t>3/7/2024</a:t>
             </a:fld>
             <a:endParaRPr lang="en-US"/>
           </a:p>
@@ -24302,8 +24079,10 @@
           <a:bodyPr/>
           <a:lstStyle/>
           <a:p>
-            <a:pPr algn="l"/>
-            <a:endParaRPr lang="en-IL" dirty="0"/>
+            <a:r>
+              <a:rPr lang="en-US" dirty="0"/>
+              <a:t>Taken from: https://www.flickr.com/photos/betbeder/14076789040/</a:t>
+            </a:r>
           </a:p>
         </p:txBody>
       </p:sp>
@@ -24314,7 +24093,7 @@
             <a:spLocks noGrp="1"/>
           </p:cNvSpPr>
           <p:nvPr>
-            <p:ph type="sldNum" sz="quarter" idx="5"/>
+            <p:ph type="sldNum" sz="quarter" idx="10"/>
           </p:nvPr>
         </p:nvSpPr>
         <p:spPr/>
@@ -24324,7 +24103,7 @@
           <a:p>
             <a:fld id="{94525A9A-2399-4ACF-975E-77FD324B061A}" type="slidenum">
               <a:rPr lang="en-US" smtClean="0"/>
-              <a:t>1</a:t>
+              <a:t>4</a:t>
             </a:fld>
             <a:endParaRPr lang="en-US"/>
           </a:p>
@@ -24333,7 +24112,7 @@
     </p:spTree>
     <p:extLst>
       <p:ext uri="{BB962C8B-B14F-4D97-AF65-F5344CB8AC3E}">
-        <p14:creationId xmlns:p14="http://schemas.microsoft.com/office/powerpoint/2010/main" val="308895167"/>
+        <p14:creationId xmlns:p14="http://schemas.microsoft.com/office/powerpoint/2010/main" val="790098705"/>
       </p:ext>
     </p:extLst>
   </p:cSld>
@@ -24362,7 +24141,7 @@
       </p:grpSpPr>
       <p:sp>
         <p:nvSpPr>
-          <p:cNvPr id="2" name="Slide Image Placeholder 1"/>
+          <p:cNvPr id="2" name="מציין מיקום של תמונת שקופית 1"/>
           <p:cNvSpPr>
             <a:spLocks noGrp="1" noRot="1" noChangeAspect="1"/>
           </p:cNvSpPr>
@@ -24374,7 +24153,7 @@
       </p:sp>
       <p:sp>
         <p:nvSpPr>
-          <p:cNvPr id="3" name="Notes Placeholder 2"/>
+          <p:cNvPr id="3" name="מציין מיקום של הערות 2"/>
           <p:cNvSpPr>
             <a:spLocks noGrp="1"/>
           </p:cNvSpPr>
@@ -24387,17 +24166,14 @@
           <a:bodyPr/>
           <a:lstStyle/>
           <a:p>
-            <a:r>
-              <a:rPr lang="he-IL" dirty="0"/>
-              <a:t>עקרון שמערכת ההפעלה מממשת אותו</a:t>
-            </a:r>
-            <a:endParaRPr lang="en-IL" dirty="0"/>
+            <a:pPr algn="r" rtl="1"/>
+            <a:endParaRPr lang="he-IL" dirty="0"/>
           </a:p>
         </p:txBody>
       </p:sp>
       <p:sp>
         <p:nvSpPr>
-          <p:cNvPr id="4" name="Slide Number Placeholder 3"/>
+          <p:cNvPr id="4" name="מציין מיקום של מספר שקופית 3"/>
           <p:cNvSpPr>
             <a:spLocks noGrp="1"/>
           </p:cNvSpPr>
@@ -24412,7 +24188,7 @@
           <a:p>
             <a:fld id="{94525A9A-2399-4ACF-975E-77FD324B061A}" type="slidenum">
               <a:rPr lang="en-US" smtClean="0"/>
-              <a:t>12</a:t>
+              <a:t>17</a:t>
             </a:fld>
             <a:endParaRPr lang="en-US"/>
           </a:p>
@@ -24421,7 +24197,7 @@
     </p:spTree>
     <p:extLst>
       <p:ext uri="{BB962C8B-B14F-4D97-AF65-F5344CB8AC3E}">
-        <p14:creationId xmlns:p14="http://schemas.microsoft.com/office/powerpoint/2010/main" val="3637283709"/>
+        <p14:creationId xmlns:p14="http://schemas.microsoft.com/office/powerpoint/2010/main" val="3319251472"/>
       </p:ext>
     </p:extLst>
   </p:cSld>
@@ -24475,51 +24251,8 @@
           <a:bodyPr/>
           <a:lstStyle/>
           <a:p>
-            <a:pPr marL="0" marR="0" lvl="0" indent="0" algn="r" defTabSz="914400" rtl="1" eaLnBrk="1" fontAlgn="auto" latinLnBrk="0" hangingPunct="1">
-              <a:lnSpc>
-                <a:spcPct val="100000"/>
-              </a:lnSpc>
-              <a:spcBef>
-                <a:spcPts val="0"/>
-              </a:spcBef>
-              <a:spcAft>
-                <a:spcPts val="0"/>
-              </a:spcAft>
-              <a:buClrTx/>
-              <a:buSzTx/>
-              <a:buFontTx/>
-              <a:buNone/>
-              <a:tabLst/>
-              <a:defRPr/>
-            </a:pPr>
-            <a:r>
-              <a:rPr lang="he-IL" dirty="0"/>
-              <a:t>הבעיה של חלוקת המעבד תקפה גם אם יש כמה ליבות עיבוד (למשל 4), כי מספר התהליכים במערכת יכול להיות גבוה יותר (למשל 40).</a:t>
-            </a:r>
-            <a:endParaRPr lang="en-US" dirty="0"/>
-          </a:p>
-          <a:p>
-            <a:pPr marL="0" marR="0" lvl="0" indent="0" algn="r" defTabSz="914400" rtl="1" eaLnBrk="1" fontAlgn="auto" latinLnBrk="0" hangingPunct="1">
-              <a:lnSpc>
-                <a:spcPct val="100000"/>
-              </a:lnSpc>
-              <a:spcBef>
-                <a:spcPts val="0"/>
-              </a:spcBef>
-              <a:spcAft>
-                <a:spcPts val="0"/>
-              </a:spcAft>
-              <a:buClrTx/>
-              <a:buSzTx/>
-              <a:buFontTx/>
-              <a:buNone/>
-              <a:tabLst/>
-              <a:defRPr/>
-            </a:pPr>
-            <a:r>
-              <a:rPr lang="he-IL" dirty="0"/>
-              <a:t>תקורה- מחיר נוסף שמשלמים מעבר לביצוע הפעולה!</a:t>
-            </a:r>
+            <a:pPr algn="r" rtl="1"/>
+            <a:endParaRPr lang="he-IL" dirty="0"/>
           </a:p>
         </p:txBody>
       </p:sp>
@@ -24540,7 +24273,7 @@
           <a:p>
             <a:fld id="{94525A9A-2399-4ACF-975E-77FD324B061A}" type="slidenum">
               <a:rPr lang="en-US" smtClean="0"/>
-              <a:t>13</a:t>
+              <a:t>18</a:t>
             </a:fld>
             <a:endParaRPr lang="en-US"/>
           </a:p>
@@ -24549,7 +24282,7 @@
     </p:spTree>
     <p:extLst>
       <p:ext uri="{BB962C8B-B14F-4D97-AF65-F5344CB8AC3E}">
-        <p14:creationId xmlns:p14="http://schemas.microsoft.com/office/powerpoint/2010/main" val="1378074251"/>
+        <p14:creationId xmlns:p14="http://schemas.microsoft.com/office/powerpoint/2010/main" val="3870822622"/>
       </p:ext>
     </p:extLst>
   </p:cSld>
@@ -24604,7 +24337,24 @@
           <a:lstStyle/>
           <a:p>
             <a:pPr algn="r" rtl="1"/>
-            <a:endParaRPr lang="he-IL" dirty="0"/>
+            <a:r>
+              <a:rPr lang="he-IL" dirty="0"/>
+              <a:t>למה מערכת ההפעלה מעבירה את המעבד לתהליך?</a:t>
+            </a:r>
+          </a:p>
+          <a:p>
+            <a:pPr algn="r" rtl="1"/>
+            <a:r>
+              <a:rPr lang="he-IL" dirty="0"/>
+              <a:t>הרצה ישירה על המעבד היא חיונית כדי להשיג ביצועים גבוהים לעומת אופציות אחרות,</a:t>
+            </a:r>
+          </a:p>
+          <a:p>
+            <a:pPr algn="r" rtl="1"/>
+            <a:r>
+              <a:rPr lang="he-IL" dirty="0"/>
+              <a:t>לדוגמה אמולציה של המעבד, שבה מערכת ההפעלה מתרגמת את הקוד של התהליך בזמן ריצה ובודקת כל פקודת מכונה שהתהליך מבקש לבצע.</a:t>
+            </a:r>
           </a:p>
         </p:txBody>
       </p:sp>
@@ -24625,7 +24375,7 @@
           <a:p>
             <a:fld id="{94525A9A-2399-4ACF-975E-77FD324B061A}" type="slidenum">
               <a:rPr lang="en-US" smtClean="0"/>
-              <a:t>14</a:t>
+              <a:t>20</a:t>
             </a:fld>
             <a:endParaRPr lang="en-US"/>
           </a:p>
@@ -24634,7 +24384,7 @@
     </p:spTree>
     <p:extLst>
       <p:ext uri="{BB962C8B-B14F-4D97-AF65-F5344CB8AC3E}">
-        <p14:creationId xmlns:p14="http://schemas.microsoft.com/office/powerpoint/2010/main" val="762009411"/>
+        <p14:creationId xmlns:p14="http://schemas.microsoft.com/office/powerpoint/2010/main" val="4098716144"/>
       </p:ext>
     </p:extLst>
   </p:cSld>
@@ -24645,6 +24395,498 @@
 </file>
 
 <file path=ppt/notesSlides/notesSlide13.xml><?xml version="1.0" encoding="utf-8"?>
+<p:notes xmlns:a="http://schemas.openxmlformats.org/drawingml/2006/main" xmlns:r="http://schemas.openxmlformats.org/officeDocument/2006/relationships" xmlns:p="http://schemas.openxmlformats.org/presentationml/2006/main">
+  <p:cSld>
+    <p:spTree>
+      <p:nvGrpSpPr>
+        <p:cNvPr id="1" name=""/>
+        <p:cNvGrpSpPr/>
+        <p:nvPr/>
+      </p:nvGrpSpPr>
+      <p:grpSpPr>
+        <a:xfrm>
+          <a:off x="0" y="0"/>
+          <a:ext cx="0" cy="0"/>
+          <a:chOff x="0" y="0"/>
+          <a:chExt cx="0" cy="0"/>
+        </a:xfrm>
+      </p:grpSpPr>
+      <p:sp>
+        <p:nvSpPr>
+          <p:cNvPr id="2" name="Slide Image Placeholder 1"/>
+          <p:cNvSpPr>
+            <a:spLocks noGrp="1" noRot="1" noChangeAspect="1"/>
+          </p:cNvSpPr>
+          <p:nvPr>
+            <p:ph type="sldImg"/>
+          </p:nvPr>
+        </p:nvSpPr>
+        <p:spPr/>
+      </p:sp>
+      <p:sp>
+        <p:nvSpPr>
+          <p:cNvPr id="3" name="Notes Placeholder 2"/>
+          <p:cNvSpPr>
+            <a:spLocks noGrp="1"/>
+          </p:cNvSpPr>
+          <p:nvPr>
+            <p:ph type="body" idx="1"/>
+          </p:nvPr>
+        </p:nvSpPr>
+        <p:spPr/>
+        <p:txBody>
+          <a:bodyPr/>
+          <a:lstStyle/>
+          <a:p>
+            <a:r>
+              <a:rPr lang="en-US" dirty="0"/>
+              <a:t>This topic is summarized in Chapter 6 in OSTEP (“Mechanism: Limited Direct Execution”).</a:t>
+            </a:r>
+          </a:p>
+        </p:txBody>
+      </p:sp>
+      <p:sp>
+        <p:nvSpPr>
+          <p:cNvPr id="4" name="Slide Number Placeholder 3"/>
+          <p:cNvSpPr>
+            <a:spLocks noGrp="1"/>
+          </p:cNvSpPr>
+          <p:nvPr>
+            <p:ph type="sldNum" sz="quarter" idx="5"/>
+          </p:nvPr>
+        </p:nvSpPr>
+        <p:spPr/>
+        <p:txBody>
+          <a:bodyPr/>
+          <a:lstStyle/>
+          <a:p>
+            <a:fld id="{94525A9A-2399-4ACF-975E-77FD324B061A}" type="slidenum">
+              <a:rPr lang="en-US" smtClean="0"/>
+              <a:t>21</a:t>
+            </a:fld>
+            <a:endParaRPr lang="en-US"/>
+          </a:p>
+        </p:txBody>
+      </p:sp>
+    </p:spTree>
+    <p:extLst>
+      <p:ext uri="{BB962C8B-B14F-4D97-AF65-F5344CB8AC3E}">
+        <p14:creationId xmlns:p14="http://schemas.microsoft.com/office/powerpoint/2010/main" val="520059051"/>
+      </p:ext>
+    </p:extLst>
+  </p:cSld>
+  <p:clrMapOvr>
+    <a:masterClrMapping/>
+  </p:clrMapOvr>
+</p:notes>
+</file>
+
+<file path=ppt/notesSlides/notesSlide14.xml><?xml version="1.0" encoding="utf-8"?>
+<p:notes xmlns:a="http://schemas.openxmlformats.org/drawingml/2006/main" xmlns:r="http://schemas.openxmlformats.org/officeDocument/2006/relationships" xmlns:p="http://schemas.openxmlformats.org/presentationml/2006/main">
+  <p:cSld>
+    <p:spTree>
+      <p:nvGrpSpPr>
+        <p:cNvPr id="1" name=""/>
+        <p:cNvGrpSpPr/>
+        <p:nvPr/>
+      </p:nvGrpSpPr>
+      <p:grpSpPr>
+        <a:xfrm>
+          <a:off x="0" y="0"/>
+          <a:ext cx="0" cy="0"/>
+          <a:chOff x="0" y="0"/>
+          <a:chExt cx="0" cy="0"/>
+        </a:xfrm>
+      </p:grpSpPr>
+      <p:sp>
+        <p:nvSpPr>
+          <p:cNvPr id="2" name="Slide Image Placeholder 1"/>
+          <p:cNvSpPr>
+            <a:spLocks noGrp="1" noRot="1" noChangeAspect="1"/>
+          </p:cNvSpPr>
+          <p:nvPr>
+            <p:ph type="sldImg"/>
+          </p:nvPr>
+        </p:nvSpPr>
+        <p:spPr/>
+      </p:sp>
+      <p:sp>
+        <p:nvSpPr>
+          <p:cNvPr id="3" name="Notes Placeholder 2"/>
+          <p:cNvSpPr>
+            <a:spLocks noGrp="1"/>
+          </p:cNvSpPr>
+          <p:nvPr>
+            <p:ph type="body" idx="1"/>
+          </p:nvPr>
+        </p:nvSpPr>
+        <p:spPr/>
+        <p:txBody>
+          <a:bodyPr/>
+          <a:lstStyle/>
+          <a:p>
+            <a:pPr algn="r" rtl="1"/>
+            <a:r>
+              <a:rPr lang="he-IL" dirty="0"/>
+              <a:t>שימו לב:</a:t>
+            </a:r>
+            <a:r>
+              <a:rPr lang="en-US" dirty="0"/>
+              <a:t> </a:t>
+            </a:r>
+            <a:r>
+              <a:rPr lang="he-IL" dirty="0"/>
+              <a:t>מספיק ביט אחד כדי לשמור את רמת ההרשאות הנוכחית, אבל במעבדי אינטל 64-ביט מוקצים שני ביטים.</a:t>
+            </a:r>
+          </a:p>
+          <a:p>
+            <a:pPr algn="r" rtl="1"/>
+            <a:endParaRPr lang="he-IL" dirty="0"/>
+          </a:p>
+        </p:txBody>
+      </p:sp>
+      <p:sp>
+        <p:nvSpPr>
+          <p:cNvPr id="4" name="Slide Number Placeholder 3"/>
+          <p:cNvSpPr>
+            <a:spLocks noGrp="1"/>
+          </p:cNvSpPr>
+          <p:nvPr>
+            <p:ph type="sldNum" sz="quarter" idx="5"/>
+          </p:nvPr>
+        </p:nvSpPr>
+        <p:spPr/>
+        <p:txBody>
+          <a:bodyPr/>
+          <a:lstStyle/>
+          <a:p>
+            <a:fld id="{94525A9A-2399-4ACF-975E-77FD324B061A}" type="slidenum">
+              <a:rPr lang="en-US" smtClean="0"/>
+              <a:t>22</a:t>
+            </a:fld>
+            <a:endParaRPr lang="en-US"/>
+          </a:p>
+        </p:txBody>
+      </p:sp>
+    </p:spTree>
+    <p:extLst>
+      <p:ext uri="{BB962C8B-B14F-4D97-AF65-F5344CB8AC3E}">
+        <p14:creationId xmlns:p14="http://schemas.microsoft.com/office/powerpoint/2010/main" val="34468922"/>
+      </p:ext>
+    </p:extLst>
+  </p:cSld>
+  <p:clrMapOvr>
+    <a:masterClrMapping/>
+  </p:clrMapOvr>
+</p:notes>
+</file>
+
+<file path=ppt/notesSlides/notesSlide15.xml><?xml version="1.0" encoding="utf-8"?>
+<p:notes xmlns:a="http://schemas.openxmlformats.org/drawingml/2006/main" xmlns:r="http://schemas.openxmlformats.org/officeDocument/2006/relationships" xmlns:p="http://schemas.openxmlformats.org/presentationml/2006/main">
+  <p:cSld>
+    <p:spTree>
+      <p:nvGrpSpPr>
+        <p:cNvPr id="1" name=""/>
+        <p:cNvGrpSpPr/>
+        <p:nvPr/>
+      </p:nvGrpSpPr>
+      <p:grpSpPr>
+        <a:xfrm>
+          <a:off x="0" y="0"/>
+          <a:ext cx="0" cy="0"/>
+          <a:chOff x="0" y="0"/>
+          <a:chExt cx="0" cy="0"/>
+        </a:xfrm>
+      </p:grpSpPr>
+      <p:sp>
+        <p:nvSpPr>
+          <p:cNvPr id="2" name="Slide Image Placeholder 1"/>
+          <p:cNvSpPr>
+            <a:spLocks noGrp="1" noRot="1" noChangeAspect="1"/>
+          </p:cNvSpPr>
+          <p:nvPr>
+            <p:ph type="sldImg"/>
+          </p:nvPr>
+        </p:nvSpPr>
+        <p:spPr/>
+      </p:sp>
+      <p:sp>
+        <p:nvSpPr>
+          <p:cNvPr id="3" name="Notes Placeholder 2"/>
+          <p:cNvSpPr>
+            <a:spLocks noGrp="1"/>
+          </p:cNvSpPr>
+          <p:nvPr>
+            <p:ph type="body" idx="1"/>
+          </p:nvPr>
+        </p:nvSpPr>
+        <p:spPr/>
+        <p:txBody>
+          <a:bodyPr/>
+          <a:lstStyle/>
+          <a:p>
+            <a:pPr algn="r" rtl="1"/>
+            <a:r>
+              <a:rPr lang="he-IL" dirty="0"/>
+              <a:t>יש לזכור כי בשלב זה לא כל הסטודנטים למדו מהי חריגה ומה המשמעות שלה.</a:t>
+            </a:r>
+          </a:p>
+          <a:p>
+            <a:pPr marL="0" marR="0" lvl="0" indent="0" algn="r" defTabSz="914400" rtl="1" eaLnBrk="1" fontAlgn="auto" latinLnBrk="0" hangingPunct="1">
+              <a:lnSpc>
+                <a:spcPct val="100000"/>
+              </a:lnSpc>
+              <a:spcBef>
+                <a:spcPts val="0"/>
+              </a:spcBef>
+              <a:spcAft>
+                <a:spcPts val="0"/>
+              </a:spcAft>
+              <a:buClrTx/>
+              <a:buSzTx/>
+              <a:buFontTx/>
+              <a:buNone/>
+              <a:tabLst/>
+              <a:defRPr/>
+            </a:pPr>
+            <a:r>
+              <a:rPr lang="he-IL" sz="1200" dirty="0"/>
+              <a:t>לכן כדאי להסביר בקצרה שחריגה היא שגיאה שנגרמה ע"י קוד המשתמש, כמו למשל חלוקה באפס או גישה לכתובת </a:t>
+            </a:r>
+            <a:r>
+              <a:rPr lang="en-US" sz="1200" dirty="0"/>
+              <a:t>NULL</a:t>
+            </a:r>
+            <a:r>
+              <a:rPr lang="he-IL" sz="1200" dirty="0"/>
+              <a:t>.</a:t>
+            </a:r>
+            <a:endParaRPr lang="he-IL" dirty="0"/>
+          </a:p>
+          <a:p>
+            <a:pPr algn="r" rtl="1"/>
+            <a:r>
+              <a:rPr lang="he-IL" sz="1200" dirty="0"/>
+              <a:t>לא כל חריגה גורמת לסיום התהליך שיצר אותה – יש חריגות שמסתיימות בשליחת סיגנל לתהליך, והתהליך יכול להתעלם מהסיגנל.</a:t>
+            </a:r>
+          </a:p>
+          <a:p>
+            <a:pPr marL="0" marR="0" lvl="0" indent="0" algn="r" defTabSz="914400" rtl="1" eaLnBrk="1" fontAlgn="auto" latinLnBrk="0" hangingPunct="1">
+              <a:lnSpc>
+                <a:spcPct val="100000"/>
+              </a:lnSpc>
+              <a:spcBef>
+                <a:spcPts val="0"/>
+              </a:spcBef>
+              <a:spcAft>
+                <a:spcPts val="0"/>
+              </a:spcAft>
+              <a:buClrTx/>
+              <a:buSzTx/>
+              <a:buFontTx/>
+              <a:buNone/>
+              <a:tabLst/>
+              <a:defRPr/>
+            </a:pPr>
+            <a:r>
+              <a:rPr lang="he-IL" sz="1200" dirty="0"/>
+              <a:t>אבל בשלב זה של הקורס (לפני שלמדנו על סיגנלים), נרשה לעצמנו להיות פחות מדויקים ;)</a:t>
+            </a:r>
+          </a:p>
+        </p:txBody>
+      </p:sp>
+      <p:sp>
+        <p:nvSpPr>
+          <p:cNvPr id="4" name="Slide Number Placeholder 3"/>
+          <p:cNvSpPr>
+            <a:spLocks noGrp="1"/>
+          </p:cNvSpPr>
+          <p:nvPr>
+            <p:ph type="sldNum" sz="quarter" idx="5"/>
+          </p:nvPr>
+        </p:nvSpPr>
+        <p:spPr/>
+        <p:txBody>
+          <a:bodyPr/>
+          <a:lstStyle/>
+          <a:p>
+            <a:fld id="{94525A9A-2399-4ACF-975E-77FD324B061A}" type="slidenum">
+              <a:rPr lang="en-US" smtClean="0"/>
+              <a:t>23</a:t>
+            </a:fld>
+            <a:endParaRPr lang="en-US"/>
+          </a:p>
+        </p:txBody>
+      </p:sp>
+    </p:spTree>
+    <p:extLst>
+      <p:ext uri="{BB962C8B-B14F-4D97-AF65-F5344CB8AC3E}">
+        <p14:creationId xmlns:p14="http://schemas.microsoft.com/office/powerpoint/2010/main" val="2356394400"/>
+      </p:ext>
+    </p:extLst>
+  </p:cSld>
+  <p:clrMapOvr>
+    <a:masterClrMapping/>
+  </p:clrMapOvr>
+</p:notes>
+</file>
+
+<file path=ppt/notesSlides/notesSlide16.xml><?xml version="1.0" encoding="utf-8"?>
+<p:notes xmlns:a="http://schemas.openxmlformats.org/drawingml/2006/main" xmlns:r="http://schemas.openxmlformats.org/officeDocument/2006/relationships" xmlns:p="http://schemas.openxmlformats.org/presentationml/2006/main">
+  <p:cSld>
+    <p:spTree>
+      <p:nvGrpSpPr>
+        <p:cNvPr id="1" name=""/>
+        <p:cNvGrpSpPr/>
+        <p:nvPr/>
+      </p:nvGrpSpPr>
+      <p:grpSpPr>
+        <a:xfrm>
+          <a:off x="0" y="0"/>
+          <a:ext cx="0" cy="0"/>
+          <a:chOff x="0" y="0"/>
+          <a:chExt cx="0" cy="0"/>
+        </a:xfrm>
+      </p:grpSpPr>
+      <p:sp>
+        <p:nvSpPr>
+          <p:cNvPr id="2" name="Slide Image Placeholder 1"/>
+          <p:cNvSpPr>
+            <a:spLocks noGrp="1" noRot="1" noChangeAspect="1"/>
+          </p:cNvSpPr>
+          <p:nvPr>
+            <p:ph type="sldImg"/>
+          </p:nvPr>
+        </p:nvSpPr>
+        <p:spPr/>
+      </p:sp>
+      <p:sp>
+        <p:nvSpPr>
+          <p:cNvPr id="3" name="Notes Placeholder 2"/>
+          <p:cNvSpPr>
+            <a:spLocks noGrp="1"/>
+          </p:cNvSpPr>
+          <p:nvPr>
+            <p:ph type="body" idx="1"/>
+          </p:nvPr>
+        </p:nvSpPr>
+        <p:spPr/>
+        <p:txBody>
+          <a:bodyPr/>
+          <a:lstStyle/>
+          <a:p>
+            <a:pPr marL="0" marR="0" lvl="0" indent="0" algn="r" defTabSz="914400" rtl="1" eaLnBrk="1" fontAlgn="auto" latinLnBrk="0" hangingPunct="1">
+              <a:lnSpc>
+                <a:spcPct val="100000"/>
+              </a:lnSpc>
+              <a:spcBef>
+                <a:spcPts val="0"/>
+              </a:spcBef>
+              <a:spcAft>
+                <a:spcPts val="0"/>
+              </a:spcAft>
+              <a:buClrTx/>
+              <a:buSzTx/>
+              <a:buFontTx/>
+              <a:buNone/>
+              <a:tabLst/>
+              <a:defRPr/>
+            </a:pPr>
+            <a:r>
+              <a:rPr lang="he-IL" dirty="0"/>
+              <a:t>תשובה: אנחנו כמובן לא יכולים ולא רוצים לסמוך על המשתמש שיעביר את השליטה למערכת ההפעלה אחרי שהעלה את ההרשאות.</a:t>
+            </a:r>
+          </a:p>
+          <a:p>
+            <a:pPr marL="0" marR="0" lvl="0" indent="0" algn="r" defTabSz="914400" rtl="1" eaLnBrk="1" fontAlgn="auto" latinLnBrk="0" hangingPunct="1">
+              <a:lnSpc>
+                <a:spcPct val="100000"/>
+              </a:lnSpc>
+              <a:spcBef>
+                <a:spcPts val="0"/>
+              </a:spcBef>
+              <a:spcAft>
+                <a:spcPts val="0"/>
+              </a:spcAft>
+              <a:buClrTx/>
+              <a:buSzTx/>
+              <a:buFontTx/>
+              <a:buNone/>
+              <a:tabLst/>
+              <a:defRPr/>
+            </a:pPr>
+            <a:endParaRPr lang="he-IL" dirty="0"/>
+          </a:p>
+          <a:p>
+            <a:pPr marL="0" marR="0" lvl="0" indent="0" algn="r" defTabSz="914400" rtl="1" eaLnBrk="1" fontAlgn="auto" latinLnBrk="0" hangingPunct="1">
+              <a:lnSpc>
+                <a:spcPct val="100000"/>
+              </a:lnSpc>
+              <a:spcBef>
+                <a:spcPts val="0"/>
+              </a:spcBef>
+              <a:spcAft>
+                <a:spcPts val="0"/>
+              </a:spcAft>
+              <a:buClrTx/>
+              <a:buSzTx/>
+              <a:buFontTx/>
+              <a:buNone/>
+              <a:tabLst/>
+              <a:defRPr/>
+            </a:pPr>
+            <a:r>
+              <a:rPr lang="he-IL" dirty="0"/>
+              <a:t>קריאה ל-</a:t>
+            </a:r>
+            <a:r>
+              <a:rPr lang="en-US" dirty="0"/>
+              <a:t>system call</a:t>
+            </a:r>
+            <a:r>
+              <a:rPr lang="he-IL" dirty="0"/>
+              <a:t> שונה מקריאה לפונקציה "רגילה.</a:t>
+            </a:r>
+          </a:p>
+        </p:txBody>
+      </p:sp>
+      <p:sp>
+        <p:nvSpPr>
+          <p:cNvPr id="4" name="Slide Number Placeholder 3"/>
+          <p:cNvSpPr>
+            <a:spLocks noGrp="1"/>
+          </p:cNvSpPr>
+          <p:nvPr>
+            <p:ph type="sldNum" sz="quarter" idx="5"/>
+          </p:nvPr>
+        </p:nvSpPr>
+        <p:spPr/>
+        <p:txBody>
+          <a:bodyPr/>
+          <a:lstStyle/>
+          <a:p>
+            <a:fld id="{94525A9A-2399-4ACF-975E-77FD324B061A}" type="slidenum">
+              <a:rPr lang="en-US" smtClean="0"/>
+              <a:t>24</a:t>
+            </a:fld>
+            <a:endParaRPr lang="en-US"/>
+          </a:p>
+        </p:txBody>
+      </p:sp>
+    </p:spTree>
+    <p:extLst>
+      <p:ext uri="{BB962C8B-B14F-4D97-AF65-F5344CB8AC3E}">
+        <p14:creationId xmlns:p14="http://schemas.microsoft.com/office/powerpoint/2010/main" val="3683345476"/>
+      </p:ext>
+    </p:extLst>
+  </p:cSld>
+  <p:clrMapOvr>
+    <a:masterClrMapping/>
+  </p:clrMapOvr>
+</p:notes>
+</file>
+
+<file path=ppt/notesSlides/notesSlide17.xml><?xml version="1.0" encoding="utf-8"?>
 <p:notes xmlns:a="http://schemas.openxmlformats.org/drawingml/2006/main" xmlns:r="http://schemas.openxmlformats.org/officeDocument/2006/relationships" xmlns:p="http://schemas.openxmlformats.org/presentationml/2006/main">
   <p:cSld>
     <p:spTree>
@@ -24691,43 +24933,8 @@
             <a:pPr algn="r" rtl="1"/>
             <a:r>
               <a:rPr lang="he-IL" dirty="0"/>
-              <a:t>בפועל, מערכת ההפעלה מפעילה את הטכניקה המתוארת לעיל על כל </a:t>
-            </a:r>
-            <a:r>
-              <a:rPr lang="he-IL" b="1" dirty="0"/>
-              <a:t>ליבה</a:t>
-            </a:r>
-            <a:r>
-              <a:rPr lang="he-IL" dirty="0"/>
-              <a:t> של המעבד.</a:t>
-            </a:r>
-          </a:p>
-          <a:p>
-            <a:pPr marL="0" marR="0" lvl="0" indent="0" algn="r" defTabSz="914400" rtl="1" eaLnBrk="1" fontAlgn="auto" latinLnBrk="0" hangingPunct="1">
-              <a:lnSpc>
-                <a:spcPct val="100000"/>
-              </a:lnSpc>
-              <a:spcBef>
-                <a:spcPts val="0"/>
-              </a:spcBef>
-              <a:spcAft>
-                <a:spcPts val="0"/>
-              </a:spcAft>
-              <a:buClrTx/>
-              <a:buSzTx/>
-              <a:buFontTx/>
-              <a:buNone/>
-              <a:tabLst/>
-              <a:defRPr/>
-            </a:pPr>
-            <a:r>
-              <a:rPr lang="he-IL" dirty="0"/>
-              <a:t>המעבד מריץ מליארד פקודות בשניה</a:t>
-            </a:r>
-          </a:p>
-          <a:p>
-            <a:pPr algn="r" rtl="1"/>
-            <a:endParaRPr lang="he-IL" dirty="0"/>
+              <a:t>הפתרון היחיד לבעיה לעיל הוא לכבות את המחשב ולהדליק מחדש – פתרון גרוע מאוד, כמובן.</a:t>
+            </a:r>
           </a:p>
         </p:txBody>
       </p:sp>
@@ -24748,7 +24955,7 @@
           <a:p>
             <a:fld id="{94525A9A-2399-4ACF-975E-77FD324B061A}" type="slidenum">
               <a:rPr lang="en-US" smtClean="0"/>
-              <a:t>15</a:t>
+              <a:t>29</a:t>
             </a:fld>
             <a:endParaRPr lang="en-US"/>
           </a:p>
@@ -24757,366 +24964,7 @@
     </p:spTree>
     <p:extLst>
       <p:ext uri="{BB962C8B-B14F-4D97-AF65-F5344CB8AC3E}">
-        <p14:creationId xmlns:p14="http://schemas.microsoft.com/office/powerpoint/2010/main" val="968242805"/>
-      </p:ext>
-    </p:extLst>
-  </p:cSld>
-  <p:clrMapOvr>
-    <a:masterClrMapping/>
-  </p:clrMapOvr>
-</p:notes>
-</file>
-
-<file path=ppt/notesSlides/notesSlide14.xml><?xml version="1.0" encoding="utf-8"?>
-<p:notes xmlns:a="http://schemas.openxmlformats.org/drawingml/2006/main" xmlns:r="http://schemas.openxmlformats.org/officeDocument/2006/relationships" xmlns:p="http://schemas.openxmlformats.org/presentationml/2006/main">
-  <p:cSld>
-    <p:spTree>
-      <p:nvGrpSpPr>
-        <p:cNvPr id="1" name=""/>
-        <p:cNvGrpSpPr/>
-        <p:nvPr/>
-      </p:nvGrpSpPr>
-      <p:grpSpPr>
-        <a:xfrm>
-          <a:off x="0" y="0"/>
-          <a:ext cx="0" cy="0"/>
-          <a:chOff x="0" y="0"/>
-          <a:chExt cx="0" cy="0"/>
-        </a:xfrm>
-      </p:grpSpPr>
-      <p:sp>
-        <p:nvSpPr>
-          <p:cNvPr id="2" name="מציין מיקום של תמונת שקופית 1"/>
-          <p:cNvSpPr>
-            <a:spLocks noGrp="1" noRot="1" noChangeAspect="1"/>
-          </p:cNvSpPr>
-          <p:nvPr>
-            <p:ph type="sldImg"/>
-          </p:nvPr>
-        </p:nvSpPr>
-        <p:spPr/>
-      </p:sp>
-      <p:sp>
-        <p:nvSpPr>
-          <p:cNvPr id="3" name="מציין מיקום של הערות 2"/>
-          <p:cNvSpPr>
-            <a:spLocks noGrp="1"/>
-          </p:cNvSpPr>
-          <p:nvPr>
-            <p:ph type="body" idx="1"/>
-          </p:nvPr>
-        </p:nvSpPr>
-        <p:spPr/>
-        <p:txBody>
-          <a:bodyPr/>
-          <a:lstStyle/>
-          <a:p>
-            <a:pPr algn="r" rtl="1"/>
-            <a:endParaRPr lang="he-IL" dirty="0"/>
-          </a:p>
-        </p:txBody>
-      </p:sp>
-      <p:sp>
-        <p:nvSpPr>
-          <p:cNvPr id="4" name="מציין מיקום של מספר שקופית 3"/>
-          <p:cNvSpPr>
-            <a:spLocks noGrp="1"/>
-          </p:cNvSpPr>
-          <p:nvPr>
-            <p:ph type="sldNum" sz="quarter" idx="5"/>
-          </p:nvPr>
-        </p:nvSpPr>
-        <p:spPr/>
-        <p:txBody>
-          <a:bodyPr/>
-          <a:lstStyle/>
-          <a:p>
-            <a:fld id="{94525A9A-2399-4ACF-975E-77FD324B061A}" type="slidenum">
-              <a:rPr lang="en-US" smtClean="0"/>
-              <a:t>16</a:t>
-            </a:fld>
-            <a:endParaRPr lang="en-US"/>
-          </a:p>
-        </p:txBody>
-      </p:sp>
-    </p:spTree>
-    <p:extLst>
-      <p:ext uri="{BB962C8B-B14F-4D97-AF65-F5344CB8AC3E}">
-        <p14:creationId xmlns:p14="http://schemas.microsoft.com/office/powerpoint/2010/main" val="3319251472"/>
-      </p:ext>
-    </p:extLst>
-  </p:cSld>
-  <p:clrMapOvr>
-    <a:masterClrMapping/>
-  </p:clrMapOvr>
-</p:notes>
-</file>
-
-<file path=ppt/notesSlides/notesSlide15.xml><?xml version="1.0" encoding="utf-8"?>
-<p:notes xmlns:a="http://schemas.openxmlformats.org/drawingml/2006/main" xmlns:r="http://schemas.openxmlformats.org/officeDocument/2006/relationships" xmlns:p="http://schemas.openxmlformats.org/presentationml/2006/main">
-  <p:cSld>
-    <p:spTree>
-      <p:nvGrpSpPr>
-        <p:cNvPr id="1" name=""/>
-        <p:cNvGrpSpPr/>
-        <p:nvPr/>
-      </p:nvGrpSpPr>
-      <p:grpSpPr>
-        <a:xfrm>
-          <a:off x="0" y="0"/>
-          <a:ext cx="0" cy="0"/>
-          <a:chOff x="0" y="0"/>
-          <a:chExt cx="0" cy="0"/>
-        </a:xfrm>
-      </p:grpSpPr>
-      <p:sp>
-        <p:nvSpPr>
-          <p:cNvPr id="2" name="מציין מיקום של תמונת שקופית 1"/>
-          <p:cNvSpPr>
-            <a:spLocks noGrp="1" noRot="1" noChangeAspect="1"/>
-          </p:cNvSpPr>
-          <p:nvPr>
-            <p:ph type="sldImg"/>
-          </p:nvPr>
-        </p:nvSpPr>
-        <p:spPr/>
-      </p:sp>
-      <p:sp>
-        <p:nvSpPr>
-          <p:cNvPr id="3" name="מציין מיקום של הערות 2"/>
-          <p:cNvSpPr>
-            <a:spLocks noGrp="1"/>
-          </p:cNvSpPr>
-          <p:nvPr>
-            <p:ph type="body" idx="1"/>
-          </p:nvPr>
-        </p:nvSpPr>
-        <p:spPr/>
-        <p:txBody>
-          <a:bodyPr/>
-          <a:lstStyle/>
-          <a:p>
-            <a:pPr algn="r" rtl="1"/>
-            <a:endParaRPr lang="he-IL" dirty="0"/>
-          </a:p>
-        </p:txBody>
-      </p:sp>
-      <p:sp>
-        <p:nvSpPr>
-          <p:cNvPr id="4" name="מציין מיקום של מספר שקופית 3"/>
-          <p:cNvSpPr>
-            <a:spLocks noGrp="1"/>
-          </p:cNvSpPr>
-          <p:nvPr>
-            <p:ph type="sldNum" sz="quarter" idx="5"/>
-          </p:nvPr>
-        </p:nvSpPr>
-        <p:spPr/>
-        <p:txBody>
-          <a:bodyPr/>
-          <a:lstStyle/>
-          <a:p>
-            <a:fld id="{94525A9A-2399-4ACF-975E-77FD324B061A}" type="slidenum">
-              <a:rPr lang="en-US" smtClean="0"/>
-              <a:t>17</a:t>
-            </a:fld>
-            <a:endParaRPr lang="en-US"/>
-          </a:p>
-        </p:txBody>
-      </p:sp>
-    </p:spTree>
-    <p:extLst>
-      <p:ext uri="{BB962C8B-B14F-4D97-AF65-F5344CB8AC3E}">
-        <p14:creationId xmlns:p14="http://schemas.microsoft.com/office/powerpoint/2010/main" val="3870822622"/>
-      </p:ext>
-    </p:extLst>
-  </p:cSld>
-  <p:clrMapOvr>
-    <a:masterClrMapping/>
-  </p:clrMapOvr>
-</p:notes>
-</file>
-
-<file path=ppt/notesSlides/notesSlide16.xml><?xml version="1.0" encoding="utf-8"?>
-<p:notes xmlns:a="http://schemas.openxmlformats.org/drawingml/2006/main" xmlns:r="http://schemas.openxmlformats.org/officeDocument/2006/relationships" xmlns:p="http://schemas.openxmlformats.org/presentationml/2006/main">
-  <p:cSld>
-    <p:spTree>
-      <p:nvGrpSpPr>
-        <p:cNvPr id="1" name=""/>
-        <p:cNvGrpSpPr/>
-        <p:nvPr/>
-      </p:nvGrpSpPr>
-      <p:grpSpPr>
-        <a:xfrm>
-          <a:off x="0" y="0"/>
-          <a:ext cx="0" cy="0"/>
-          <a:chOff x="0" y="0"/>
-          <a:chExt cx="0" cy="0"/>
-        </a:xfrm>
-      </p:grpSpPr>
-      <p:sp>
-        <p:nvSpPr>
-          <p:cNvPr id="2" name="מציין מיקום של תמונת שקופית 1"/>
-          <p:cNvSpPr>
-            <a:spLocks noGrp="1" noRot="1" noChangeAspect="1"/>
-          </p:cNvSpPr>
-          <p:nvPr>
-            <p:ph type="sldImg"/>
-          </p:nvPr>
-        </p:nvSpPr>
-        <p:spPr/>
-      </p:sp>
-      <p:sp>
-        <p:nvSpPr>
-          <p:cNvPr id="3" name="מציין מיקום של הערות 2"/>
-          <p:cNvSpPr>
-            <a:spLocks noGrp="1"/>
-          </p:cNvSpPr>
-          <p:nvPr>
-            <p:ph type="body" idx="1"/>
-          </p:nvPr>
-        </p:nvSpPr>
-        <p:spPr/>
-        <p:txBody>
-          <a:bodyPr/>
-          <a:lstStyle/>
-          <a:p>
-            <a:pPr algn="r" rtl="1"/>
-            <a:r>
-              <a:rPr lang="he-IL" dirty="0"/>
-              <a:t>למה מערכת ההפעלה מעבירה את המעבד לתהליך?</a:t>
-            </a:r>
-          </a:p>
-          <a:p>
-            <a:pPr algn="r" rtl="1"/>
-            <a:r>
-              <a:rPr lang="he-IL" dirty="0"/>
-              <a:t>הרצה ישירה על המעבד היא חיונית כדי להשיג ביצועים גבוהים לעומת אופציות אחרות,</a:t>
-            </a:r>
-          </a:p>
-          <a:p>
-            <a:pPr algn="r" rtl="1"/>
-            <a:r>
-              <a:rPr lang="he-IL" dirty="0"/>
-              <a:t>לדוגמה אמולציה של המעבד, שבה מערכת ההפעלה מתרגמת את הקוד של התהליך בזמן ריצה ובודקת כל פקודת מכונה שהתהליך מבקש לבצע.</a:t>
-            </a:r>
-          </a:p>
-        </p:txBody>
-      </p:sp>
-      <p:sp>
-        <p:nvSpPr>
-          <p:cNvPr id="4" name="מציין מיקום של מספר שקופית 3"/>
-          <p:cNvSpPr>
-            <a:spLocks noGrp="1"/>
-          </p:cNvSpPr>
-          <p:nvPr>
-            <p:ph type="sldNum" sz="quarter" idx="5"/>
-          </p:nvPr>
-        </p:nvSpPr>
-        <p:spPr/>
-        <p:txBody>
-          <a:bodyPr/>
-          <a:lstStyle/>
-          <a:p>
-            <a:fld id="{94525A9A-2399-4ACF-975E-77FD324B061A}" type="slidenum">
-              <a:rPr lang="en-US" smtClean="0"/>
-              <a:t>18</a:t>
-            </a:fld>
-            <a:endParaRPr lang="en-US"/>
-          </a:p>
-        </p:txBody>
-      </p:sp>
-    </p:spTree>
-    <p:extLst>
-      <p:ext uri="{BB962C8B-B14F-4D97-AF65-F5344CB8AC3E}">
-        <p14:creationId xmlns:p14="http://schemas.microsoft.com/office/powerpoint/2010/main" val="4098716144"/>
-      </p:ext>
-    </p:extLst>
-  </p:cSld>
-  <p:clrMapOvr>
-    <a:masterClrMapping/>
-  </p:clrMapOvr>
-</p:notes>
-</file>
-
-<file path=ppt/notesSlides/notesSlide17.xml><?xml version="1.0" encoding="utf-8"?>
-<p:notes xmlns:a="http://schemas.openxmlformats.org/drawingml/2006/main" xmlns:r="http://schemas.openxmlformats.org/officeDocument/2006/relationships" xmlns:p="http://schemas.openxmlformats.org/presentationml/2006/main">
-  <p:cSld>
-    <p:spTree>
-      <p:nvGrpSpPr>
-        <p:cNvPr id="1" name=""/>
-        <p:cNvGrpSpPr/>
-        <p:nvPr/>
-      </p:nvGrpSpPr>
-      <p:grpSpPr>
-        <a:xfrm>
-          <a:off x="0" y="0"/>
-          <a:ext cx="0" cy="0"/>
-          <a:chOff x="0" y="0"/>
-          <a:chExt cx="0" cy="0"/>
-        </a:xfrm>
-      </p:grpSpPr>
-      <p:sp>
-        <p:nvSpPr>
-          <p:cNvPr id="2" name="Slide Image Placeholder 1"/>
-          <p:cNvSpPr>
-            <a:spLocks noGrp="1" noRot="1" noChangeAspect="1"/>
-          </p:cNvSpPr>
-          <p:nvPr>
-            <p:ph type="sldImg"/>
-          </p:nvPr>
-        </p:nvSpPr>
-        <p:spPr/>
-      </p:sp>
-      <p:sp>
-        <p:nvSpPr>
-          <p:cNvPr id="3" name="Notes Placeholder 2"/>
-          <p:cNvSpPr>
-            <a:spLocks noGrp="1"/>
-          </p:cNvSpPr>
-          <p:nvPr>
-            <p:ph type="body" idx="1"/>
-          </p:nvPr>
-        </p:nvSpPr>
-        <p:spPr/>
-        <p:txBody>
-          <a:bodyPr/>
-          <a:lstStyle/>
-          <a:p>
-            <a:r>
-              <a:rPr lang="en-US" dirty="0"/>
-              <a:t>This topic is summarized in Chapter 6 in OSTEP (“Mechanism: Limited Direct Execution”).</a:t>
-            </a:r>
-          </a:p>
-        </p:txBody>
-      </p:sp>
-      <p:sp>
-        <p:nvSpPr>
-          <p:cNvPr id="4" name="Slide Number Placeholder 3"/>
-          <p:cNvSpPr>
-            <a:spLocks noGrp="1"/>
-          </p:cNvSpPr>
-          <p:nvPr>
-            <p:ph type="sldNum" sz="quarter" idx="5"/>
-          </p:nvPr>
-        </p:nvSpPr>
-        <p:spPr/>
-        <p:txBody>
-          <a:bodyPr/>
-          <a:lstStyle/>
-          <a:p>
-            <a:fld id="{94525A9A-2399-4ACF-975E-77FD324B061A}" type="slidenum">
-              <a:rPr lang="en-US" smtClean="0"/>
-              <a:t>19</a:t>
-            </a:fld>
-            <a:endParaRPr lang="en-US"/>
-          </a:p>
-        </p:txBody>
-      </p:sp>
-    </p:spTree>
-    <p:extLst>
-      <p:ext uri="{BB962C8B-B14F-4D97-AF65-F5344CB8AC3E}">
-        <p14:creationId xmlns:p14="http://schemas.microsoft.com/office/powerpoint/2010/main" val="520059051"/>
+        <p14:creationId xmlns:p14="http://schemas.microsoft.com/office/powerpoint/2010/main" val="851896746"/>
       </p:ext>
     </p:extLst>
   </p:cSld>
@@ -25171,22 +25019,7 @@
           <a:lstStyle/>
           <a:p>
             <a:pPr algn="r" rtl="1"/>
-            <a:r>
-              <a:rPr lang="he-IL" dirty="0"/>
-              <a:t>שימו לב:</a:t>
-            </a:r>
-            <a:r>
-              <a:rPr lang="en-US" dirty="0"/>
-              <a:t> </a:t>
-            </a:r>
-            <a:r>
-              <a:rPr lang="he-IL" dirty="0"/>
-              <a:t>מספיק ביט אחד כדי לשמור את רמת ההרשאות הנוכחית, אבל במעבדי אינטל 64-ביט מוקצים שני ביטים.</a:t>
-            </a:r>
-          </a:p>
-          <a:p>
-            <a:pPr algn="r" rtl="1"/>
-            <a:endParaRPr lang="he-IL" dirty="0"/>
+            <a:endParaRPr lang="en-US" dirty="0"/>
           </a:p>
         </p:txBody>
       </p:sp>
@@ -25207,7 +25040,7 @@
           <a:p>
             <a:fld id="{94525A9A-2399-4ACF-975E-77FD324B061A}" type="slidenum">
               <a:rPr lang="en-US" smtClean="0"/>
-              <a:t>20</a:t>
+              <a:t>30</a:t>
             </a:fld>
             <a:endParaRPr lang="en-US"/>
           </a:p>
@@ -25216,7 +25049,7 @@
     </p:spTree>
     <p:extLst>
       <p:ext uri="{BB962C8B-B14F-4D97-AF65-F5344CB8AC3E}">
-        <p14:creationId xmlns:p14="http://schemas.microsoft.com/office/powerpoint/2010/main" val="34468922"/>
+        <p14:creationId xmlns:p14="http://schemas.microsoft.com/office/powerpoint/2010/main" val="2376002238"/>
       </p:ext>
     </p:extLst>
   </p:cSld>
@@ -25273,71 +25106,9 @@
             <a:pPr algn="r" rtl="1"/>
             <a:r>
               <a:rPr lang="he-IL" sz="1200" dirty="0"/>
-              <a:t>חריגה היא שגיאה שנגרמה ע"י קוד המשתמש, כמו למשל חלוקה באפס או גישה לכתובת </a:t>
-            </a:r>
-            <a:r>
-              <a:rPr lang="en-US" sz="1200" dirty="0"/>
-              <a:t>NULL</a:t>
-            </a:r>
-            <a:r>
-              <a:rPr lang="he-IL" sz="1200" dirty="0"/>
-              <a:t>.</a:t>
+              <a:t>בין אם הוא במצב משתמש או מצב גרעין</a:t>
             </a:r>
             <a:endParaRPr lang="he-IL" dirty="0"/>
-          </a:p>
-          <a:p>
-            <a:pPr algn="r" rtl="1"/>
-            <a:r>
-              <a:rPr lang="he-IL" sz="1200" dirty="0"/>
-              <a:t>לא כל חריגה גורמת לסיום התהליך שיצר אותה – יש חריגות שמסתיימות בשליחת סיגנל לתהליך, והתהליך יכול להתעלם מהסיגנל.</a:t>
-            </a:r>
-          </a:p>
-          <a:p>
-            <a:pPr marL="0" marR="0" lvl="0" indent="0" algn="r" defTabSz="914400" rtl="1" eaLnBrk="1" fontAlgn="auto" latinLnBrk="0" hangingPunct="1">
-              <a:lnSpc>
-                <a:spcPct val="100000"/>
-              </a:lnSpc>
-              <a:spcBef>
-                <a:spcPts val="0"/>
-              </a:spcBef>
-              <a:spcAft>
-                <a:spcPts val="0"/>
-              </a:spcAft>
-              <a:buClrTx/>
-              <a:buSzTx/>
-              <a:buFontTx/>
-              <a:buNone/>
-              <a:tabLst/>
-              <a:defRPr/>
-            </a:pPr>
-            <a:r>
-              <a:rPr lang="he-IL" sz="1200" dirty="0"/>
-              <a:t>אבל בשלב זה של הקורס (לפני שלמדנו על סיגנלים), נרשה לעצמנו להיות פחות מדויקים ;)</a:t>
-            </a:r>
-            <a:endParaRPr lang="en-US" sz="1200" dirty="0"/>
-          </a:p>
-          <a:p>
-            <a:pPr marL="0" marR="0" lvl="0" indent="0" algn="r" defTabSz="914400" rtl="1" eaLnBrk="1" fontAlgn="auto" latinLnBrk="0" hangingPunct="1">
-              <a:lnSpc>
-                <a:spcPct val="100000"/>
-              </a:lnSpc>
-              <a:spcBef>
-                <a:spcPts val="0"/>
-              </a:spcBef>
-              <a:spcAft>
-                <a:spcPts val="0"/>
-              </a:spcAft>
-              <a:buClrTx/>
-              <a:buSzTx/>
-              <a:buFontTx/>
-              <a:buNone/>
-              <a:tabLst/>
-              <a:defRPr/>
-            </a:pPr>
-            <a:r>
-              <a:rPr lang="he-IL" sz="1200" dirty="0"/>
-              <a:t>מיוחסת- מורשה</a:t>
-            </a:r>
           </a:p>
         </p:txBody>
       </p:sp>
@@ -25358,7 +25129,7 @@
           <a:p>
             <a:fld id="{94525A9A-2399-4ACF-975E-77FD324B061A}" type="slidenum">
               <a:rPr lang="en-US" smtClean="0"/>
-              <a:t>21</a:t>
+              <a:t>31</a:t>
             </a:fld>
             <a:endParaRPr lang="en-US"/>
           </a:p>
@@ -25367,7 +25138,7 @@
     </p:spTree>
     <p:extLst>
       <p:ext uri="{BB962C8B-B14F-4D97-AF65-F5344CB8AC3E}">
-        <p14:creationId xmlns:p14="http://schemas.microsoft.com/office/powerpoint/2010/main" val="2356394400"/>
+        <p14:creationId xmlns:p14="http://schemas.microsoft.com/office/powerpoint/2010/main" val="604677194"/>
       </p:ext>
     </p:extLst>
   </p:cSld>
@@ -25421,11 +25192,20 @@
           <a:bodyPr/>
           <a:lstStyle/>
           <a:p>
+            <a:pPr algn="r" rtl="1"/>
             <a:r>
               <a:rPr lang="he-IL" dirty="0"/>
-              <a:t>מה אתם יודעים על הקורס?</a:t>
-            </a:r>
-            <a:endParaRPr lang="en-IL" dirty="0"/>
+              <a:t>יש הרבה חומר כי גם בתרגולים לומדים חומר חדש (וגם קצת מתרגלים את החומר שכבר למדנו...).</a:t>
+            </a:r>
+            <a:endParaRPr lang="en-US" dirty="0"/>
+          </a:p>
+          <a:p>
+            <a:pPr algn="r" rtl="1"/>
+            <a:r>
+              <a:rPr lang="he-IL" dirty="0"/>
+              <a:t>אין גבולות גיזרה מוגדרים כי מאוד קשה לבנות מערכת הפעלה שמיישמת את העקרונות של אבסטרקציה, מודולריות, אנקפסולציה וכו'</a:t>
+            </a:r>
+            <a:endParaRPr lang="en-US" dirty="0"/>
           </a:p>
         </p:txBody>
       </p:sp>
@@ -25436,7 +25216,7 @@
             <a:spLocks noGrp="1"/>
           </p:cNvSpPr>
           <p:nvPr>
-            <p:ph type="sldNum" sz="quarter" idx="5"/>
+            <p:ph type="sldNum" sz="quarter" idx="10"/>
           </p:nvPr>
         </p:nvSpPr>
         <p:spPr/>
@@ -25446,7 +25226,7 @@
           <a:p>
             <a:fld id="{94525A9A-2399-4ACF-975E-77FD324B061A}" type="slidenum">
               <a:rPr lang="en-US" smtClean="0"/>
-              <a:t>2</a:t>
+              <a:t>5</a:t>
             </a:fld>
             <a:endParaRPr lang="en-US"/>
           </a:p>
@@ -25455,7 +25235,7 @@
     </p:spTree>
     <p:extLst>
       <p:ext uri="{BB962C8B-B14F-4D97-AF65-F5344CB8AC3E}">
-        <p14:creationId xmlns:p14="http://schemas.microsoft.com/office/powerpoint/2010/main" val="1225796027"/>
+        <p14:creationId xmlns:p14="http://schemas.microsoft.com/office/powerpoint/2010/main" val="2896456426"/>
       </p:ext>
     </p:extLst>
   </p:cSld>
@@ -25509,77 +25289,31 @@
           <a:bodyPr/>
           <a:lstStyle/>
           <a:p>
-            <a:pPr marL="0" marR="0" lvl="0" indent="0" algn="r" defTabSz="914400" rtl="1" eaLnBrk="1" fontAlgn="auto" latinLnBrk="0" hangingPunct="1">
-              <a:lnSpc>
-                <a:spcPct val="100000"/>
-              </a:lnSpc>
-              <a:spcBef>
-                <a:spcPts val="0"/>
-              </a:spcBef>
-              <a:spcAft>
-                <a:spcPts val="0"/>
-              </a:spcAft>
-              <a:buClrTx/>
-              <a:buSzTx/>
-              <a:buFontTx/>
-              <a:buNone/>
-              <a:tabLst/>
-              <a:defRPr/>
-            </a:pPr>
+            <a:pPr algn="r" rtl="1"/>
             <a:r>
               <a:rPr lang="he-IL" dirty="0"/>
-              <a:t>תשובה: אנחנו כמובן לא יכולים ולא רוצים לסמוך על המשתמש שיעביר את השליטה למערכת ההפעלה אחרי שהעלה את ההרשאות.</a:t>
-            </a:r>
-          </a:p>
-          <a:p>
-            <a:pPr marL="0" marR="0" lvl="0" indent="0" algn="r" defTabSz="914400" rtl="1" eaLnBrk="1" fontAlgn="auto" latinLnBrk="0" hangingPunct="1">
-              <a:lnSpc>
-                <a:spcPct val="100000"/>
-              </a:lnSpc>
-              <a:spcBef>
-                <a:spcPts val="0"/>
-              </a:spcBef>
-              <a:spcAft>
-                <a:spcPts val="0"/>
-              </a:spcAft>
-              <a:buClrTx/>
-              <a:buSzTx/>
-              <a:buFontTx/>
-              <a:buNone/>
-              <a:tabLst/>
-              <a:defRPr/>
-            </a:pPr>
-            <a:endParaRPr lang="he-IL" dirty="0"/>
-          </a:p>
-          <a:p>
-            <a:pPr marL="0" marR="0" lvl="0" indent="0" algn="r" defTabSz="914400" rtl="1" eaLnBrk="1" fontAlgn="auto" latinLnBrk="0" hangingPunct="1">
-              <a:lnSpc>
-                <a:spcPct val="100000"/>
-              </a:lnSpc>
-              <a:spcBef>
-                <a:spcPts val="0"/>
-              </a:spcBef>
-              <a:spcAft>
-                <a:spcPts val="0"/>
-              </a:spcAft>
-              <a:buClrTx/>
-              <a:buSzTx/>
-              <a:buFontTx/>
-              <a:buNone/>
-              <a:tabLst/>
-              <a:defRPr/>
-            </a:pPr>
+              <a:t>שאלה לסטודנטים: ראינו שפסיקה יכולה לקטוע קריאת מערכת. האם קריאת מערכת יכולה לקטוע פסיקה?</a:t>
+            </a:r>
+          </a:p>
+          <a:p>
+            <a:pPr algn="r" rtl="1"/>
             <a:r>
               <a:rPr lang="he-IL" dirty="0"/>
-              <a:t>קריאה ל-</a:t>
-            </a:r>
-            <a:r>
-              <a:rPr lang="en-US" dirty="0"/>
-              <a:t>system call</a:t>
-            </a:r>
+              <a:t>תשובה: לא, קריאת מערכת לעולם לא תגיע בזמן טיפול בפסיקה.</a:t>
+            </a:r>
+          </a:p>
+          <a:p>
+            <a:pPr algn="r" rtl="1"/>
             <a:r>
               <a:rPr lang="he-IL" dirty="0"/>
-              <a:t> שונה מקריאה לפונקציה "רגילה" </a:t>
+              <a:t>קריאת מערכת היא בקשת שירות של המשתמש ממערכת ההפעלה.</a:t>
+            </a:r>
+          </a:p>
+          <a:p>
+            <a:pPr algn="r" rtl="1"/>
+            <a:r>
+              <a:rPr lang="he-IL" dirty="0"/>
+              <a:t>אבל פסיקות מטופלות במצב גרעין ולכן הן לא צריכות לבקש (וגם לא מבקשות) שירותים ממערכת ההפעלה.</a:t>
             </a:r>
           </a:p>
         </p:txBody>
@@ -25601,7 +25335,7 @@
           <a:p>
             <a:fld id="{94525A9A-2399-4ACF-975E-77FD324B061A}" type="slidenum">
               <a:rPr lang="en-US" smtClean="0"/>
-              <a:t>22</a:t>
+              <a:t>33</a:t>
             </a:fld>
             <a:endParaRPr lang="en-US"/>
           </a:p>
@@ -25610,7 +25344,7 @@
     </p:spTree>
     <p:extLst>
       <p:ext uri="{BB962C8B-B14F-4D97-AF65-F5344CB8AC3E}">
-        <p14:creationId xmlns:p14="http://schemas.microsoft.com/office/powerpoint/2010/main" val="3683345476"/>
+        <p14:creationId xmlns:p14="http://schemas.microsoft.com/office/powerpoint/2010/main" val="1266572010"/>
       </p:ext>
     </p:extLst>
   </p:cSld>
@@ -25667,8 +25401,13 @@
             <a:pPr algn="r" rtl="1"/>
             <a:r>
               <a:rPr lang="he-IL" dirty="0"/>
-              <a:t>הפתרון היחיד לבעיה לעיל הוא לכבות את המחשב ולהדליק מחדש – פתרון גרוע מאוד, כמובן.</a:t>
-            </a:r>
+              <a:t>נרצה שגם המעבד וגם הדיסק יהיו עסוקים בו-זמנית כדי לקבל נצילות גבוהה </a:t>
+            </a:r>
+            <a:r>
+              <a:rPr lang="he-IL"/>
+              <a:t>של המערכת.</a:t>
+            </a:r>
+            <a:endParaRPr lang="he-IL" dirty="0"/>
           </a:p>
         </p:txBody>
       </p:sp>
@@ -25689,7 +25428,7 @@
           <a:p>
             <a:fld id="{94525A9A-2399-4ACF-975E-77FD324B061A}" type="slidenum">
               <a:rPr lang="en-US" smtClean="0"/>
-              <a:t>27</a:t>
+              <a:t>34</a:t>
             </a:fld>
             <a:endParaRPr lang="en-US"/>
           </a:p>
@@ -25698,7 +25437,7 @@
     </p:spTree>
     <p:extLst>
       <p:ext uri="{BB962C8B-B14F-4D97-AF65-F5344CB8AC3E}">
-        <p14:creationId xmlns:p14="http://schemas.microsoft.com/office/powerpoint/2010/main" val="851896746"/>
+        <p14:creationId xmlns:p14="http://schemas.microsoft.com/office/powerpoint/2010/main" val="3959127303"/>
       </p:ext>
     </p:extLst>
   </p:cSld>
@@ -25752,8 +25491,11 @@
           <a:bodyPr/>
           <a:lstStyle/>
           <a:p>
-            <a:pPr algn="r" rtl="1"/>
-            <a:endParaRPr lang="en-US" dirty="0"/>
+            <a:pPr algn="l" rtl="0"/>
+            <a:r>
+              <a:rPr lang="en-US" dirty="0"/>
+              <a:t>The “Waiting” state is sometimes called “Blocked” because the process cannot progress in this state.</a:t>
+            </a:r>
           </a:p>
         </p:txBody>
       </p:sp>
@@ -25774,7 +25516,7 @@
           <a:p>
             <a:fld id="{94525A9A-2399-4ACF-975E-77FD324B061A}" type="slidenum">
               <a:rPr lang="en-US" smtClean="0"/>
-              <a:t>28</a:t>
+              <a:t>35</a:t>
             </a:fld>
             <a:endParaRPr lang="en-US"/>
           </a:p>
@@ -25783,7 +25525,7 @@
     </p:spTree>
     <p:extLst>
       <p:ext uri="{BB962C8B-B14F-4D97-AF65-F5344CB8AC3E}">
-        <p14:creationId xmlns:p14="http://schemas.microsoft.com/office/powerpoint/2010/main" val="2376002238"/>
+        <p14:creationId xmlns:p14="http://schemas.microsoft.com/office/powerpoint/2010/main" val="2820367506"/>
       </p:ext>
     </p:extLst>
   </p:cSld>
@@ -25839,10 +25581,41 @@
           <a:p>
             <a:pPr algn="r" rtl="1"/>
             <a:r>
-              <a:rPr lang="he-IL" sz="1200" dirty="0"/>
-              <a:t>בין אם הוא במצב משתמש או מצב גרעין</a:t>
-            </a:r>
-            <a:endParaRPr lang="he-IL" dirty="0"/>
+              <a:rPr lang="he-IL" dirty="0"/>
+              <a:t>שאלה:</a:t>
+            </a:r>
+            <a:r>
+              <a:rPr lang="en-US" dirty="0"/>
+              <a:t> </a:t>
+            </a:r>
+            <a:r>
+              <a:rPr lang="he-IL" dirty="0"/>
+              <a:t>מה עוד המציא דניס ריצ'י?</a:t>
+            </a:r>
+          </a:p>
+          <a:p>
+            <a:pPr algn="r" rtl="1"/>
+            <a:r>
+              <a:rPr lang="he-IL" dirty="0"/>
+              <a:t>תשובה: שפת </a:t>
+            </a:r>
+            <a:r>
+              <a:rPr lang="en-US" dirty="0"/>
+              <a:t>C</a:t>
+            </a:r>
+            <a:r>
+              <a:rPr lang="he-IL" dirty="0"/>
+              <a:t>. השפה הזו איפשרה ליוניקס (שנכתבה בשפת </a:t>
+            </a:r>
+            <a:r>
+              <a:rPr lang="en-US" dirty="0"/>
+              <a:t>C</a:t>
+            </a:r>
+            <a:r>
+              <a:rPr lang="he-IL" dirty="0"/>
+              <a:t>) לעבור בקלות בין ארכיטקטורות מעבדים שונות, בניגוד למערכות הפעלה קודמות שנכתבו בשפת אסמבלי.</a:t>
+            </a:r>
+            <a:endParaRPr lang="en-US" dirty="0"/>
           </a:p>
         </p:txBody>
       </p:sp>
@@ -25863,7 +25636,7 @@
           <a:p>
             <a:fld id="{94525A9A-2399-4ACF-975E-77FD324B061A}" type="slidenum">
               <a:rPr lang="en-US" smtClean="0"/>
-              <a:t>29</a:t>
+              <a:t>39</a:t>
             </a:fld>
             <a:endParaRPr lang="en-US"/>
           </a:p>
@@ -25872,7 +25645,7 @@
     </p:spTree>
     <p:extLst>
       <p:ext uri="{BB962C8B-B14F-4D97-AF65-F5344CB8AC3E}">
-        <p14:creationId xmlns:p14="http://schemas.microsoft.com/office/powerpoint/2010/main" val="604677194"/>
+        <p14:creationId xmlns:p14="http://schemas.microsoft.com/office/powerpoint/2010/main" val="4033875151"/>
       </p:ext>
     </p:extLst>
   </p:cSld>
@@ -25926,416 +25699,6 @@
           <a:bodyPr/>
           <a:lstStyle/>
           <a:p>
-            <a:pPr algn="r" rtl="1"/>
-            <a:r>
-              <a:rPr lang="he-IL" dirty="0"/>
-              <a:t>שאלה לסטודנטים: ראינו שפסיקה יכולה לקטוע קריאת מערכת. האם קריאת מערכת יכולה לקטוע פסיקה?</a:t>
-            </a:r>
-          </a:p>
-          <a:p>
-            <a:pPr algn="r" rtl="1"/>
-            <a:r>
-              <a:rPr lang="he-IL" dirty="0"/>
-              <a:t>תשובה: לא, קריאת מערכת לעולם לא תגיע בזמן טיפול בפסיקה.</a:t>
-            </a:r>
-          </a:p>
-          <a:p>
-            <a:pPr algn="r" rtl="1"/>
-            <a:r>
-              <a:rPr lang="he-IL" dirty="0"/>
-              <a:t>קריאת מערכת היא בקשת שירות של המשתמש ממערכת ההפעלה.</a:t>
-            </a:r>
-          </a:p>
-          <a:p>
-            <a:pPr algn="r" rtl="1"/>
-            <a:r>
-              <a:rPr lang="he-IL" dirty="0"/>
-              <a:t>אבל פסיקות מטופלות במצב גרעין ולכן הן לא צריכות לבקש (וגם לא מבקשות) שירותים ממערכת ההפעלה.</a:t>
-            </a:r>
-          </a:p>
-        </p:txBody>
-      </p:sp>
-      <p:sp>
-        <p:nvSpPr>
-          <p:cNvPr id="4" name="Slide Number Placeholder 3"/>
-          <p:cNvSpPr>
-            <a:spLocks noGrp="1"/>
-          </p:cNvSpPr>
-          <p:nvPr>
-            <p:ph type="sldNum" sz="quarter" idx="5"/>
-          </p:nvPr>
-        </p:nvSpPr>
-        <p:spPr/>
-        <p:txBody>
-          <a:bodyPr/>
-          <a:lstStyle/>
-          <a:p>
-            <a:fld id="{94525A9A-2399-4ACF-975E-77FD324B061A}" type="slidenum">
-              <a:rPr lang="en-US" smtClean="0"/>
-              <a:t>31</a:t>
-            </a:fld>
-            <a:endParaRPr lang="en-US"/>
-          </a:p>
-        </p:txBody>
-      </p:sp>
-    </p:spTree>
-    <p:extLst>
-      <p:ext uri="{BB962C8B-B14F-4D97-AF65-F5344CB8AC3E}">
-        <p14:creationId xmlns:p14="http://schemas.microsoft.com/office/powerpoint/2010/main" val="1266572010"/>
-      </p:ext>
-    </p:extLst>
-  </p:cSld>
-  <p:clrMapOvr>
-    <a:masterClrMapping/>
-  </p:clrMapOvr>
-</p:notes>
-</file>
-
-<file path=ppt/notesSlides/notesSlide25.xml><?xml version="1.0" encoding="utf-8"?>
-<p:notes xmlns:a="http://schemas.openxmlformats.org/drawingml/2006/main" xmlns:r="http://schemas.openxmlformats.org/officeDocument/2006/relationships" xmlns:p="http://schemas.openxmlformats.org/presentationml/2006/main">
-  <p:cSld>
-    <p:spTree>
-      <p:nvGrpSpPr>
-        <p:cNvPr id="1" name=""/>
-        <p:cNvGrpSpPr/>
-        <p:nvPr/>
-      </p:nvGrpSpPr>
-      <p:grpSpPr>
-        <a:xfrm>
-          <a:off x="0" y="0"/>
-          <a:ext cx="0" cy="0"/>
-          <a:chOff x="0" y="0"/>
-          <a:chExt cx="0" cy="0"/>
-        </a:xfrm>
-      </p:grpSpPr>
-      <p:sp>
-        <p:nvSpPr>
-          <p:cNvPr id="2" name="מציין מיקום של תמונת שקופית 1"/>
-          <p:cNvSpPr>
-            <a:spLocks noGrp="1" noRot="1" noChangeAspect="1"/>
-          </p:cNvSpPr>
-          <p:nvPr>
-            <p:ph type="sldImg"/>
-          </p:nvPr>
-        </p:nvSpPr>
-        <p:spPr/>
-      </p:sp>
-      <p:sp>
-        <p:nvSpPr>
-          <p:cNvPr id="3" name="מציין מיקום של הערות 2"/>
-          <p:cNvSpPr>
-            <a:spLocks noGrp="1"/>
-          </p:cNvSpPr>
-          <p:nvPr>
-            <p:ph type="body" idx="1"/>
-          </p:nvPr>
-        </p:nvSpPr>
-        <p:spPr/>
-        <p:txBody>
-          <a:bodyPr/>
-          <a:lstStyle/>
-          <a:p>
-            <a:pPr algn="r" rtl="1"/>
-            <a:r>
-              <a:rPr lang="he-IL" dirty="0"/>
-              <a:t>נרצה שגם המעבד וגם הדיסק יהיו עסוקים בו-זמנית כדי לקבל נצילות גבוהה </a:t>
-            </a:r>
-            <a:r>
-              <a:rPr lang="he-IL"/>
-              <a:t>של המערכת.</a:t>
-            </a:r>
-            <a:endParaRPr lang="he-IL" dirty="0"/>
-          </a:p>
-        </p:txBody>
-      </p:sp>
-      <p:sp>
-        <p:nvSpPr>
-          <p:cNvPr id="4" name="מציין מיקום של מספר שקופית 3"/>
-          <p:cNvSpPr>
-            <a:spLocks noGrp="1"/>
-          </p:cNvSpPr>
-          <p:nvPr>
-            <p:ph type="sldNum" sz="quarter" idx="5"/>
-          </p:nvPr>
-        </p:nvSpPr>
-        <p:spPr/>
-        <p:txBody>
-          <a:bodyPr/>
-          <a:lstStyle/>
-          <a:p>
-            <a:fld id="{94525A9A-2399-4ACF-975E-77FD324B061A}" type="slidenum">
-              <a:rPr lang="en-US" smtClean="0"/>
-              <a:t>32</a:t>
-            </a:fld>
-            <a:endParaRPr lang="en-US"/>
-          </a:p>
-        </p:txBody>
-      </p:sp>
-    </p:spTree>
-    <p:extLst>
-      <p:ext uri="{BB962C8B-B14F-4D97-AF65-F5344CB8AC3E}">
-        <p14:creationId xmlns:p14="http://schemas.microsoft.com/office/powerpoint/2010/main" val="3959127303"/>
-      </p:ext>
-    </p:extLst>
-  </p:cSld>
-  <p:clrMapOvr>
-    <a:masterClrMapping/>
-  </p:clrMapOvr>
-</p:notes>
-</file>
-
-<file path=ppt/notesSlides/notesSlide26.xml><?xml version="1.0" encoding="utf-8"?>
-<p:notes xmlns:a="http://schemas.openxmlformats.org/drawingml/2006/main" xmlns:r="http://schemas.openxmlformats.org/officeDocument/2006/relationships" xmlns:p="http://schemas.openxmlformats.org/presentationml/2006/main">
-  <p:cSld>
-    <p:spTree>
-      <p:nvGrpSpPr>
-        <p:cNvPr id="1" name=""/>
-        <p:cNvGrpSpPr/>
-        <p:nvPr/>
-      </p:nvGrpSpPr>
-      <p:grpSpPr>
-        <a:xfrm>
-          <a:off x="0" y="0"/>
-          <a:ext cx="0" cy="0"/>
-          <a:chOff x="0" y="0"/>
-          <a:chExt cx="0" cy="0"/>
-        </a:xfrm>
-      </p:grpSpPr>
-      <p:sp>
-        <p:nvSpPr>
-          <p:cNvPr id="2" name="Slide Image Placeholder 1"/>
-          <p:cNvSpPr>
-            <a:spLocks noGrp="1" noRot="1" noChangeAspect="1"/>
-          </p:cNvSpPr>
-          <p:nvPr>
-            <p:ph type="sldImg"/>
-          </p:nvPr>
-        </p:nvSpPr>
-        <p:spPr/>
-      </p:sp>
-      <p:sp>
-        <p:nvSpPr>
-          <p:cNvPr id="3" name="Notes Placeholder 2"/>
-          <p:cNvSpPr>
-            <a:spLocks noGrp="1"/>
-          </p:cNvSpPr>
-          <p:nvPr>
-            <p:ph type="body" idx="1"/>
-          </p:nvPr>
-        </p:nvSpPr>
-        <p:spPr/>
-        <p:txBody>
-          <a:bodyPr/>
-          <a:lstStyle/>
-          <a:p>
-            <a:pPr algn="l" rtl="0"/>
-            <a:r>
-              <a:rPr lang="en-US" dirty="0"/>
-              <a:t>The “Waiting” state is sometimes called “Blocked” because the process cannot progress in this state.</a:t>
-            </a:r>
-          </a:p>
-        </p:txBody>
-      </p:sp>
-      <p:sp>
-        <p:nvSpPr>
-          <p:cNvPr id="4" name="Slide Number Placeholder 3"/>
-          <p:cNvSpPr>
-            <a:spLocks noGrp="1"/>
-          </p:cNvSpPr>
-          <p:nvPr>
-            <p:ph type="sldNum" sz="quarter" idx="5"/>
-          </p:nvPr>
-        </p:nvSpPr>
-        <p:spPr/>
-        <p:txBody>
-          <a:bodyPr/>
-          <a:lstStyle/>
-          <a:p>
-            <a:fld id="{94525A9A-2399-4ACF-975E-77FD324B061A}" type="slidenum">
-              <a:rPr lang="en-US" smtClean="0"/>
-              <a:t>33</a:t>
-            </a:fld>
-            <a:endParaRPr lang="en-US"/>
-          </a:p>
-        </p:txBody>
-      </p:sp>
-    </p:spTree>
-    <p:extLst>
-      <p:ext uri="{BB962C8B-B14F-4D97-AF65-F5344CB8AC3E}">
-        <p14:creationId xmlns:p14="http://schemas.microsoft.com/office/powerpoint/2010/main" val="2820367506"/>
-      </p:ext>
-    </p:extLst>
-  </p:cSld>
-  <p:clrMapOvr>
-    <a:masterClrMapping/>
-  </p:clrMapOvr>
-</p:notes>
-</file>
-
-<file path=ppt/notesSlides/notesSlide27.xml><?xml version="1.0" encoding="utf-8"?>
-<p:notes xmlns:a="http://schemas.openxmlformats.org/drawingml/2006/main" xmlns:r="http://schemas.openxmlformats.org/officeDocument/2006/relationships" xmlns:p="http://schemas.openxmlformats.org/presentationml/2006/main">
-  <p:cSld>
-    <p:spTree>
-      <p:nvGrpSpPr>
-        <p:cNvPr id="1" name=""/>
-        <p:cNvGrpSpPr/>
-        <p:nvPr/>
-      </p:nvGrpSpPr>
-      <p:grpSpPr>
-        <a:xfrm>
-          <a:off x="0" y="0"/>
-          <a:ext cx="0" cy="0"/>
-          <a:chOff x="0" y="0"/>
-          <a:chExt cx="0" cy="0"/>
-        </a:xfrm>
-      </p:grpSpPr>
-      <p:sp>
-        <p:nvSpPr>
-          <p:cNvPr id="2" name="Slide Image Placeholder 1"/>
-          <p:cNvSpPr>
-            <a:spLocks noGrp="1" noRot="1" noChangeAspect="1"/>
-          </p:cNvSpPr>
-          <p:nvPr>
-            <p:ph type="sldImg"/>
-          </p:nvPr>
-        </p:nvSpPr>
-        <p:spPr/>
-      </p:sp>
-      <p:sp>
-        <p:nvSpPr>
-          <p:cNvPr id="3" name="Notes Placeholder 2"/>
-          <p:cNvSpPr>
-            <a:spLocks noGrp="1"/>
-          </p:cNvSpPr>
-          <p:nvPr>
-            <p:ph type="body" idx="1"/>
-          </p:nvPr>
-        </p:nvSpPr>
-        <p:spPr/>
-        <p:txBody>
-          <a:bodyPr/>
-          <a:lstStyle/>
-          <a:p>
-            <a:pPr algn="r" rtl="1"/>
-            <a:r>
-              <a:rPr lang="he-IL" dirty="0"/>
-              <a:t>שאלה:</a:t>
-            </a:r>
-            <a:r>
-              <a:rPr lang="en-US" dirty="0"/>
-              <a:t> </a:t>
-            </a:r>
-            <a:r>
-              <a:rPr lang="he-IL" dirty="0"/>
-              <a:t>מה עוד המציא דניס ריצ'י?</a:t>
-            </a:r>
-          </a:p>
-          <a:p>
-            <a:pPr algn="r" rtl="1"/>
-            <a:r>
-              <a:rPr lang="he-IL" dirty="0"/>
-              <a:t>תשובה: שפת </a:t>
-            </a:r>
-            <a:r>
-              <a:rPr lang="en-US" dirty="0"/>
-              <a:t>C</a:t>
-            </a:r>
-            <a:r>
-              <a:rPr lang="he-IL" dirty="0"/>
-              <a:t>. השפה הזו איפשרה ליוניקס (שנכתבה בשפת </a:t>
-            </a:r>
-            <a:r>
-              <a:rPr lang="en-US" dirty="0"/>
-              <a:t>C</a:t>
-            </a:r>
-            <a:r>
-              <a:rPr lang="he-IL" dirty="0"/>
-              <a:t>) לעבור בקלות בין ארכיטקטורות מעבדים שונות, בניגוד למערכות הפעלה קודמות שנכתבו בשפת אסמבלי.</a:t>
-            </a:r>
-            <a:endParaRPr lang="en-US" dirty="0"/>
-          </a:p>
-        </p:txBody>
-      </p:sp>
-      <p:sp>
-        <p:nvSpPr>
-          <p:cNvPr id="4" name="Slide Number Placeholder 3"/>
-          <p:cNvSpPr>
-            <a:spLocks noGrp="1"/>
-          </p:cNvSpPr>
-          <p:nvPr>
-            <p:ph type="sldNum" sz="quarter" idx="5"/>
-          </p:nvPr>
-        </p:nvSpPr>
-        <p:spPr/>
-        <p:txBody>
-          <a:bodyPr/>
-          <a:lstStyle/>
-          <a:p>
-            <a:fld id="{94525A9A-2399-4ACF-975E-77FD324B061A}" type="slidenum">
-              <a:rPr lang="en-US" smtClean="0"/>
-              <a:t>37</a:t>
-            </a:fld>
-            <a:endParaRPr lang="en-US"/>
-          </a:p>
-        </p:txBody>
-      </p:sp>
-    </p:spTree>
-    <p:extLst>
-      <p:ext uri="{BB962C8B-B14F-4D97-AF65-F5344CB8AC3E}">
-        <p14:creationId xmlns:p14="http://schemas.microsoft.com/office/powerpoint/2010/main" val="4033875151"/>
-      </p:ext>
-    </p:extLst>
-  </p:cSld>
-  <p:clrMapOvr>
-    <a:masterClrMapping/>
-  </p:clrMapOvr>
-</p:notes>
-</file>
-
-<file path=ppt/notesSlides/notesSlide28.xml><?xml version="1.0" encoding="utf-8"?>
-<p:notes xmlns:a="http://schemas.openxmlformats.org/drawingml/2006/main" xmlns:r="http://schemas.openxmlformats.org/officeDocument/2006/relationships" xmlns:p="http://schemas.openxmlformats.org/presentationml/2006/main">
-  <p:cSld>
-    <p:spTree>
-      <p:nvGrpSpPr>
-        <p:cNvPr id="1" name=""/>
-        <p:cNvGrpSpPr/>
-        <p:nvPr/>
-      </p:nvGrpSpPr>
-      <p:grpSpPr>
-        <a:xfrm>
-          <a:off x="0" y="0"/>
-          <a:ext cx="0" cy="0"/>
-          <a:chOff x="0" y="0"/>
-          <a:chExt cx="0" cy="0"/>
-        </a:xfrm>
-      </p:grpSpPr>
-      <p:sp>
-        <p:nvSpPr>
-          <p:cNvPr id="2" name="Slide Image Placeholder 1"/>
-          <p:cNvSpPr>
-            <a:spLocks noGrp="1" noRot="1" noChangeAspect="1"/>
-          </p:cNvSpPr>
-          <p:nvPr>
-            <p:ph type="sldImg"/>
-          </p:nvPr>
-        </p:nvSpPr>
-        <p:spPr/>
-      </p:sp>
-      <p:sp>
-        <p:nvSpPr>
-          <p:cNvPr id="3" name="Notes Placeholder 2"/>
-          <p:cNvSpPr>
-            <a:spLocks noGrp="1"/>
-          </p:cNvSpPr>
-          <p:nvPr>
-            <p:ph type="body" idx="1"/>
-          </p:nvPr>
-        </p:nvSpPr>
-        <p:spPr/>
-        <p:txBody>
-          <a:bodyPr/>
-          <a:lstStyle/>
-          <a:p>
             <a:pPr marL="0" marR="0" lvl="0" indent="0" algn="r" defTabSz="914400" rtl="1" eaLnBrk="1" fontAlgn="auto" latinLnBrk="0" hangingPunct="1">
               <a:lnSpc>
                 <a:spcPct val="100000"/>
@@ -26374,7 +25737,7 @@
           <a:p>
             <a:fld id="{94525A9A-2399-4ACF-975E-77FD324B061A}" type="slidenum">
               <a:rPr lang="en-US" smtClean="0"/>
-              <a:t>38</a:t>
+              <a:t>40</a:t>
             </a:fld>
             <a:endParaRPr lang="en-US"/>
           </a:p>
@@ -26437,26 +25800,7 @@
           <a:bodyPr/>
           <a:lstStyle/>
           <a:p>
-            <a:r>
-              <a:rPr lang="en-US" dirty="0"/>
-              <a:t>Taken from: https://www.flickr.com/photos/betbeder/14076789040/</a:t>
-            </a:r>
-          </a:p>
-          <a:p>
-            <a:r>
-              <a:rPr lang="he-IL" dirty="0"/>
-              <a:t>מערכת די מורכבת</a:t>
-            </a:r>
-          </a:p>
-          <a:p>
-            <a:r>
-              <a:rPr lang="he-IL" dirty="0"/>
-              <a:t>הרבה חוטים שרצים ממקום למקום</a:t>
-            </a:r>
-            <a:br>
-              <a:rPr lang="en-US" dirty="0"/>
-            </a:br>
-            <a:endParaRPr lang="en-US" dirty="0"/>
+            <a:endParaRPr lang="en-US"/>
           </a:p>
         </p:txBody>
       </p:sp>
@@ -26477,7 +25821,7 @@
           <a:p>
             <a:fld id="{94525A9A-2399-4ACF-975E-77FD324B061A}" type="slidenum">
               <a:rPr lang="en-US" smtClean="0"/>
-              <a:t>3</a:t>
+              <a:t>6</a:t>
             </a:fld>
             <a:endParaRPr lang="en-US"/>
           </a:p>
@@ -26486,7 +25830,7 @@
     </p:spTree>
     <p:extLst>
       <p:ext uri="{BB962C8B-B14F-4D97-AF65-F5344CB8AC3E}">
-        <p14:creationId xmlns:p14="http://schemas.microsoft.com/office/powerpoint/2010/main" val="790098705"/>
+        <p14:creationId xmlns:p14="http://schemas.microsoft.com/office/powerpoint/2010/main" val="1258475182"/>
       </p:ext>
     </p:extLst>
   </p:cSld>
@@ -26540,49 +25884,76 @@
           <a:bodyPr/>
           <a:lstStyle/>
           <a:p>
-            <a:pPr marL="0" marR="0" lvl="0" indent="0" algn="r" defTabSz="914400" rtl="1" eaLnBrk="1" fontAlgn="auto" latinLnBrk="0" hangingPunct="1">
-              <a:lnSpc>
-                <a:spcPct val="100000"/>
-              </a:lnSpc>
-              <a:spcBef>
-                <a:spcPts val="0"/>
-              </a:spcBef>
-              <a:spcAft>
-                <a:spcPts val="0"/>
-              </a:spcAft>
-              <a:buClrTx/>
-              <a:buSzTx/>
-              <a:buFontTx/>
-              <a:buNone/>
-              <a:tabLst/>
-              <a:defRPr/>
-            </a:pPr>
+            <a:pPr algn="r" rtl="1"/>
             <a:r>
               <a:rPr lang="he-IL" dirty="0"/>
-              <a:t>אין גבולות גיזרה מוגדרים כי מאוד קשה לבנות מערכת הפעלה שמיישמת את העקרונות של אבסטרקציה, מודולריות ואנקפסולציה כפי שלמדנו במת"מ.</a:t>
+              <a:t>"גרעין" מערכת ההפעלה הוא החלק החשוב ביותר במערכת ההפעלה, והוא לא כולל למשל את הממשק הגרפי (שולחן עבודה עם אייקונים וחלונות).</a:t>
             </a:r>
           </a:p>
           <a:p>
             <a:pPr algn="r" rtl="1"/>
             <a:r>
               <a:rPr lang="he-IL" dirty="0"/>
-              <a:t>ברוב המקרים יש לנו כללי אצבע ונחליט לפי ההיגיון ונציע שיפור למערכת</a:t>
-            </a:r>
-          </a:p>
-          <a:p>
-            <a:pPr algn="r" rtl="1"/>
+              <a:t>בשקף מופיעה המילה התקנים (</a:t>
+            </a:r>
+            <a:r>
+              <a:rPr lang="en-US" dirty="0"/>
+              <a:t>devices</a:t>
+            </a:r>
             <a:r>
               <a:rPr lang="he-IL" dirty="0"/>
-              <a:t>יש המון פרמטרים : ביצועים, מחירים וצריכת אנרגיה וזיכרון – נמצא פשרה</a:t>
-            </a:r>
-          </a:p>
-          <a:p>
-            <a:pPr algn="r" rtl="1"/>
-            <a:endParaRPr lang="he-IL" dirty="0"/>
-          </a:p>
-          <a:p>
-            <a:pPr algn="r" rtl="1"/>
-            <a:endParaRPr lang="en-US" dirty="0"/>
+              <a:t>) של קלט/פלט, אבל בקורס נתמקד בעיקר בהתקן ספציפי, ואולי החשוב ביותר—דיסק קשיח.</a:t>
+            </a:r>
+          </a:p>
+          <a:p>
+            <a:pPr algn="l" rtl="0"/>
+            <a:r>
+              <a:rPr lang="he-IL" dirty="0" err="1">
+                <a:latin typeface="Arial"/>
+                <a:cs typeface="Arial"/>
+              </a:rPr>
+              <a:t>Picture</a:t>
+            </a:r>
+            <a:r>
+              <a:rPr lang="he-IL" dirty="0">
+                <a:latin typeface="Arial"/>
+                <a:cs typeface="Arial"/>
+              </a:rPr>
+              <a:t> </a:t>
+            </a:r>
+            <a:r>
+              <a:rPr lang="he-IL" dirty="0" err="1">
+                <a:latin typeface="Arial"/>
+                <a:cs typeface="Arial"/>
+              </a:rPr>
+              <a:t>from</a:t>
+            </a:r>
+            <a:r>
+              <a:rPr lang="en-US" dirty="0">
+                <a:latin typeface="Arial"/>
+                <a:cs typeface="Arial"/>
+              </a:rPr>
+              <a:t>:</a:t>
+            </a:r>
+            <a:r>
+              <a:rPr lang="he-IL" dirty="0">
+                <a:latin typeface="Arial"/>
+                <a:cs typeface="Arial"/>
+              </a:rPr>
+              <a:t> </a:t>
+            </a:r>
+            <a:r>
+              <a:rPr lang="he-IL" dirty="0"/>
+              <a:t>https://en.wikipedia.org/wiki/Kernel_(operating_system</a:t>
+            </a:r>
+            <a:r>
+              <a:rPr lang="en-US" dirty="0"/>
+              <a:t>) </a:t>
+            </a:r>
+            <a:endParaRPr lang="he-IL" dirty="0">
+              <a:latin typeface="Arial"/>
+              <a:cs typeface="Arial"/>
+            </a:endParaRPr>
           </a:p>
         </p:txBody>
       </p:sp>
@@ -26593,7 +25964,7 @@
             <a:spLocks noGrp="1"/>
           </p:cNvSpPr>
           <p:nvPr>
-            <p:ph type="sldNum" sz="quarter" idx="10"/>
+            <p:ph type="sldNum" sz="quarter" idx="5"/>
           </p:nvPr>
         </p:nvSpPr>
         <p:spPr/>
@@ -26603,7 +25974,7 @@
           <a:p>
             <a:fld id="{94525A9A-2399-4ACF-975E-77FD324B061A}" type="slidenum">
               <a:rPr lang="en-US" smtClean="0"/>
-              <a:t>4</a:t>
+              <a:t>9</a:t>
             </a:fld>
             <a:endParaRPr lang="en-US"/>
           </a:p>
@@ -26612,7 +25983,7 @@
     </p:spTree>
     <p:extLst>
       <p:ext uri="{BB962C8B-B14F-4D97-AF65-F5344CB8AC3E}">
-        <p14:creationId xmlns:p14="http://schemas.microsoft.com/office/powerpoint/2010/main" val="2896456426"/>
+        <p14:creationId xmlns:p14="http://schemas.microsoft.com/office/powerpoint/2010/main" val="3525922662"/>
       </p:ext>
     </p:extLst>
   </p:cSld>
@@ -26666,6 +26037,11 @@
           <a:bodyPr/>
           <a:lstStyle/>
           <a:p>
+            <a:pPr algn="r" rtl="1"/>
+            <a:r>
+              <a:rPr lang="he-IL" dirty="0"/>
+              <a:t>בשקף הזה רצוי לעצור ולשאול את הסטודנטים מה הם יודעים על מעבד, זיכרון, ודיסק לפני שמציגים את הטבלה.</a:t>
+            </a:r>
             <a:endParaRPr lang="en-US" dirty="0"/>
           </a:p>
         </p:txBody>
@@ -26677,7 +26053,7 @@
             <a:spLocks noGrp="1"/>
           </p:cNvSpPr>
           <p:nvPr>
-            <p:ph type="sldNum" sz="quarter" idx="10"/>
+            <p:ph type="sldNum" sz="quarter" idx="5"/>
           </p:nvPr>
         </p:nvSpPr>
         <p:spPr/>
@@ -26687,7 +26063,7 @@
           <a:p>
             <a:fld id="{94525A9A-2399-4ACF-975E-77FD324B061A}" type="slidenum">
               <a:rPr lang="en-US" smtClean="0"/>
-              <a:t>5</a:t>
+              <a:t>10</a:t>
             </a:fld>
             <a:endParaRPr lang="en-US"/>
           </a:p>
@@ -26696,7 +26072,7 @@
     </p:spTree>
     <p:extLst>
       <p:ext uri="{BB962C8B-B14F-4D97-AF65-F5344CB8AC3E}">
-        <p14:creationId xmlns:p14="http://schemas.microsoft.com/office/powerpoint/2010/main" val="1258475182"/>
+        <p14:creationId xmlns:p14="http://schemas.microsoft.com/office/powerpoint/2010/main" val="2609884330"/>
       </p:ext>
     </p:extLst>
   </p:cSld>
@@ -26725,7 +26101,7 @@
       </p:grpSpPr>
       <p:sp>
         <p:nvSpPr>
-          <p:cNvPr id="2" name="Slide Image Placeholder 1"/>
+          <p:cNvPr id="2" name="מציין מיקום של תמונת שקופית 1"/>
           <p:cNvSpPr>
             <a:spLocks noGrp="1" noRot="1" noChangeAspect="1"/>
           </p:cNvSpPr>
@@ -26737,7 +26113,7 @@
       </p:sp>
       <p:sp>
         <p:nvSpPr>
-          <p:cNvPr id="3" name="Notes Placeholder 2"/>
+          <p:cNvPr id="3" name="מציין מיקום של הערות 2"/>
           <p:cNvSpPr>
             <a:spLocks noGrp="1"/>
           </p:cNvSpPr>
@@ -26750,55 +26126,33 @@
           <a:bodyPr/>
           <a:lstStyle/>
           <a:p>
-            <a:pPr algn="r" rtl="1"/>
+            <a:pPr marL="0" marR="0" lvl="0" indent="0" algn="r" defTabSz="914400" rtl="1" eaLnBrk="1" fontAlgn="auto" latinLnBrk="0" hangingPunct="1">
+              <a:lnSpc>
+                <a:spcPct val="100000"/>
+              </a:lnSpc>
+              <a:spcBef>
+                <a:spcPts val="0"/>
+              </a:spcBef>
+              <a:spcAft>
+                <a:spcPts val="0"/>
+              </a:spcAft>
+              <a:buClrTx/>
+              <a:buSzTx/>
+              <a:buFontTx/>
+              <a:buNone/>
+              <a:tabLst/>
+              <a:defRPr/>
+            </a:pPr>
             <a:r>
               <a:rPr lang="he-IL" dirty="0"/>
-              <a:t>"גרעין" מערכת ההפעלה הוא החלק החשוב ביותר במערכת ההפעלה, והוא לא כולל למשל את הממשק הגרפי (שולחן עבודה עם אייקונים וחלונות).</a:t>
-            </a:r>
-          </a:p>
-          <a:p>
-            <a:pPr algn="r" rtl="1"/>
-            <a:r>
-              <a:rPr lang="he-IL" dirty="0">
-                <a:latin typeface="Arial"/>
-                <a:cs typeface="Arial"/>
-              </a:rPr>
-              <a:t>אפליקציות : קוד </a:t>
-            </a:r>
-            <a:r>
-              <a:rPr lang="en-US" dirty="0">
-                <a:latin typeface="Arial"/>
-                <a:cs typeface="Arial"/>
-              </a:rPr>
-              <a:t>C</a:t>
-            </a:r>
-            <a:r>
-              <a:rPr lang="he-IL" dirty="0">
-                <a:latin typeface="Arial"/>
-                <a:cs typeface="Arial"/>
-              </a:rPr>
-              <a:t> </a:t>
-            </a:r>
-            <a:r>
-              <a:rPr lang="en-US" dirty="0">
-                <a:latin typeface="Arial"/>
-                <a:cs typeface="Arial"/>
-              </a:rPr>
-              <a:t>  malloc</a:t>
-            </a:r>
-            <a:r>
-              <a:rPr lang="he-IL" dirty="0">
-                <a:latin typeface="Arial"/>
-                <a:cs typeface="Arial"/>
-              </a:rPr>
-              <a:t>למשל</a:t>
+              <a:t>תפקידים נוספים: חיסכון באנרגיה, ...</a:t>
             </a:r>
           </a:p>
         </p:txBody>
       </p:sp>
       <p:sp>
         <p:nvSpPr>
-          <p:cNvPr id="4" name="Slide Number Placeholder 3"/>
+          <p:cNvPr id="4" name="מציין מיקום של מספר שקופית 3"/>
           <p:cNvSpPr>
             <a:spLocks noGrp="1"/>
           </p:cNvSpPr>
@@ -26813,7 +26167,7 @@
           <a:p>
             <a:fld id="{94525A9A-2399-4ACF-975E-77FD324B061A}" type="slidenum">
               <a:rPr lang="en-US" smtClean="0"/>
-              <a:t>8</a:t>
+              <a:t>12</a:t>
             </a:fld>
             <a:endParaRPr lang="en-US"/>
           </a:p>
@@ -26822,7 +26176,7 @@
     </p:spTree>
     <p:extLst>
       <p:ext uri="{BB962C8B-B14F-4D97-AF65-F5344CB8AC3E}">
-        <p14:creationId xmlns:p14="http://schemas.microsoft.com/office/powerpoint/2010/main" val="3525922662"/>
+        <p14:creationId xmlns:p14="http://schemas.microsoft.com/office/powerpoint/2010/main" val="1759201313"/>
       </p:ext>
     </p:extLst>
   </p:cSld>
@@ -26851,7 +26205,7 @@
       </p:grpSpPr>
       <p:sp>
         <p:nvSpPr>
-          <p:cNvPr id="2" name="Slide Image Placeholder 1"/>
+          <p:cNvPr id="2" name="מציין מיקום של תמונת שקופית 1"/>
           <p:cNvSpPr>
             <a:spLocks noGrp="1" noRot="1" noChangeAspect="1"/>
           </p:cNvSpPr>
@@ -26863,7 +26217,7 @@
       </p:sp>
       <p:sp>
         <p:nvSpPr>
-          <p:cNvPr id="3" name="Notes Placeholder 2"/>
+          <p:cNvPr id="3" name="מציין מיקום של הערות 2"/>
           <p:cNvSpPr>
             <a:spLocks noGrp="1"/>
           </p:cNvSpPr>
@@ -26875,21 +26229,6 @@
         <p:txBody>
           <a:bodyPr/>
           <a:lstStyle/>
-          <a:p>
-            <a:pPr algn="r" rtl="1"/>
-            <a:r>
-              <a:rPr lang="he-IL" dirty="0"/>
-              <a:t>תדר – תדר השעון של מעגל חשמלי</a:t>
-            </a:r>
-            <a:endParaRPr lang="en-US" dirty="0"/>
-          </a:p>
-          <a:p>
-            <a:pPr algn="r" rtl="1"/>
-            <a:r>
-              <a:rPr lang="en-US" dirty="0"/>
-              <a:t>Giga= 1 billion (10^9)</a:t>
-            </a:r>
-          </a:p>
           <a:p>
             <a:pPr marL="0" marR="0" lvl="0" indent="0" algn="r" defTabSz="914400" rtl="1" eaLnBrk="1" fontAlgn="auto" latinLnBrk="0" hangingPunct="1">
               <a:lnSpc>
@@ -26909,126 +26248,19 @@
               <a:defRPr/>
             </a:pPr>
             <a:r>
-              <a:rPr lang="en-US" b="0" i="0" dirty="0">
-                <a:solidFill>
-                  <a:srgbClr val="212121"/>
-                </a:solidFill>
-                <a:effectLst/>
-                <a:latin typeface="Helvetica Neue"/>
-              </a:rPr>
-              <a:t>1 hertz =1 cycle per second</a:t>
-            </a:r>
-            <a:endParaRPr lang="en-US" dirty="0"/>
+              <a:rPr lang="he-IL" dirty="0"/>
+              <a:t>הבעיה של חלוקת המעבד תקפה גם אם יש כמה ליבות עיבוד (למשל 4), כי מספר התהליכים במערכת יכול להיות גבוה יותר (למשל 40).</a:t>
+            </a:r>
           </a:p>
           <a:p>
             <a:pPr algn="r" rtl="1"/>
-            <a:r>
-              <a:rPr lang="en-US" dirty="0" err="1"/>
-              <a:t>Ms</a:t>
-            </a:r>
-            <a:r>
-              <a:rPr lang="en-US" dirty="0"/>
-              <a:t>=10^-3 sec</a:t>
-            </a:r>
-            <a:br>
-              <a:rPr lang="en-US" dirty="0"/>
-            </a:br>
-            <a:r>
-              <a:rPr lang="en-US" dirty="0"/>
-              <a:t>ns=10^-9sec</a:t>
-            </a:r>
-          </a:p>
-          <a:p>
-            <a:pPr algn="r" rtl="1"/>
-            <a:r>
-              <a:rPr lang="en-US" dirty="0"/>
-              <a:t>Micro=10^-6sec</a:t>
-            </a:r>
-            <a:r>
-              <a:rPr lang="en-US" b="0" i="0" dirty="0">
-                <a:solidFill>
-                  <a:srgbClr val="212121"/>
-                </a:solidFill>
-                <a:effectLst/>
-                <a:latin typeface="Helvetica Neue"/>
-              </a:rPr>
-              <a:t>.</a:t>
-            </a:r>
-          </a:p>
-          <a:p>
-            <a:pPr marL="0" marR="0" lvl="0" indent="0" algn="r" defTabSz="914400" rtl="1" eaLnBrk="1" fontAlgn="auto" latinLnBrk="0" hangingPunct="1">
-              <a:lnSpc>
-                <a:spcPct val="100000"/>
-              </a:lnSpc>
-              <a:spcBef>
-                <a:spcPts val="0"/>
-              </a:spcBef>
-              <a:spcAft>
-                <a:spcPts val="0"/>
-              </a:spcAft>
-              <a:buClrTx/>
-              <a:buSzTx/>
-              <a:buFontTx/>
-              <a:buNone/>
-              <a:tabLst/>
-              <a:defRPr/>
-            </a:pPr>
-            <a:r>
-              <a:rPr lang="en-US" b="0" i="0" dirty="0">
-                <a:solidFill>
-                  <a:srgbClr val="212121"/>
-                </a:solidFill>
-                <a:effectLst/>
-                <a:latin typeface="Helvetica Neue"/>
-              </a:rPr>
-              <a:t>Disk vs Dram : 10^-3/(100*10^-9)=10^4</a:t>
-            </a:r>
-          </a:p>
-          <a:p>
-            <a:pPr marL="0" marR="0" lvl="0" indent="0" algn="r" defTabSz="914400" rtl="1" eaLnBrk="1" fontAlgn="auto" latinLnBrk="0" hangingPunct="1">
-              <a:lnSpc>
-                <a:spcPct val="100000"/>
-              </a:lnSpc>
-              <a:spcBef>
-                <a:spcPts val="0"/>
-              </a:spcBef>
-              <a:spcAft>
-                <a:spcPts val="0"/>
-              </a:spcAft>
-              <a:buClrTx/>
-              <a:buSzTx/>
-              <a:buFontTx/>
-              <a:buNone/>
-              <a:tabLst/>
-              <a:defRPr/>
-            </a:pPr>
-            <a:r>
-              <a:rPr lang="en-US" b="0" i="0" dirty="0">
-                <a:solidFill>
-                  <a:srgbClr val="666666"/>
-                </a:solidFill>
-                <a:effectLst/>
-                <a:latin typeface="Arial" panose="020B0604020202020204" pitchFamily="34" charset="0"/>
-              </a:rPr>
-              <a:t>1 trillion bytes=TB (base 10)=10^12</a:t>
-            </a:r>
-            <a:endParaRPr lang="en-US" b="0" i="0" dirty="0">
-              <a:solidFill>
-                <a:srgbClr val="212121"/>
-              </a:solidFill>
-              <a:effectLst/>
-              <a:latin typeface="Helvetica Neue"/>
-            </a:endParaRPr>
-          </a:p>
-          <a:p>
-            <a:pPr algn="r" rtl="1"/>
-            <a:endParaRPr lang="en-US" dirty="0"/>
+            <a:endParaRPr lang="he-IL" dirty="0"/>
           </a:p>
         </p:txBody>
       </p:sp>
       <p:sp>
         <p:nvSpPr>
-          <p:cNvPr id="4" name="Slide Number Placeholder 3"/>
+          <p:cNvPr id="4" name="מציין מיקום של מספר שקופית 3"/>
           <p:cNvSpPr>
             <a:spLocks noGrp="1"/>
           </p:cNvSpPr>
@@ -27043,7 +26275,7 @@
           <a:p>
             <a:fld id="{94525A9A-2399-4ACF-975E-77FD324B061A}" type="slidenum">
               <a:rPr lang="en-US" smtClean="0"/>
-              <a:t>9</a:t>
+              <a:t>14</a:t>
             </a:fld>
             <a:endParaRPr lang="en-US"/>
           </a:p>
@@ -27052,7 +26284,7 @@
     </p:spTree>
     <p:extLst>
       <p:ext uri="{BB962C8B-B14F-4D97-AF65-F5344CB8AC3E}">
-        <p14:creationId xmlns:p14="http://schemas.microsoft.com/office/powerpoint/2010/main" val="2609884330"/>
+        <p14:creationId xmlns:p14="http://schemas.microsoft.com/office/powerpoint/2010/main" val="1378074251"/>
       </p:ext>
     </p:extLst>
   </p:cSld>
@@ -27081,7 +26313,7 @@
       </p:grpSpPr>
       <p:sp>
         <p:nvSpPr>
-          <p:cNvPr id="2" name="Slide Image Placeholder 1"/>
+          <p:cNvPr id="2" name="מציין מיקום של תמונת שקופית 1"/>
           <p:cNvSpPr>
             <a:spLocks noGrp="1" noRot="1" noChangeAspect="1"/>
           </p:cNvSpPr>
@@ -27093,7 +26325,7 @@
       </p:sp>
       <p:sp>
         <p:nvSpPr>
-          <p:cNvPr id="3" name="Notes Placeholder 2"/>
+          <p:cNvPr id="3" name="מציין מיקום של הערות 2"/>
           <p:cNvSpPr>
             <a:spLocks noGrp="1"/>
           </p:cNvSpPr>
@@ -27106,30 +26338,14 @@
           <a:bodyPr/>
           <a:lstStyle/>
           <a:p>
-            <a:r>
-              <a:rPr lang="en-US" dirty="0"/>
-              <a:t>Rip – register instruction pointer</a:t>
-            </a:r>
-            <a:endParaRPr lang="ar-SA" dirty="0"/>
-          </a:p>
-          <a:p>
-            <a:r>
-              <a:rPr lang="he-IL" dirty="0"/>
-              <a:t>המחזור של המעבד: כל מחזור שעון מביא פקודה לביצוע מפענח אותה ואז מבצע אותה</a:t>
-            </a:r>
-          </a:p>
-          <a:p>
-            <a:r>
-              <a:rPr lang="he-IL" dirty="0"/>
-              <a:t>יש שלבי ביניים בין החלקים האלה, נראה אותם בהמזך המצגת</a:t>
-            </a:r>
-            <a:endParaRPr lang="en-IL" dirty="0"/>
+            <a:pPr algn="r" rtl="1"/>
+            <a:endParaRPr lang="he-IL" dirty="0"/>
           </a:p>
         </p:txBody>
       </p:sp>
       <p:sp>
         <p:nvSpPr>
-          <p:cNvPr id="4" name="Slide Number Placeholder 3"/>
+          <p:cNvPr id="4" name="מציין מיקום של מספר שקופית 3"/>
           <p:cNvSpPr>
             <a:spLocks noGrp="1"/>
           </p:cNvSpPr>
@@ -27144,7 +26360,7 @@
           <a:p>
             <a:fld id="{94525A9A-2399-4ACF-975E-77FD324B061A}" type="slidenum">
               <a:rPr lang="en-US" smtClean="0"/>
-              <a:t>10</a:t>
+              <a:t>15</a:t>
             </a:fld>
             <a:endParaRPr lang="en-US"/>
           </a:p>
@@ -27153,7 +26369,7 @@
     </p:spTree>
     <p:extLst>
       <p:ext uri="{BB962C8B-B14F-4D97-AF65-F5344CB8AC3E}">
-        <p14:creationId xmlns:p14="http://schemas.microsoft.com/office/powerpoint/2010/main" val="2521777520"/>
+        <p14:creationId xmlns:p14="http://schemas.microsoft.com/office/powerpoint/2010/main" val="762009411"/>
       </p:ext>
     </p:extLst>
   </p:cSld>
@@ -27207,28 +26423,19 @@
           <a:bodyPr/>
           <a:lstStyle/>
           <a:p>
-            <a:pPr marL="0" marR="0" lvl="0" indent="0" algn="r" defTabSz="914400" rtl="1" eaLnBrk="1" fontAlgn="auto" latinLnBrk="0" hangingPunct="1">
-              <a:lnSpc>
-                <a:spcPct val="100000"/>
-              </a:lnSpc>
-              <a:spcBef>
-                <a:spcPts val="0"/>
-              </a:spcBef>
-              <a:spcAft>
-                <a:spcPts val="0"/>
-              </a:spcAft>
-              <a:buClrTx/>
-              <a:buSzTx/>
-              <a:buFontTx/>
-              <a:buNone/>
-              <a:tabLst/>
-              <a:defRPr/>
-            </a:pPr>
+            <a:pPr algn="r" rtl="1"/>
             <a:r>
               <a:rPr lang="he-IL" dirty="0"/>
-              <a:t>תפקידים נוספים: חיסכון באנרגיה, ...</a:t>
-            </a:r>
-            <a:endParaRPr lang="en-US" dirty="0"/>
+              <a:t>בפועל, מערכת ההפעלה מפעילה את הטכניקה המתוארת לעיל על כל </a:t>
+            </a:r>
+            <a:r>
+              <a:rPr lang="he-IL" b="1" dirty="0"/>
+              <a:t>ליבה</a:t>
+            </a:r>
+            <a:r>
+              <a:rPr lang="he-IL" dirty="0"/>
+              <a:t> של המעבד.</a:t>
+            </a:r>
           </a:p>
         </p:txBody>
       </p:sp>
@@ -27249,7 +26456,7 @@
           <a:p>
             <a:fld id="{94525A9A-2399-4ACF-975E-77FD324B061A}" type="slidenum">
               <a:rPr lang="en-US" smtClean="0"/>
-              <a:t>11</a:t>
+              <a:t>16</a:t>
             </a:fld>
             <a:endParaRPr lang="en-US"/>
           </a:p>
@@ -27258,7 +26465,7 @@
     </p:spTree>
     <p:extLst>
       <p:ext uri="{BB962C8B-B14F-4D97-AF65-F5344CB8AC3E}">
-        <p14:creationId xmlns:p14="http://schemas.microsoft.com/office/powerpoint/2010/main" val="1759201313"/>
+        <p14:creationId xmlns:p14="http://schemas.microsoft.com/office/powerpoint/2010/main" val="968242805"/>
       </p:ext>
     </p:extLst>
   </p:cSld>
@@ -27312,10 +26519,9 @@
           </a:lstStyle>
           <a:p>
             <a:r>
-              <a:rPr lang="en-US"/>
+              <a:rPr lang="en-US" dirty="0"/>
               <a:t>Click to edit Master title style</a:t>
             </a:r>
-            <a:endParaRPr lang="en-US" dirty="0"/>
           </a:p>
         </p:txBody>
       </p:sp>
@@ -27460,7 +26666,7 @@
           <a:p>
             <a:fld id="{C06340E8-8DFF-49B7-9981-A1D114857BD2}" type="datetime2">
               <a:rPr lang="en-US" smtClean="0"/>
-              <a:t>Sunday, February 19, 2023</a:t>
+              <a:t>Thursday, March 7, 2024</a:t>
             </a:fld>
             <a:endParaRPr lang="en-US"/>
           </a:p>
@@ -27671,7 +26877,7 @@
           <a:p>
             <a:fld id="{C8680AC6-673E-4830-9E91-3CC92841107D}" type="datetime2">
               <a:rPr lang="en-US" smtClean="0"/>
-              <a:t>Sunday, February 19, 2023</a:t>
+              <a:t>Thursday, March 7, 2024</a:t>
             </a:fld>
             <a:endParaRPr lang="en-US"/>
           </a:p>
@@ -27852,7 +27058,7 @@
           <a:p>
             <a:fld id="{EB681FCC-62EA-404C-9CC3-6EFA0B1D0005}" type="datetime2">
               <a:rPr lang="en-US" smtClean="0"/>
-              <a:t>Sunday, February 19, 2023</a:t>
+              <a:t>Thursday, March 7, 2024</a:t>
             </a:fld>
             <a:endParaRPr lang="en-US"/>
           </a:p>
@@ -28021,7 +27227,7 @@
           <a:p>
             <a:fld id="{CD220F38-3898-4F9B-BD14-CA0E72579FB4}" type="datetime2">
               <a:rPr lang="en-US" smtClean="0"/>
-              <a:t>Sunday, February 19, 2023</a:t>
+              <a:t>Thursday, March 7, 2024</a:t>
             </a:fld>
             <a:endParaRPr lang="en-US"/>
           </a:p>
@@ -28275,7 +27481,7 @@
           <a:p>
             <a:fld id="{CAA78B44-70B8-4F06-860A-651875FB1428}" type="datetime2">
               <a:rPr lang="en-US" smtClean="0"/>
-              <a:t>Sunday, February 19, 2023</a:t>
+              <a:t>Thursday, March 7, 2024</a:t>
             </a:fld>
             <a:endParaRPr lang="en-US"/>
           </a:p>
@@ -28600,7 +27806,7 @@
           <a:p>
             <a:fld id="{C0A38D23-3F54-4B66-993A-B223D78F2D15}" type="datetime2">
               <a:rPr lang="en-US" smtClean="0"/>
-              <a:t>Sunday, February 19, 2023</a:t>
+              <a:t>Thursday, March 7, 2024</a:t>
             </a:fld>
             <a:endParaRPr lang="en-US"/>
           </a:p>
@@ -29072,7 +28278,7 @@
           <a:p>
             <a:fld id="{B6A79203-A483-48DF-9421-270F4DF93741}" type="datetime2">
               <a:rPr lang="en-US" smtClean="0"/>
-              <a:t>Sunday, February 19, 2023</a:t>
+              <a:t>Thursday, March 7, 2024</a:t>
             </a:fld>
             <a:endParaRPr lang="en-US"/>
           </a:p>
@@ -29225,7 +28431,7 @@
           <a:p>
             <a:fld id="{E9F42E44-91E9-4AFF-85BE-C01D006E0D81}" type="datetime2">
               <a:rPr lang="en-US" smtClean="0"/>
-              <a:t>Sunday, February 19, 2023</a:t>
+              <a:t>Thursday, March 7, 2024</a:t>
             </a:fld>
             <a:endParaRPr lang="en-US"/>
           </a:p>
@@ -29321,7 +28527,7 @@
           <a:p>
             <a:fld id="{DF7C8C7E-4CBF-4BA4-A94C-9F538EBAED82}" type="datetime2">
               <a:rPr lang="en-US" smtClean="0"/>
-              <a:t>Sunday, February 19, 2023</a:t>
+              <a:t>Thursday, March 7, 2024</a:t>
             </a:fld>
             <a:endParaRPr lang="en-US"/>
           </a:p>
@@ -29601,7 +28807,7 @@
           <a:p>
             <a:fld id="{0336E6BE-23DC-41D0-B936-7EE8D1C5B28B}" type="datetime2">
               <a:rPr lang="en-US" smtClean="0"/>
-              <a:t>Sunday, February 19, 2023</a:t>
+              <a:t>Thursday, March 7, 2024</a:t>
             </a:fld>
             <a:endParaRPr lang="en-US"/>
           </a:p>
@@ -29912,7 +29118,7 @@
           <a:p>
             <a:fld id="{3F6DC12F-87E3-46C4-8D68-0A50F24F3F3C}" type="datetime2">
               <a:rPr lang="en-US" smtClean="0"/>
-              <a:t>Sunday, February 19, 2023</a:t>
+              <a:t>Thursday, March 7, 2024</a:t>
             </a:fld>
             <a:endParaRPr lang="en-US"/>
           </a:p>
@@ -30208,13 +29414,16 @@
                 <a:solidFill>
                   <a:srgbClr val="FFFFFF"/>
                 </a:solidFill>
+                <a:latin typeface="Lucida Sans Unicode" panose="020B0602030504020204" pitchFamily="34" charset="0"/>
+                <a:cs typeface="Lucida Sans Unicode" panose="020B0602030504020204" pitchFamily="34" charset="0"/>
               </a:defRPr>
             </a:lvl1pPr>
           </a:lstStyle>
           <a:p>
             <a:fld id="{E4E65604-26C6-451E-8A15-0F7C32D19E2B}" type="datetime2">
               <a:rPr lang="en-US" smtClean="0"/>
-              <a:t>Sunday, February 19, 2023</a:t>
+              <a:pPr/>
+              <a:t>Thursday, March 7, 2024</a:t>
             </a:fld>
             <a:endParaRPr lang="en-US" dirty="0"/>
           </a:p>
@@ -30247,12 +29456,14 @@
                 <a:solidFill>
                   <a:srgbClr val="FFFFFF"/>
                 </a:solidFill>
+                <a:latin typeface="Lucida Sans Unicode" panose="020B0602030504020204" pitchFamily="34" charset="0"/>
+                <a:cs typeface="Lucida Sans Unicode" panose="020B0602030504020204" pitchFamily="34" charset="0"/>
               </a:defRPr>
             </a:lvl1pPr>
           </a:lstStyle>
           <a:p>
             <a:r>
-              <a:rPr lang="he-IL"/>
+              <a:rPr lang="he-IL" dirty="0"/>
               <a:t>מערכות הפעלה - תרגול 1</a:t>
             </a:r>
             <a:endParaRPr lang="en-US" dirty="0"/>
@@ -30327,9 +29538,9 @@
           <a:solidFill>
             <a:schemeClr val="tx2"/>
           </a:solidFill>
-          <a:latin typeface="+mj-lt"/>
+          <a:latin typeface="Lucida Sans Unicode" panose="020B0602030504020204" pitchFamily="34" charset="0"/>
           <a:ea typeface="+mj-ea"/>
-          <a:cs typeface="+mj-cs"/>
+          <a:cs typeface="Lucida Sans Unicode" panose="020B0602030504020204" pitchFamily="34" charset="0"/>
         </a:defRPr>
       </a:lvl1pPr>
     </p:titleStyle>
@@ -30348,9 +29559,9 @@
           <a:solidFill>
             <a:schemeClr val="tx1"/>
           </a:solidFill>
-          <a:latin typeface="+mn-lt"/>
+          <a:latin typeface="Lucida Sans Unicode" panose="020B0602030504020204" pitchFamily="34" charset="0"/>
           <a:ea typeface="+mn-ea"/>
-          <a:cs typeface="+mn-cs"/>
+          <a:cs typeface="Lucida Sans Unicode" panose="020B0602030504020204" pitchFamily="34" charset="0"/>
         </a:defRPr>
       </a:lvl1pPr>
       <a:lvl2pPr marL="457200" indent="-182880" algn="r" defTabSz="914400" rtl="1" eaLnBrk="1" latinLnBrk="0" hangingPunct="1">
@@ -30367,9 +29578,9 @@
           <a:solidFill>
             <a:schemeClr val="tx1"/>
           </a:solidFill>
-          <a:latin typeface="+mn-lt"/>
+          <a:latin typeface="Lucida Sans Unicode" panose="020B0602030504020204" pitchFamily="34" charset="0"/>
           <a:ea typeface="+mn-ea"/>
-          <a:cs typeface="+mn-cs"/>
+          <a:cs typeface="Lucida Sans Unicode" panose="020B0602030504020204" pitchFamily="34" charset="0"/>
         </a:defRPr>
       </a:lvl2pPr>
       <a:lvl3pPr marL="731520" indent="-182880" algn="r" defTabSz="914400" rtl="1" eaLnBrk="1" latinLnBrk="0" hangingPunct="1">
@@ -30386,9 +29597,9 @@
           <a:solidFill>
             <a:schemeClr val="tx1"/>
           </a:solidFill>
-          <a:latin typeface="+mn-lt"/>
+          <a:latin typeface="Lucida Sans Unicode" panose="020B0602030504020204" pitchFamily="34" charset="0"/>
           <a:ea typeface="+mn-ea"/>
-          <a:cs typeface="+mn-cs"/>
+          <a:cs typeface="Lucida Sans Unicode" panose="020B0602030504020204" pitchFamily="34" charset="0"/>
         </a:defRPr>
       </a:lvl3pPr>
       <a:lvl4pPr marL="1005840" indent="-182880" algn="r" defTabSz="914400" rtl="1" eaLnBrk="1" latinLnBrk="0" hangingPunct="1">
@@ -30404,9 +29615,9 @@
           <a:solidFill>
             <a:schemeClr val="tx1"/>
           </a:solidFill>
-          <a:latin typeface="+mn-lt"/>
+          <a:latin typeface="Lucida Sans Unicode" panose="020B0602030504020204" pitchFamily="34" charset="0"/>
           <a:ea typeface="+mn-ea"/>
-          <a:cs typeface="+mn-cs"/>
+          <a:cs typeface="Lucida Sans Unicode" panose="020B0602030504020204" pitchFamily="34" charset="0"/>
         </a:defRPr>
       </a:lvl4pPr>
       <a:lvl5pPr marL="1188720" indent="-137160" algn="r" defTabSz="914400" rtl="1" eaLnBrk="1" latinLnBrk="0" hangingPunct="1">
@@ -30423,9 +29634,9 @@
           <a:solidFill>
             <a:schemeClr val="tx1"/>
           </a:solidFill>
-          <a:latin typeface="+mn-lt"/>
+          <a:latin typeface="Lucida Sans Unicode" panose="020B0602030504020204" pitchFamily="34" charset="0"/>
           <a:ea typeface="+mn-ea"/>
-          <a:cs typeface="+mn-cs"/>
+          <a:cs typeface="Lucida Sans Unicode" panose="020B0602030504020204" pitchFamily="34" charset="0"/>
         </a:defRPr>
       </a:lvl5pPr>
       <a:lvl6pPr marL="1371600" indent="-182880" algn="l" defTabSz="914400" rtl="0" eaLnBrk="1" latinLnBrk="0" hangingPunct="1">
@@ -30734,47 +29945,6 @@
           </a:p>
         </p:txBody>
       </p:sp>
-      <p:sp>
-        <p:nvSpPr>
-          <p:cNvPr id="6" name="TextBox 5">
-            <a:extLst>
-              <a:ext uri="{FF2B5EF4-FFF2-40B4-BE49-F238E27FC236}">
-                <a16:creationId xmlns:a16="http://schemas.microsoft.com/office/drawing/2014/main" id="{5135DB99-EBD4-1361-699F-4D990A5BCF92}"/>
-              </a:ext>
-            </a:extLst>
-          </p:cNvPr>
-          <p:cNvSpPr txBox="1"/>
-          <p:nvPr/>
-        </p:nvSpPr>
-        <p:spPr>
-          <a:xfrm>
-            <a:off x="1736434" y="5743575"/>
-            <a:ext cx="6169316" cy="707886"/>
-          </a:xfrm>
-          <a:prstGeom prst="rect">
-            <a:avLst/>
-          </a:prstGeom>
-          <a:noFill/>
-        </p:spPr>
-        <p:txBody>
-          <a:bodyPr wrap="square" rtlCol="0">
-            <a:spAutoFit/>
-          </a:bodyPr>
-          <a:lstStyle/>
-          <a:p>
-            <a:pPr algn="r" rtl="1"/>
-            <a:r>
-              <a:rPr lang="he-IL" sz="2000" dirty="0"/>
-              <a:t>שקפי התרגולים מבוססים על שקפי התרגול בקורס מערכות הפעלה </a:t>
-            </a:r>
-            <a:r>
-              <a:rPr lang="he-IL" sz="2000"/>
-              <a:t>בטכניון שנכתבו ע"י עידן יניב</a:t>
-            </a:r>
-            <a:endParaRPr lang="en-IL" sz="2000" dirty="0"/>
-          </a:p>
-        </p:txBody>
-      </p:sp>
     </p:spTree>
     <p:extLst>
       <p:ext uri="{BB962C8B-B14F-4D97-AF65-F5344CB8AC3E}">
@@ -30789,6 +29959,1054 @@
 </file>
 
 <file path=ppt/slides/slide10.xml><?xml version="1.0" encoding="utf-8"?>
+<p:sld xmlns:a="http://schemas.openxmlformats.org/drawingml/2006/main" xmlns:r="http://schemas.openxmlformats.org/officeDocument/2006/relationships" xmlns:p="http://schemas.openxmlformats.org/presentationml/2006/main">
+  <p:cSld>
+    <p:spTree>
+      <p:nvGrpSpPr>
+        <p:cNvPr id="1" name=""/>
+        <p:cNvGrpSpPr/>
+        <p:nvPr/>
+      </p:nvGrpSpPr>
+      <p:grpSpPr>
+        <a:xfrm>
+          <a:off x="0" y="0"/>
+          <a:ext cx="0" cy="0"/>
+          <a:chOff x="0" y="0"/>
+          <a:chExt cx="0" cy="0"/>
+        </a:xfrm>
+      </p:grpSpPr>
+      <p:sp>
+        <p:nvSpPr>
+          <p:cNvPr id="22" name="Title 21">
+            <a:extLst>
+              <a:ext uri="{FF2B5EF4-FFF2-40B4-BE49-F238E27FC236}">
+                <a16:creationId xmlns:a16="http://schemas.microsoft.com/office/drawing/2014/main" id="{A804667E-EB91-4958-859C-A7690FD33C88}"/>
+              </a:ext>
+            </a:extLst>
+          </p:cNvPr>
+          <p:cNvSpPr>
+            <a:spLocks noGrp="1"/>
+          </p:cNvSpPr>
+          <p:nvPr>
+            <p:ph type="title"/>
+          </p:nvPr>
+        </p:nvSpPr>
+        <p:spPr>
+          <a:xfrm>
+            <a:off x="457200" y="404577"/>
+            <a:ext cx="8229600" cy="990600"/>
+          </a:xfrm>
+        </p:spPr>
+        <p:txBody>
+          <a:bodyPr/>
+          <a:lstStyle/>
+          <a:p>
+            <a:r>
+              <a:rPr lang="he-IL" dirty="0"/>
+              <a:t>יישור קו</a:t>
+            </a:r>
+            <a:endParaRPr lang="en-US" dirty="0"/>
+          </a:p>
+        </p:txBody>
+      </p:sp>
+      <p:sp>
+        <p:nvSpPr>
+          <p:cNvPr id="4" name="Footer Placeholder 3">
+            <a:extLst>
+              <a:ext uri="{FF2B5EF4-FFF2-40B4-BE49-F238E27FC236}">
+                <a16:creationId xmlns:a16="http://schemas.microsoft.com/office/drawing/2014/main" id="{0CF9779C-842D-4A23-86DA-32DF7FF4039F}"/>
+              </a:ext>
+            </a:extLst>
+          </p:cNvPr>
+          <p:cNvSpPr>
+            <a:spLocks noGrp="1"/>
+          </p:cNvSpPr>
+          <p:nvPr>
+            <p:ph type="ftr" sz="quarter" idx="11"/>
+          </p:nvPr>
+        </p:nvSpPr>
+        <p:spPr/>
+        <p:txBody>
+          <a:bodyPr/>
+          <a:lstStyle/>
+          <a:p>
+            <a:r>
+              <a:rPr lang="he-IL"/>
+              <a:t>מערכות הפעלה - תרגול 1</a:t>
+            </a:r>
+            <a:endParaRPr lang="en-US" dirty="0"/>
+          </a:p>
+        </p:txBody>
+      </p:sp>
+      <p:sp>
+        <p:nvSpPr>
+          <p:cNvPr id="5" name="Slide Number Placeholder 4">
+            <a:extLst>
+              <a:ext uri="{FF2B5EF4-FFF2-40B4-BE49-F238E27FC236}">
+                <a16:creationId xmlns:a16="http://schemas.microsoft.com/office/drawing/2014/main" id="{266B12E1-8D72-456A-A4A2-5F1583784E63}"/>
+              </a:ext>
+            </a:extLst>
+          </p:cNvPr>
+          <p:cNvSpPr>
+            <a:spLocks noGrp="1"/>
+          </p:cNvSpPr>
+          <p:nvPr>
+            <p:ph type="sldNum" sz="quarter" idx="12"/>
+          </p:nvPr>
+        </p:nvSpPr>
+        <p:spPr/>
+        <p:txBody>
+          <a:bodyPr/>
+          <a:lstStyle/>
+          <a:p>
+            <a:fld id="{0CFEC368-1D7A-4F81-ABF6-AE0E36BAF64C}" type="slidenum">
+              <a:rPr lang="en-US" smtClean="0"/>
+              <a:pPr/>
+              <a:t>10</a:t>
+            </a:fld>
+            <a:endParaRPr lang="en-US"/>
+          </a:p>
+        </p:txBody>
+      </p:sp>
+      <p:pic>
+        <p:nvPicPr>
+          <p:cNvPr id="23" name="Picture 6" descr="×ª××¦××ª ×ª××× × ×¢×××¨ âªdiskâ¬â">
+            <a:extLst>
+              <a:ext uri="{FF2B5EF4-FFF2-40B4-BE49-F238E27FC236}">
+                <a16:creationId xmlns:a16="http://schemas.microsoft.com/office/drawing/2014/main" id="{D96B73BE-3323-4E67-94EB-E897430D9190}"/>
+              </a:ext>
+            </a:extLst>
+          </p:cNvPr>
+          <p:cNvPicPr>
+            <a:picLocks noChangeAspect="1" noChangeArrowheads="1"/>
+          </p:cNvPicPr>
+          <p:nvPr/>
+        </p:nvPicPr>
+        <p:blipFill>
+          <a:blip r:embed="rId3" cstate="print">
+            <a:extLst>
+              <a:ext uri="{28A0092B-C50C-407E-A947-70E740481C1C}">
+                <a14:useLocalDpi xmlns:a14="http://schemas.microsoft.com/office/drawing/2010/main" val="0"/>
+              </a:ext>
+            </a:extLst>
+          </a:blip>
+          <a:srcRect/>
+          <a:stretch>
+            <a:fillRect/>
+          </a:stretch>
+        </p:blipFill>
+        <p:spPr bwMode="auto">
+          <a:xfrm>
+            <a:off x="362137" y="1520591"/>
+            <a:ext cx="1621684" cy="1208313"/>
+          </a:xfrm>
+          <a:prstGeom prst="rect">
+            <a:avLst/>
+          </a:prstGeom>
+          <a:noFill/>
+          <a:extLst>
+            <a:ext uri="{909E8E84-426E-40DD-AFC4-6F175D3DCCD1}">
+              <a14:hiddenFill xmlns:a14="http://schemas.microsoft.com/office/drawing/2010/main">
+                <a:solidFill>
+                  <a:srgbClr val="FFFFFF"/>
+                </a:solidFill>
+              </a14:hiddenFill>
+            </a:ext>
+          </a:extLst>
+        </p:spPr>
+      </p:pic>
+      <p:pic>
+        <p:nvPicPr>
+          <p:cNvPr id="51" name="Picture 4" descr="×ª××¦××ª ×ª××× × ×¢×××¨ âªramâ¬â">
+            <a:extLst>
+              <a:ext uri="{FF2B5EF4-FFF2-40B4-BE49-F238E27FC236}">
+                <a16:creationId xmlns:a16="http://schemas.microsoft.com/office/drawing/2014/main" id="{C04695C2-EE44-474B-83E3-5D7E83A052D8}"/>
+              </a:ext>
+            </a:extLst>
+          </p:cNvPr>
+          <p:cNvPicPr>
+            <a:picLocks noChangeAspect="1" noChangeArrowheads="1"/>
+          </p:cNvPicPr>
+          <p:nvPr/>
+        </p:nvPicPr>
+        <p:blipFill>
+          <a:blip r:embed="rId4">
+            <a:extLst>
+              <a:ext uri="{28A0092B-C50C-407E-A947-70E740481C1C}">
+                <a14:useLocalDpi xmlns:a14="http://schemas.microsoft.com/office/drawing/2010/main" val="0"/>
+              </a:ext>
+            </a:extLst>
+          </a:blip>
+          <a:srcRect/>
+          <a:stretch>
+            <a:fillRect/>
+          </a:stretch>
+        </p:blipFill>
+        <p:spPr bwMode="auto">
+          <a:xfrm>
+            <a:off x="3198539" y="1504033"/>
+            <a:ext cx="1524000" cy="1097280"/>
+          </a:xfrm>
+          <a:prstGeom prst="rect">
+            <a:avLst/>
+          </a:prstGeom>
+          <a:noFill/>
+          <a:extLst>
+            <a:ext uri="{909E8E84-426E-40DD-AFC4-6F175D3DCCD1}">
+              <a14:hiddenFill xmlns:a14="http://schemas.microsoft.com/office/drawing/2010/main">
+                <a:solidFill>
+                  <a:srgbClr val="FFFFFF"/>
+                </a:solidFill>
+              </a14:hiddenFill>
+            </a:ext>
+          </a:extLst>
+        </p:spPr>
+      </p:pic>
+      <p:pic>
+        <p:nvPicPr>
+          <p:cNvPr id="52" name="Picture 51" descr="×ª××¦××ª ×ª××× × ×¢×××¨ âªcpuâ¬â">
+            <a:extLst>
+              <a:ext uri="{FF2B5EF4-FFF2-40B4-BE49-F238E27FC236}">
+                <a16:creationId xmlns:a16="http://schemas.microsoft.com/office/drawing/2014/main" id="{2E008C75-34AC-4AD2-BDE7-6D51D41F44AB}"/>
+              </a:ext>
+            </a:extLst>
+          </p:cNvPr>
+          <p:cNvPicPr>
+            <a:picLocks noChangeAspect="1" noChangeArrowheads="1"/>
+          </p:cNvPicPr>
+          <p:nvPr/>
+        </p:nvPicPr>
+        <p:blipFill rotWithShape="1">
+          <a:blip r:embed="rId5" cstate="print">
+            <a:extLst>
+              <a:ext uri="{28A0092B-C50C-407E-A947-70E740481C1C}">
+                <a14:useLocalDpi xmlns:a14="http://schemas.microsoft.com/office/drawing/2010/main" val="0"/>
+              </a:ext>
+            </a:extLst>
+          </a:blip>
+          <a:srcRect l="12396" r="13936"/>
+          <a:stretch/>
+        </p:blipFill>
+        <p:spPr bwMode="auto">
+          <a:xfrm>
+            <a:off x="6048220" y="1552090"/>
+            <a:ext cx="1571780" cy="1176814"/>
+          </a:xfrm>
+          <a:prstGeom prst="rect">
+            <a:avLst/>
+          </a:prstGeom>
+          <a:noFill/>
+          <a:extLst>
+            <a:ext uri="{909E8E84-426E-40DD-AFC4-6F175D3DCCD1}">
+              <a14:hiddenFill xmlns:a14="http://schemas.microsoft.com/office/drawing/2010/main">
+                <a:solidFill>
+                  <a:srgbClr val="FFFFFF"/>
+                </a:solidFill>
+              </a14:hiddenFill>
+            </a:ext>
+          </a:extLst>
+        </p:spPr>
+      </p:pic>
+      <p:graphicFrame>
+        <p:nvGraphicFramePr>
+          <p:cNvPr id="12" name="Content Placeholder 5">
+            <a:extLst>
+              <a:ext uri="{FF2B5EF4-FFF2-40B4-BE49-F238E27FC236}">
+                <a16:creationId xmlns:a16="http://schemas.microsoft.com/office/drawing/2014/main" id="{89BE5109-E02C-4C62-A0DB-45B8DE44159E}"/>
+              </a:ext>
+            </a:extLst>
+          </p:cNvPr>
+          <p:cNvGraphicFramePr>
+            <a:graphicFrameLocks/>
+          </p:cNvGraphicFramePr>
+          <p:nvPr>
+            <p:extLst>
+              <p:ext uri="{D42A27DB-BD31-4B8C-83A1-F6EECF244321}">
+                <p14:modId xmlns:p14="http://schemas.microsoft.com/office/powerpoint/2010/main" val="1070078051"/>
+              </p:ext>
+            </p:extLst>
+          </p:nvPr>
+        </p:nvGraphicFramePr>
+        <p:xfrm>
+          <a:off x="3098995" y="1448965"/>
+          <a:ext cx="2743200" cy="1335894"/>
+        </p:xfrm>
+        <a:graphic>
+          <a:graphicData uri="http://schemas.openxmlformats.org/drawingml/2006/table">
+            <a:tbl>
+              <a:tblPr firstRow="1" bandRow="1">
+                <a:tableStyleId>{BC89EF96-8CEA-46FF-86C4-4CE0E7609802}</a:tableStyleId>
+              </a:tblPr>
+              <a:tblGrid>
+                <a:gridCol w="2743200">
+                  <a:extLst>
+                    <a:ext uri="{9D8B030D-6E8A-4147-A177-3AD203B41FA5}">
+                      <a16:colId xmlns:a16="http://schemas.microsoft.com/office/drawing/2014/main" val="2976404297"/>
+                    </a:ext>
+                  </a:extLst>
+                </a:gridCol>
+              </a:tblGrid>
+              <a:tr h="1335894">
+                <a:tc>
+                  <a:txBody>
+                    <a:bodyPr/>
+                    <a:lstStyle/>
+                    <a:p>
+                      <a:pPr algn="r" rtl="1"/>
+                      <a:endParaRPr lang="he-IL" sz="2400" dirty="0"/>
+                    </a:p>
+                    <a:p>
+                      <a:pPr algn="r" rtl="1"/>
+                      <a:r>
+                        <a:rPr lang="he-IL" sz="2400" dirty="0"/>
+                        <a:t>זיכרון</a:t>
+                      </a:r>
+                      <a:endParaRPr lang="he-IL" sz="2400" i="1" dirty="0"/>
+                    </a:p>
+                  </a:txBody>
+                  <a:tcPr/>
+                </a:tc>
+                <a:extLst>
+                  <a:ext uri="{0D108BD9-81ED-4DB2-BD59-A6C34878D82A}">
+                    <a16:rowId xmlns:a16="http://schemas.microsoft.com/office/drawing/2014/main" val="899653204"/>
+                  </a:ext>
+                </a:extLst>
+              </a:tr>
+            </a:tbl>
+          </a:graphicData>
+        </a:graphic>
+      </p:graphicFrame>
+      <p:graphicFrame>
+        <p:nvGraphicFramePr>
+          <p:cNvPr id="13" name="Content Placeholder 5">
+            <a:extLst>
+              <a:ext uri="{FF2B5EF4-FFF2-40B4-BE49-F238E27FC236}">
+                <a16:creationId xmlns:a16="http://schemas.microsoft.com/office/drawing/2014/main" id="{89BE5109-E02C-4C62-A0DB-45B8DE44159E}"/>
+              </a:ext>
+            </a:extLst>
+          </p:cNvPr>
+          <p:cNvGraphicFramePr>
+            <a:graphicFrameLocks/>
+          </p:cNvGraphicFramePr>
+          <p:nvPr>
+            <p:extLst>
+              <p:ext uri="{D42A27DB-BD31-4B8C-83A1-F6EECF244321}">
+                <p14:modId xmlns:p14="http://schemas.microsoft.com/office/powerpoint/2010/main" val="672094524"/>
+              </p:ext>
+            </p:extLst>
+          </p:nvPr>
+        </p:nvGraphicFramePr>
+        <p:xfrm>
+          <a:off x="229185" y="1448298"/>
+          <a:ext cx="2743200" cy="1335894"/>
+        </p:xfrm>
+        <a:graphic>
+          <a:graphicData uri="http://schemas.openxmlformats.org/drawingml/2006/table">
+            <a:tbl>
+              <a:tblPr firstRow="1" bandRow="1">
+                <a:tableStyleId>{BC89EF96-8CEA-46FF-86C4-4CE0E7609802}</a:tableStyleId>
+              </a:tblPr>
+              <a:tblGrid>
+                <a:gridCol w="2743200">
+                  <a:extLst>
+                    <a:ext uri="{9D8B030D-6E8A-4147-A177-3AD203B41FA5}">
+                      <a16:colId xmlns:a16="http://schemas.microsoft.com/office/drawing/2014/main" val="2976404297"/>
+                    </a:ext>
+                  </a:extLst>
+                </a:gridCol>
+              </a:tblGrid>
+              <a:tr h="1335894">
+                <a:tc>
+                  <a:txBody>
+                    <a:bodyPr/>
+                    <a:lstStyle/>
+                    <a:p>
+                      <a:pPr algn="r" rtl="1"/>
+                      <a:endParaRPr lang="he-IL" sz="2400" dirty="0"/>
+                    </a:p>
+                    <a:p>
+                      <a:pPr algn="r" rtl="1"/>
+                      <a:r>
+                        <a:rPr lang="he-IL" sz="2400" dirty="0"/>
+                        <a:t>דיסק</a:t>
+                      </a:r>
+                      <a:endParaRPr lang="he-IL" sz="2400" i="1" dirty="0"/>
+                    </a:p>
+                  </a:txBody>
+                  <a:tcPr/>
+                </a:tc>
+                <a:extLst>
+                  <a:ext uri="{0D108BD9-81ED-4DB2-BD59-A6C34878D82A}">
+                    <a16:rowId xmlns:a16="http://schemas.microsoft.com/office/drawing/2014/main" val="899653204"/>
+                  </a:ext>
+                </a:extLst>
+              </a:tr>
+            </a:tbl>
+          </a:graphicData>
+        </a:graphic>
+      </p:graphicFrame>
+      <p:graphicFrame>
+        <p:nvGraphicFramePr>
+          <p:cNvPr id="2" name="Table 1">
+            <a:extLst>
+              <a:ext uri="{FF2B5EF4-FFF2-40B4-BE49-F238E27FC236}">
+                <a16:creationId xmlns:a16="http://schemas.microsoft.com/office/drawing/2014/main" id="{EF74E83C-1D09-4620-B7A5-04CE85363F3A}"/>
+              </a:ext>
+            </a:extLst>
+          </p:cNvPr>
+          <p:cNvGraphicFramePr>
+            <a:graphicFrameLocks noGrp="1"/>
+          </p:cNvGraphicFramePr>
+          <p:nvPr>
+            <p:extLst>
+              <p:ext uri="{D42A27DB-BD31-4B8C-83A1-F6EECF244321}">
+                <p14:modId xmlns:p14="http://schemas.microsoft.com/office/powerpoint/2010/main" val="4002070105"/>
+              </p:ext>
+            </p:extLst>
+          </p:nvPr>
+        </p:nvGraphicFramePr>
+        <p:xfrm>
+          <a:off x="229185" y="2784860"/>
+          <a:ext cx="2743200" cy="3674204"/>
+        </p:xfrm>
+        <a:graphic>
+          <a:graphicData uri="http://schemas.openxmlformats.org/drawingml/2006/table">
+            <a:tbl>
+              <a:tblPr bandRow="1">
+                <a:tableStyleId>{BC89EF96-8CEA-46FF-86C4-4CE0E7609802}</a:tableStyleId>
+              </a:tblPr>
+              <a:tblGrid>
+                <a:gridCol w="2743200">
+                  <a:extLst>
+                    <a:ext uri="{9D8B030D-6E8A-4147-A177-3AD203B41FA5}">
+                      <a16:colId xmlns:a16="http://schemas.microsoft.com/office/drawing/2014/main" val="3351847365"/>
+                    </a:ext>
+                  </a:extLst>
+                </a:gridCol>
+              </a:tblGrid>
+              <a:tr h="1287350">
+                <a:tc>
+                  <a:txBody>
+                    <a:bodyPr/>
+                    <a:lstStyle/>
+                    <a:p>
+                      <a:pPr algn="r" rtl="1"/>
+                      <a:r>
+                        <a:rPr lang="he-IL" sz="2000" dirty="0"/>
+                        <a:t>אמצעי אחסון איטי ועמיד (המידע נשמר גם אם מכבים את המחשב)</a:t>
+                      </a:r>
+                      <a:endParaRPr lang="en-US" sz="2000" dirty="0"/>
+                    </a:p>
+                  </a:txBody>
+                  <a:tcPr/>
+                </a:tc>
+                <a:extLst>
+                  <a:ext uri="{0D108BD9-81ED-4DB2-BD59-A6C34878D82A}">
+                    <a16:rowId xmlns:a16="http://schemas.microsoft.com/office/drawing/2014/main" val="2435511963"/>
+                  </a:ext>
+                </a:extLst>
+              </a:tr>
+              <a:tr h="1304334">
+                <a:tc>
+                  <a:txBody>
+                    <a:bodyPr/>
+                    <a:lstStyle/>
+                    <a:p>
+                      <a:pPr algn="r" rtl="1"/>
+                      <a:r>
+                        <a:rPr lang="he-IL" sz="2000" dirty="0"/>
+                        <a:t>המעבד לא יכול לעבד מידע ישירות על הדיסק, הוא צריך קודם להעביר את המידע לזיכרון</a:t>
+                      </a:r>
+                      <a:endParaRPr lang="en-US" sz="2000" dirty="0"/>
+                    </a:p>
+                  </a:txBody>
+                  <a:tcPr/>
+                </a:tc>
+                <a:extLst>
+                  <a:ext uri="{0D108BD9-81ED-4DB2-BD59-A6C34878D82A}">
+                    <a16:rowId xmlns:a16="http://schemas.microsoft.com/office/drawing/2014/main" val="2435113697"/>
+                  </a:ext>
+                </a:extLst>
+              </a:tr>
+              <a:tr h="1076214">
+                <a:tc>
+                  <a:txBody>
+                    <a:bodyPr/>
+                    <a:lstStyle/>
+                    <a:p>
+                      <a:pPr algn="r" rtl="1"/>
+                      <a:r>
+                        <a:rPr lang="he-IL" sz="2000" dirty="0"/>
+                        <a:t>נפח אופייני – </a:t>
+                      </a:r>
+                      <a:r>
+                        <a:rPr lang="en-US" sz="2000" dirty="0"/>
+                        <a:t>1TB</a:t>
+                      </a:r>
+                    </a:p>
+                    <a:p>
+                      <a:pPr marL="0" marR="0" lvl="0" indent="0" algn="r" defTabSz="914400" rtl="1" eaLnBrk="1" fontAlgn="auto" latinLnBrk="0" hangingPunct="1">
+                        <a:lnSpc>
+                          <a:spcPct val="100000"/>
+                        </a:lnSpc>
+                        <a:spcBef>
+                          <a:spcPts val="0"/>
+                        </a:spcBef>
+                        <a:spcAft>
+                          <a:spcPts val="0"/>
+                        </a:spcAft>
+                        <a:buClrTx/>
+                        <a:buSzTx/>
+                        <a:buFontTx/>
+                        <a:buNone/>
+                        <a:tabLst/>
+                        <a:defRPr/>
+                      </a:pPr>
+                      <a:r>
+                        <a:rPr lang="he-IL" sz="2000" dirty="0"/>
+                        <a:t>זמן גישה טיפוסי: </a:t>
+                      </a:r>
+                      <a:r>
+                        <a:rPr lang="en-US" sz="2000" dirty="0"/>
+                        <a:t>1 </a:t>
+                      </a:r>
+                      <a:r>
+                        <a:rPr lang="en-US" sz="2000" dirty="0" err="1"/>
+                        <a:t>ms</a:t>
+                      </a:r>
+                      <a:endParaRPr lang="en-US" sz="2000" dirty="0"/>
+                    </a:p>
+                  </a:txBody>
+                  <a:tcPr/>
+                </a:tc>
+                <a:extLst>
+                  <a:ext uri="{0D108BD9-81ED-4DB2-BD59-A6C34878D82A}">
+                    <a16:rowId xmlns:a16="http://schemas.microsoft.com/office/drawing/2014/main" val="56586209"/>
+                  </a:ext>
+                </a:extLst>
+              </a:tr>
+            </a:tbl>
+          </a:graphicData>
+        </a:graphic>
+      </p:graphicFrame>
+      <p:graphicFrame>
+        <p:nvGraphicFramePr>
+          <p:cNvPr id="3" name="Table 2">
+            <a:extLst>
+              <a:ext uri="{FF2B5EF4-FFF2-40B4-BE49-F238E27FC236}">
+                <a16:creationId xmlns:a16="http://schemas.microsoft.com/office/drawing/2014/main" id="{B4D2E070-3D38-4B7F-A8CE-6873EF0B2991}"/>
+              </a:ext>
+            </a:extLst>
+          </p:cNvPr>
+          <p:cNvGraphicFramePr>
+            <a:graphicFrameLocks noGrp="1"/>
+          </p:cNvGraphicFramePr>
+          <p:nvPr>
+            <p:extLst>
+              <p:ext uri="{D42A27DB-BD31-4B8C-83A1-F6EECF244321}">
+                <p14:modId xmlns:p14="http://schemas.microsoft.com/office/powerpoint/2010/main" val="1105441698"/>
+              </p:ext>
+            </p:extLst>
+          </p:nvPr>
+        </p:nvGraphicFramePr>
+        <p:xfrm>
+          <a:off x="3098995" y="2784192"/>
+          <a:ext cx="2743200" cy="3668565"/>
+        </p:xfrm>
+        <a:graphic>
+          <a:graphicData uri="http://schemas.openxmlformats.org/drawingml/2006/table">
+            <a:tbl>
+              <a:tblPr bandRow="1">
+                <a:tableStyleId>{BC89EF96-8CEA-46FF-86C4-4CE0E7609802}</a:tableStyleId>
+              </a:tblPr>
+              <a:tblGrid>
+                <a:gridCol w="2743200">
+                  <a:extLst>
+                    <a:ext uri="{9D8B030D-6E8A-4147-A177-3AD203B41FA5}">
+                      <a16:colId xmlns:a16="http://schemas.microsoft.com/office/drawing/2014/main" val="3433637837"/>
+                    </a:ext>
+                  </a:extLst>
+                </a:gridCol>
+              </a:tblGrid>
+              <a:tr h="1293574">
+                <a:tc>
+                  <a:txBody>
+                    <a:bodyPr/>
+                    <a:lstStyle/>
+                    <a:p>
+                      <a:pPr algn="r" rtl="1"/>
+                      <a:r>
+                        <a:rPr lang="he-IL" sz="2000" dirty="0"/>
+                        <a:t>אמצעי אחסון מהיר</a:t>
+                      </a:r>
+                      <a:r>
+                        <a:rPr lang="he-IL" sz="2000" baseline="0" dirty="0"/>
+                        <a:t> ו</a:t>
+                      </a:r>
+                      <a:r>
+                        <a:rPr lang="he-IL" sz="2000" dirty="0"/>
+                        <a:t>נדיף (</a:t>
+                      </a:r>
+                      <a:r>
+                        <a:rPr lang="he-IL" sz="2000" dirty="0">
+                          <a:sym typeface="Wingdings" panose="05000000000000000000" pitchFamily="2" charset="2"/>
+                        </a:rPr>
+                        <a:t>המידע נמחק כאשר מכבים את המחשב)</a:t>
+                      </a:r>
+                      <a:endParaRPr lang="en-US" sz="2000" dirty="0"/>
+                    </a:p>
+                  </a:txBody>
+                  <a:tcPr/>
+                </a:tc>
+                <a:extLst>
+                  <a:ext uri="{0D108BD9-81ED-4DB2-BD59-A6C34878D82A}">
+                    <a16:rowId xmlns:a16="http://schemas.microsoft.com/office/drawing/2014/main" val="3767780814"/>
+                  </a:ext>
+                </a:extLst>
+              </a:tr>
+              <a:tr h="1293574">
+                <a:tc>
+                  <a:txBody>
+                    <a:bodyPr/>
+                    <a:lstStyle/>
+                    <a:p>
+                      <a:pPr algn="r" rtl="1"/>
+                      <a:r>
+                        <a:rPr lang="he-IL" sz="2000" dirty="0"/>
+                        <a:t>הזיכרון נגיש לכל הליבות של אותו מחשב</a:t>
+                      </a:r>
+                      <a:endParaRPr lang="en-US" sz="2000" dirty="0"/>
+                    </a:p>
+                  </a:txBody>
+                  <a:tcPr/>
+                </a:tc>
+                <a:extLst>
+                  <a:ext uri="{0D108BD9-81ED-4DB2-BD59-A6C34878D82A}">
+                    <a16:rowId xmlns:a16="http://schemas.microsoft.com/office/drawing/2014/main" val="2358068485"/>
+                  </a:ext>
+                </a:extLst>
+              </a:tr>
+              <a:tr h="1081417">
+                <a:tc>
+                  <a:txBody>
+                    <a:bodyPr/>
+                    <a:lstStyle/>
+                    <a:p>
+                      <a:pPr algn="r" rtl="1"/>
+                      <a:r>
+                        <a:rPr lang="he-IL" sz="2000" dirty="0"/>
+                        <a:t>נפח אופייני – </a:t>
+                      </a:r>
+                      <a:r>
+                        <a:rPr lang="en-US" sz="2000" dirty="0"/>
+                        <a:t>8GB</a:t>
+                      </a:r>
+                      <a:endParaRPr lang="he-IL" sz="2000" dirty="0"/>
+                    </a:p>
+                    <a:p>
+                      <a:pPr algn="r" rtl="1"/>
+                      <a:r>
+                        <a:rPr lang="he-IL" sz="2000" dirty="0"/>
+                        <a:t>זמן גישה טיפוסי: </a:t>
+                      </a:r>
+                      <a:r>
+                        <a:rPr lang="en-US" sz="2000" dirty="0"/>
+                        <a:t>100 ns</a:t>
+                      </a:r>
+                    </a:p>
+                  </a:txBody>
+                  <a:tcPr/>
+                </a:tc>
+                <a:extLst>
+                  <a:ext uri="{0D108BD9-81ED-4DB2-BD59-A6C34878D82A}">
+                    <a16:rowId xmlns:a16="http://schemas.microsoft.com/office/drawing/2014/main" val="1839228500"/>
+                  </a:ext>
+                </a:extLst>
+              </a:tr>
+            </a:tbl>
+          </a:graphicData>
+        </a:graphic>
+      </p:graphicFrame>
+      <p:graphicFrame>
+        <p:nvGraphicFramePr>
+          <p:cNvPr id="6" name="Table 5">
+            <a:extLst>
+              <a:ext uri="{FF2B5EF4-FFF2-40B4-BE49-F238E27FC236}">
+                <a16:creationId xmlns:a16="http://schemas.microsoft.com/office/drawing/2014/main" id="{BF845971-89E5-4C00-AB5D-A3CE273809C8}"/>
+              </a:ext>
+            </a:extLst>
+          </p:cNvPr>
+          <p:cNvGraphicFramePr>
+            <a:graphicFrameLocks noGrp="1"/>
+          </p:cNvGraphicFramePr>
+          <p:nvPr>
+            <p:extLst>
+              <p:ext uri="{D42A27DB-BD31-4B8C-83A1-F6EECF244321}">
+                <p14:modId xmlns:p14="http://schemas.microsoft.com/office/powerpoint/2010/main" val="548316160"/>
+              </p:ext>
+            </p:extLst>
+          </p:nvPr>
+        </p:nvGraphicFramePr>
+        <p:xfrm>
+          <a:off x="5943600" y="2784192"/>
+          <a:ext cx="2743200" cy="3668565"/>
+        </p:xfrm>
+        <a:graphic>
+          <a:graphicData uri="http://schemas.openxmlformats.org/drawingml/2006/table">
+            <a:tbl>
+              <a:tblPr bandRow="1">
+                <a:tableStyleId>{BC89EF96-8CEA-46FF-86C4-4CE0E7609802}</a:tableStyleId>
+              </a:tblPr>
+              <a:tblGrid>
+                <a:gridCol w="2743200">
+                  <a:extLst>
+                    <a:ext uri="{9D8B030D-6E8A-4147-A177-3AD203B41FA5}">
+                      <a16:colId xmlns:a16="http://schemas.microsoft.com/office/drawing/2014/main" val="2506966917"/>
+                    </a:ext>
+                  </a:extLst>
+                </a:gridCol>
+              </a:tblGrid>
+              <a:tr h="1293574">
+                <a:tc>
+                  <a:txBody>
+                    <a:bodyPr/>
+                    <a:lstStyle/>
+                    <a:p>
+                      <a:pPr algn="r" rtl="1"/>
+                      <a:r>
+                        <a:rPr lang="he-IL" sz="2000" dirty="0"/>
+                        <a:t>מקבל זרם של פקודות מכונה (אסמבלי) ומבצע אותן בצורה סדרתית</a:t>
+                      </a:r>
+                      <a:endParaRPr lang="en-US" sz="2000" dirty="0"/>
+                    </a:p>
+                  </a:txBody>
+                  <a:tcPr/>
+                </a:tc>
+                <a:extLst>
+                  <a:ext uri="{0D108BD9-81ED-4DB2-BD59-A6C34878D82A}">
+                    <a16:rowId xmlns:a16="http://schemas.microsoft.com/office/drawing/2014/main" val="3940912522"/>
+                  </a:ext>
+                </a:extLst>
+              </a:tr>
+              <a:tr h="1293574">
+                <a:tc>
+                  <a:txBody>
+                    <a:bodyPr/>
+                    <a:lstStyle/>
+                    <a:p>
+                      <a:pPr algn="r" rtl="1"/>
+                      <a:r>
+                        <a:rPr lang="he-IL" sz="2000" dirty="0"/>
+                        <a:t>כל מעבד מורכב ממספר ליבות חישוב עצמאיות שרצות במקביל</a:t>
+                      </a:r>
+                      <a:endParaRPr lang="en-US" sz="2000" dirty="0"/>
+                    </a:p>
+                  </a:txBody>
+                  <a:tcPr/>
+                </a:tc>
+                <a:extLst>
+                  <a:ext uri="{0D108BD9-81ED-4DB2-BD59-A6C34878D82A}">
+                    <a16:rowId xmlns:a16="http://schemas.microsoft.com/office/drawing/2014/main" val="2552741602"/>
+                  </a:ext>
+                </a:extLst>
+              </a:tr>
+              <a:tr h="1081417">
+                <a:tc>
+                  <a:txBody>
+                    <a:bodyPr/>
+                    <a:lstStyle/>
+                    <a:p>
+                      <a:pPr algn="r" rtl="1"/>
+                      <a:r>
+                        <a:rPr lang="he-IL" sz="2000" dirty="0"/>
+                        <a:t>תדר אופייני – </a:t>
+                      </a:r>
+                      <a:r>
+                        <a:rPr lang="en-US" sz="2000" dirty="0"/>
+                        <a:t>3GHz</a:t>
+                      </a:r>
+                      <a:br>
+                        <a:rPr lang="en-US" sz="2000" dirty="0"/>
+                      </a:br>
+                      <a:r>
+                        <a:rPr lang="he-IL" sz="2000" dirty="0"/>
+                        <a:t>זמן גישה טיפוסי: </a:t>
+                      </a:r>
+                      <a:r>
+                        <a:rPr lang="en-US" sz="2000" dirty="0"/>
+                        <a:t>1 ns</a:t>
+                      </a:r>
+                      <a:endParaRPr lang="he-IL" sz="2000" dirty="0"/>
+                    </a:p>
+                    <a:p>
+                      <a:pPr algn="r" rtl="1"/>
+                      <a:r>
+                        <a:rPr lang="he-IL" sz="2000" dirty="0"/>
+                        <a:t>(רגיסטרים + מטמונים)</a:t>
+                      </a:r>
+                      <a:endParaRPr lang="en-US" sz="2000" dirty="0"/>
+                    </a:p>
+                  </a:txBody>
+                  <a:tcPr/>
+                </a:tc>
+                <a:extLst>
+                  <a:ext uri="{0D108BD9-81ED-4DB2-BD59-A6C34878D82A}">
+                    <a16:rowId xmlns:a16="http://schemas.microsoft.com/office/drawing/2014/main" val="4177707250"/>
+                  </a:ext>
+                </a:extLst>
+              </a:tr>
+            </a:tbl>
+          </a:graphicData>
+        </a:graphic>
+      </p:graphicFrame>
+      <p:graphicFrame>
+        <p:nvGraphicFramePr>
+          <p:cNvPr id="9" name="Content Placeholder 5">
+            <a:extLst>
+              <a:ext uri="{FF2B5EF4-FFF2-40B4-BE49-F238E27FC236}">
+                <a16:creationId xmlns:a16="http://schemas.microsoft.com/office/drawing/2014/main" id="{89BE5109-E02C-4C62-A0DB-45B8DE44159E}"/>
+              </a:ext>
+            </a:extLst>
+          </p:cNvPr>
+          <p:cNvGraphicFramePr>
+            <a:graphicFrameLocks/>
+          </p:cNvGraphicFramePr>
+          <p:nvPr>
+            <p:extLst>
+              <p:ext uri="{D42A27DB-BD31-4B8C-83A1-F6EECF244321}">
+                <p14:modId xmlns:p14="http://schemas.microsoft.com/office/powerpoint/2010/main" val="3921305170"/>
+              </p:ext>
+            </p:extLst>
+          </p:nvPr>
+        </p:nvGraphicFramePr>
+        <p:xfrm>
+          <a:off x="5943600" y="1452284"/>
+          <a:ext cx="2743200" cy="1335894"/>
+        </p:xfrm>
+        <a:graphic>
+          <a:graphicData uri="http://schemas.openxmlformats.org/drawingml/2006/table">
+            <a:tbl>
+              <a:tblPr firstRow="1" bandRow="1">
+                <a:tableStyleId>{BC89EF96-8CEA-46FF-86C4-4CE0E7609802}</a:tableStyleId>
+              </a:tblPr>
+              <a:tblGrid>
+                <a:gridCol w="2743200">
+                  <a:extLst>
+                    <a:ext uri="{9D8B030D-6E8A-4147-A177-3AD203B41FA5}">
+                      <a16:colId xmlns:a16="http://schemas.microsoft.com/office/drawing/2014/main" val="2976404297"/>
+                    </a:ext>
+                  </a:extLst>
+                </a:gridCol>
+              </a:tblGrid>
+              <a:tr h="1335894">
+                <a:tc>
+                  <a:txBody>
+                    <a:bodyPr/>
+                    <a:lstStyle/>
+                    <a:p>
+                      <a:pPr algn="r" rtl="1"/>
+                      <a:endParaRPr lang="he-IL" sz="2400" dirty="0"/>
+                    </a:p>
+                    <a:p>
+                      <a:pPr algn="r" rtl="1"/>
+                      <a:r>
+                        <a:rPr lang="he-IL" sz="2400" dirty="0"/>
+                        <a:t>מעבד</a:t>
+                      </a:r>
+                      <a:endParaRPr lang="he-IL" sz="2400" i="1" dirty="0"/>
+                    </a:p>
+                  </a:txBody>
+                  <a:tcPr/>
+                </a:tc>
+                <a:extLst>
+                  <a:ext uri="{0D108BD9-81ED-4DB2-BD59-A6C34878D82A}">
+                    <a16:rowId xmlns:a16="http://schemas.microsoft.com/office/drawing/2014/main" val="899653204"/>
+                  </a:ext>
+                </a:extLst>
+              </a:tr>
+            </a:tbl>
+          </a:graphicData>
+        </a:graphic>
+      </p:graphicFrame>
+    </p:spTree>
+    <p:extLst>
+      <p:ext uri="{BB962C8B-B14F-4D97-AF65-F5344CB8AC3E}">
+        <p14:creationId xmlns:p14="http://schemas.microsoft.com/office/powerpoint/2010/main" val="3974307281"/>
+      </p:ext>
+    </p:extLst>
+  </p:cSld>
+  <p:clrMapOvr>
+    <a:masterClrMapping/>
+  </p:clrMapOvr>
+  <p:timing>
+    <p:tnLst>
+      <p:par>
+        <p:cTn id="1" dur="indefinite" restart="never" nodeType="tmRoot">
+          <p:childTnLst>
+            <p:seq concurrent="1" nextAc="seek">
+              <p:cTn id="2" dur="indefinite" nodeType="mainSeq">
+                <p:childTnLst>
+                  <p:par>
+                    <p:cTn id="3" fill="hold">
+                      <p:stCondLst>
+                        <p:cond delay="indefinite"/>
+                      </p:stCondLst>
+                      <p:childTnLst>
+                        <p:par>
+                          <p:cTn id="4" fill="hold">
+                            <p:stCondLst>
+                              <p:cond delay="0"/>
+                            </p:stCondLst>
+                            <p:childTnLst>
+                              <p:par>
+                                <p:cTn id="5" presetID="1" presetClass="entr" presetSubtype="0" fill="hold" nodeType="clickEffect">
+                                  <p:stCondLst>
+                                    <p:cond delay="0"/>
+                                  </p:stCondLst>
+                                  <p:childTnLst>
+                                    <p:set>
+                                      <p:cBhvr>
+                                        <p:cTn id="6" dur="1" fill="hold">
+                                          <p:stCondLst>
+                                            <p:cond delay="0"/>
+                                          </p:stCondLst>
+                                        </p:cTn>
+                                        <p:tgtEl>
+                                          <p:spTgt spid="6"/>
+                                        </p:tgtEl>
+                                        <p:attrNameLst>
+                                          <p:attrName>style.visibility</p:attrName>
+                                        </p:attrNameLst>
+                                      </p:cBhvr>
+                                      <p:to>
+                                        <p:strVal val="visible"/>
+                                      </p:to>
+                                    </p:set>
+                                  </p:childTnLst>
+                                </p:cTn>
+                              </p:par>
+                            </p:childTnLst>
+                          </p:cTn>
+                        </p:par>
+                      </p:childTnLst>
+                    </p:cTn>
+                  </p:par>
+                  <p:par>
+                    <p:cTn id="7" fill="hold">
+                      <p:stCondLst>
+                        <p:cond delay="indefinite"/>
+                      </p:stCondLst>
+                      <p:childTnLst>
+                        <p:par>
+                          <p:cTn id="8" fill="hold">
+                            <p:stCondLst>
+                              <p:cond delay="0"/>
+                            </p:stCondLst>
+                            <p:childTnLst>
+                              <p:par>
+                                <p:cTn id="9" presetID="1" presetClass="entr" presetSubtype="0" fill="hold" nodeType="clickEffect">
+                                  <p:stCondLst>
+                                    <p:cond delay="0"/>
+                                  </p:stCondLst>
+                                  <p:childTnLst>
+                                    <p:set>
+                                      <p:cBhvr>
+                                        <p:cTn id="10" dur="1" fill="hold">
+                                          <p:stCondLst>
+                                            <p:cond delay="0"/>
+                                          </p:stCondLst>
+                                        </p:cTn>
+                                        <p:tgtEl>
+                                          <p:spTgt spid="3"/>
+                                        </p:tgtEl>
+                                        <p:attrNameLst>
+                                          <p:attrName>style.visibility</p:attrName>
+                                        </p:attrNameLst>
+                                      </p:cBhvr>
+                                      <p:to>
+                                        <p:strVal val="visible"/>
+                                      </p:to>
+                                    </p:set>
+                                  </p:childTnLst>
+                                </p:cTn>
+                              </p:par>
+                            </p:childTnLst>
+                          </p:cTn>
+                        </p:par>
+                      </p:childTnLst>
+                    </p:cTn>
+                  </p:par>
+                  <p:par>
+                    <p:cTn id="11" fill="hold">
+                      <p:stCondLst>
+                        <p:cond delay="indefinite"/>
+                      </p:stCondLst>
+                      <p:childTnLst>
+                        <p:par>
+                          <p:cTn id="12" fill="hold">
+                            <p:stCondLst>
+                              <p:cond delay="0"/>
+                            </p:stCondLst>
+                            <p:childTnLst>
+                              <p:par>
+                                <p:cTn id="13" presetID="1" presetClass="entr" presetSubtype="0" fill="hold" nodeType="clickEffect">
+                                  <p:stCondLst>
+                                    <p:cond delay="0"/>
+                                  </p:stCondLst>
+                                  <p:childTnLst>
+                                    <p:set>
+                                      <p:cBhvr>
+                                        <p:cTn id="14" dur="1" fill="hold">
+                                          <p:stCondLst>
+                                            <p:cond delay="0"/>
+                                          </p:stCondLst>
+                                        </p:cTn>
+                                        <p:tgtEl>
+                                          <p:spTgt spid="2"/>
+                                        </p:tgtEl>
+                                        <p:attrNameLst>
+                                          <p:attrName>style.visibility</p:attrName>
+                                        </p:attrNameLst>
+                                      </p:cBhvr>
+                                      <p:to>
+                                        <p:strVal val="visible"/>
+                                      </p:to>
+                                    </p:set>
+                                  </p:childTnLst>
+                                </p:cTn>
+                              </p:par>
+                            </p:childTnLst>
+                          </p:cTn>
+                        </p:par>
+                      </p:childTnLst>
+                    </p:cTn>
+                  </p:par>
+                </p:childTnLst>
+              </p:cTn>
+              <p:prevCondLst>
+                <p:cond evt="onPrev" delay="0">
+                  <p:tgtEl>
+                    <p:sldTgt/>
+                  </p:tgtEl>
+                </p:cond>
+              </p:prevCondLst>
+              <p:nextCondLst>
+                <p:cond evt="onNext" delay="0">
+                  <p:tgtEl>
+                    <p:sldTgt/>
+                  </p:tgtEl>
+                </p:cond>
+              </p:nextCondLst>
+            </p:seq>
+          </p:childTnLst>
+        </p:cTn>
+      </p:par>
+    </p:tnLst>
+  </p:timing>
+</p:sld>
+</file>
+
+<file path=ppt/slides/slide11.xml><?xml version="1.0" encoding="utf-8"?>
 <p:sld xmlns:a="http://schemas.openxmlformats.org/drawingml/2006/main" xmlns:r="http://schemas.openxmlformats.org/officeDocument/2006/relationships" xmlns:p="http://schemas.openxmlformats.org/presentationml/2006/main">
   <p:cSld>
     <p:spTree>
@@ -31211,7 +31429,7 @@
             <a:fld id="{0CFEC368-1D7A-4F81-ABF6-AE0E36BAF64C}" type="slidenum">
               <a:rPr lang="en-US" smtClean="0"/>
               <a:pPr/>
-              <a:t>10</a:t>
+              <a:t>11</a:t>
             </a:fld>
             <a:endParaRPr lang="en-US"/>
           </a:p>
@@ -31241,7 +31459,7 @@
         </p:xfrm>
         <a:graphic>
           <a:graphicData uri="http://schemas.openxmlformats.org/drawingml/2006/diagram">
-            <dgm:relIds xmlns:dgm="http://schemas.openxmlformats.org/drawingml/2006/diagram" xmlns:r="http://schemas.openxmlformats.org/officeDocument/2006/relationships" r:dm="rId3" r:lo="rId4" r:qs="rId5" r:cs="rId6"/>
+            <dgm:relIds xmlns:dgm="http://schemas.openxmlformats.org/drawingml/2006/diagram" xmlns:r="http://schemas.openxmlformats.org/officeDocument/2006/relationships" r:dm="rId2" r:lo="rId3" r:qs="rId4" r:cs="rId5"/>
           </a:graphicData>
         </a:graphic>
       </p:graphicFrame>
@@ -31669,7 +31887,7 @@
           <p:nvPr/>
         </p:nvPicPr>
         <p:blipFill>
-          <a:blip r:embed="rId8" cstate="print">
+          <a:blip r:embed="rId7" cstate="print">
             <a:extLst>
               <a:ext uri="{28A0092B-C50C-407E-A947-70E740481C1C}">
                 <a14:useLocalDpi xmlns:a14="http://schemas.microsoft.com/office/drawing/2010/main" val="0"/>
@@ -32044,7 +32262,7 @@
 </p:sld>
 </file>
 
-<file path=ppt/slides/slide11.xml><?xml version="1.0" encoding="utf-8"?>
+<file path=ppt/slides/slide12.xml><?xml version="1.0" encoding="utf-8"?>
 <p:sld xmlns:a="http://schemas.openxmlformats.org/drawingml/2006/main" xmlns:r="http://schemas.openxmlformats.org/officeDocument/2006/relationships" xmlns:p="http://schemas.openxmlformats.org/presentationml/2006/main">
   <p:cSld>
     <p:spTree>
@@ -32108,7 +32326,7 @@
         <p:spPr/>
         <p:txBody>
           <a:bodyPr>
-            <a:normAutofit/>
+            <a:normAutofit fontScale="92500"/>
           </a:bodyPr>
           <a:lstStyle/>
           <a:p>
@@ -32256,7 +32474,7 @@
             <a:fld id="{0CFEC368-1D7A-4F81-ABF6-AE0E36BAF64C}" type="slidenum">
               <a:rPr lang="en-US" smtClean="0"/>
               <a:pPr/>
-              <a:t>11</a:t>
+              <a:t>12</a:t>
             </a:fld>
             <a:endParaRPr lang="en-US"/>
           </a:p>
@@ -32275,7 +32493,7 @@
 </p:sld>
 </file>
 
-<file path=ppt/slides/slide12.xml><?xml version="1.0" encoding="utf-8"?>
+<file path=ppt/slides/slide13.xml><?xml version="1.0" encoding="utf-8"?>
 <p:sld xmlns:a="http://schemas.openxmlformats.org/drawingml/2006/main" xmlns:r="http://schemas.openxmlformats.org/officeDocument/2006/relationships" xmlns:p="http://schemas.openxmlformats.org/presentationml/2006/main">
   <p:cSld>
     <p:spTree>
@@ -32399,7 +32617,7 @@
             <a:fld id="{0CFEC368-1D7A-4F81-ABF6-AE0E36BAF64C}" type="slidenum">
               <a:rPr lang="en-US" smtClean="0"/>
               <a:pPr/>
-              <a:t>12</a:t>
+              <a:t>13</a:t>
             </a:fld>
             <a:endParaRPr lang="en-US"/>
           </a:p>
@@ -32415,584 +32633,6 @@
   <p:clrMapOvr>
     <a:masterClrMapping/>
   </p:clrMapOvr>
-</p:sld>
-</file>
-
-<file path=ppt/slides/slide13.xml><?xml version="1.0" encoding="utf-8"?>
-<p:sld xmlns:a="http://schemas.openxmlformats.org/drawingml/2006/main" xmlns:r="http://schemas.openxmlformats.org/officeDocument/2006/relationships" xmlns:p="http://schemas.openxmlformats.org/presentationml/2006/main">
-  <p:cSld>
-    <p:spTree>
-      <p:nvGrpSpPr>
-        <p:cNvPr id="1" name=""/>
-        <p:cNvGrpSpPr/>
-        <p:nvPr/>
-      </p:nvGrpSpPr>
-      <p:grpSpPr>
-        <a:xfrm>
-          <a:off x="0" y="0"/>
-          <a:ext cx="0" cy="0"/>
-          <a:chOff x="0" y="0"/>
-          <a:chExt cx="0" cy="0"/>
-        </a:xfrm>
-      </p:grpSpPr>
-      <p:sp>
-        <p:nvSpPr>
-          <p:cNvPr id="2" name="כותרת 1">
-            <a:extLst>
-              <a:ext uri="{FF2B5EF4-FFF2-40B4-BE49-F238E27FC236}">
-                <a16:creationId xmlns:a16="http://schemas.microsoft.com/office/drawing/2014/main" id="{ED9BEC25-59AF-4E7E-BFB2-ACF292A8DECF}"/>
-              </a:ext>
-            </a:extLst>
-          </p:cNvPr>
-          <p:cNvSpPr>
-            <a:spLocks noGrp="1"/>
-          </p:cNvSpPr>
-          <p:nvPr>
-            <p:ph type="title"/>
-          </p:nvPr>
-        </p:nvSpPr>
-        <p:spPr/>
-        <p:txBody>
-          <a:bodyPr/>
-          <a:lstStyle/>
-          <a:p>
-            <a:r>
-              <a:rPr lang="he-IL" dirty="0"/>
-              <a:t>הבעיה: חלוקת משאבים</a:t>
-            </a:r>
-          </a:p>
-        </p:txBody>
-      </p:sp>
-      <p:sp>
-        <p:nvSpPr>
-          <p:cNvPr id="3" name="מציין מיקום תוכן 2">
-            <a:extLst>
-              <a:ext uri="{FF2B5EF4-FFF2-40B4-BE49-F238E27FC236}">
-                <a16:creationId xmlns:a16="http://schemas.microsoft.com/office/drawing/2014/main" id="{3BFF6803-7385-48EE-A734-373E0996B79A}"/>
-              </a:ext>
-            </a:extLst>
-          </p:cNvPr>
-          <p:cNvSpPr>
-            <a:spLocks noGrp="1"/>
-          </p:cNvSpPr>
-          <p:nvPr>
-            <p:ph idx="1"/>
-          </p:nvPr>
-        </p:nvSpPr>
-        <p:spPr/>
-        <p:txBody>
-          <a:bodyPr>
-            <a:normAutofit/>
-          </a:bodyPr>
-          <a:lstStyle/>
-          <a:p>
-            <a:r>
-              <a:rPr lang="he-IL" dirty="0"/>
-              <a:t>ליוסי יש מעבד יחיד וזיכרון יחיד.</a:t>
-            </a:r>
-          </a:p>
-          <a:p>
-            <a:r>
-              <a:rPr lang="he-IL" dirty="0"/>
-              <a:t>אבל יוסי רוצה להריץ הרבה אפליקציות בו-זמנית.</a:t>
-            </a:r>
-          </a:p>
-          <a:p>
-            <a:pPr lvl="1"/>
-            <a:r>
-              <a:rPr lang="he-IL" dirty="0"/>
-              <a:t>לגלוש באינטרנט, לשמוע מוזיקה, ולעבוד על שיעורי הבית במערכות הפעלה.</a:t>
-            </a:r>
-          </a:p>
-          <a:p>
-            <a:pPr lvl="1"/>
-            <a:endParaRPr lang="he-IL" dirty="0"/>
-          </a:p>
-          <a:p>
-            <a:r>
-              <a:rPr lang="he-IL" dirty="0"/>
-              <a:t>הפתרון: וירטואליזציה של משאבים פיזיים.</a:t>
-            </a:r>
-          </a:p>
-          <a:p>
-            <a:pPr lvl="1"/>
-            <a:r>
-              <a:rPr lang="he-IL" dirty="0"/>
-              <a:t>מערכת ההפעלה מציגה למשתמש גרסאות וירטואליות של המעבד והזיכרון.</a:t>
-            </a:r>
-          </a:p>
-          <a:p>
-            <a:pPr lvl="1"/>
-            <a:r>
-              <a:rPr lang="he-IL" dirty="0"/>
-              <a:t>משאבים וירטואליים מספקים </a:t>
-            </a:r>
-            <a:r>
-              <a:rPr lang="he-IL" b="1" dirty="0">
-                <a:solidFill>
-                  <a:srgbClr val="00823B"/>
-                </a:solidFill>
-              </a:rPr>
-              <a:t>אבסטרקציה</a:t>
-            </a:r>
-            <a:r>
-              <a:rPr lang="he-IL" dirty="0"/>
-              <a:t> שמתעלמת מפרטי המימוש של החומרה הספציפית, ולכן הם פשוטים יותר לשימוש.</a:t>
-            </a:r>
-          </a:p>
-          <a:p>
-            <a:pPr lvl="1"/>
-            <a:r>
-              <a:rPr lang="he-IL" dirty="0"/>
-              <a:t>משאבים וירטואליים גם מספקים </a:t>
-            </a:r>
-            <a:r>
-              <a:rPr lang="he-IL" b="1" dirty="0">
-                <a:solidFill>
-                  <a:srgbClr val="00823B"/>
-                </a:solidFill>
-              </a:rPr>
-              <a:t>הגנה</a:t>
-            </a:r>
-            <a:r>
-              <a:rPr lang="he-IL" dirty="0"/>
-              <a:t> כי הם מסתירים את המשאב הפיזי, וכך אף משתמש או אפליקציה לא יכולים להשתלט עליו.</a:t>
-            </a:r>
-          </a:p>
-          <a:p>
-            <a:pPr lvl="1"/>
-            <a:r>
-              <a:rPr lang="he-IL" dirty="0"/>
-              <a:t>אבל וירטואליזציה – כמו כל אבסטרקציה – גם מוסיפה </a:t>
-            </a:r>
-            <a:r>
-              <a:rPr lang="he-IL" b="1" dirty="0">
-                <a:solidFill>
-                  <a:srgbClr val="C00000"/>
-                </a:solidFill>
-              </a:rPr>
-              <a:t>תקורה</a:t>
-            </a:r>
-            <a:r>
-              <a:rPr lang="he-IL" dirty="0"/>
-              <a:t> (</a:t>
-            </a:r>
-            <a:r>
-              <a:rPr lang="en-US" dirty="0"/>
-              <a:t>overhead</a:t>
-            </a:r>
-            <a:r>
-              <a:rPr lang="he-IL" dirty="0"/>
-              <a:t>) שפוגעת בביצועים.</a:t>
-            </a:r>
-          </a:p>
-        </p:txBody>
-      </p:sp>
-      <p:sp>
-        <p:nvSpPr>
-          <p:cNvPr id="4" name="מציין מיקום של כותרת תחתונה 3">
-            <a:extLst>
-              <a:ext uri="{FF2B5EF4-FFF2-40B4-BE49-F238E27FC236}">
-                <a16:creationId xmlns:a16="http://schemas.microsoft.com/office/drawing/2014/main" id="{05992059-23DB-499D-8090-110EC4C36140}"/>
-              </a:ext>
-            </a:extLst>
-          </p:cNvPr>
-          <p:cNvSpPr>
-            <a:spLocks noGrp="1"/>
-          </p:cNvSpPr>
-          <p:nvPr>
-            <p:ph type="ftr" sz="quarter" idx="11"/>
-          </p:nvPr>
-        </p:nvSpPr>
-        <p:spPr/>
-        <p:txBody>
-          <a:bodyPr/>
-          <a:lstStyle/>
-          <a:p>
-            <a:pPr algn="r"/>
-            <a:r>
-              <a:rPr lang="he-IL"/>
-              <a:t>מערכות הפעלה - תרגול 1</a:t>
-            </a:r>
-            <a:endParaRPr lang="en-US" dirty="0"/>
-          </a:p>
-        </p:txBody>
-      </p:sp>
-      <p:sp>
-        <p:nvSpPr>
-          <p:cNvPr id="5" name="מציין מיקום של מספר שקופית 4">
-            <a:extLst>
-              <a:ext uri="{FF2B5EF4-FFF2-40B4-BE49-F238E27FC236}">
-                <a16:creationId xmlns:a16="http://schemas.microsoft.com/office/drawing/2014/main" id="{6CEC8369-5A28-4C9F-822B-DB45A379A7D2}"/>
-              </a:ext>
-            </a:extLst>
-          </p:cNvPr>
-          <p:cNvSpPr>
-            <a:spLocks noGrp="1"/>
-          </p:cNvSpPr>
-          <p:nvPr>
-            <p:ph type="sldNum" sz="quarter" idx="12"/>
-          </p:nvPr>
-        </p:nvSpPr>
-        <p:spPr/>
-        <p:txBody>
-          <a:bodyPr/>
-          <a:lstStyle/>
-          <a:p>
-            <a:fld id="{0CFEC368-1D7A-4F81-ABF6-AE0E36BAF64C}" type="slidenum">
-              <a:rPr lang="en-US" smtClean="0"/>
-              <a:pPr/>
-              <a:t>13</a:t>
-            </a:fld>
-            <a:endParaRPr lang="en-US"/>
-          </a:p>
-        </p:txBody>
-      </p:sp>
-    </p:spTree>
-    <p:extLst>
-      <p:ext uri="{BB962C8B-B14F-4D97-AF65-F5344CB8AC3E}">
-        <p14:creationId xmlns:p14="http://schemas.microsoft.com/office/powerpoint/2010/main" val="2407113951"/>
-      </p:ext>
-    </p:extLst>
-  </p:cSld>
-  <p:clrMapOvr>
-    <a:masterClrMapping/>
-  </p:clrMapOvr>
-  <p:timing>
-    <p:tnLst>
-      <p:par>
-        <p:cTn id="1" dur="indefinite" restart="never" nodeType="tmRoot">
-          <p:childTnLst>
-            <p:seq concurrent="1" nextAc="seek">
-              <p:cTn id="2" dur="indefinite" nodeType="mainSeq">
-                <p:childTnLst>
-                  <p:par>
-                    <p:cTn id="3" fill="hold">
-                      <p:stCondLst>
-                        <p:cond delay="indefinite"/>
-                      </p:stCondLst>
-                      <p:childTnLst>
-                        <p:par>
-                          <p:cTn id="4" fill="hold">
-                            <p:stCondLst>
-                              <p:cond delay="0"/>
-                            </p:stCondLst>
-                            <p:childTnLst>
-                              <p:par>
-                                <p:cTn id="5" presetID="1" presetClass="entr" presetSubtype="0" fill="hold" grpId="0" nodeType="clickEffect">
-                                  <p:stCondLst>
-                                    <p:cond delay="0"/>
-                                  </p:stCondLst>
-                                  <p:childTnLst>
-                                    <p:set>
-                                      <p:cBhvr>
-                                        <p:cTn id="6" dur="1" fill="hold">
-                                          <p:stCondLst>
-                                            <p:cond delay="0"/>
-                                          </p:stCondLst>
-                                        </p:cTn>
-                                        <p:tgtEl>
-                                          <p:spTgt spid="3">
-                                            <p:txEl>
-                                              <p:pRg st="0" end="0"/>
-                                            </p:txEl>
-                                          </p:spTgt>
-                                        </p:tgtEl>
-                                        <p:attrNameLst>
-                                          <p:attrName>style.visibility</p:attrName>
-                                        </p:attrNameLst>
-                                      </p:cBhvr>
-                                      <p:to>
-                                        <p:strVal val="visible"/>
-                                      </p:to>
-                                    </p:set>
-                                  </p:childTnLst>
-                                </p:cTn>
-                              </p:par>
-                            </p:childTnLst>
-                          </p:cTn>
-                        </p:par>
-                      </p:childTnLst>
-                    </p:cTn>
-                  </p:par>
-                  <p:par>
-                    <p:cTn id="7" fill="hold">
-                      <p:stCondLst>
-                        <p:cond delay="indefinite"/>
-                      </p:stCondLst>
-                      <p:childTnLst>
-                        <p:par>
-                          <p:cTn id="8" fill="hold">
-                            <p:stCondLst>
-                              <p:cond delay="0"/>
-                            </p:stCondLst>
-                            <p:childTnLst>
-                              <p:par>
-                                <p:cTn id="9" presetID="1" presetClass="entr" presetSubtype="0" fill="hold" grpId="0" nodeType="clickEffect">
-                                  <p:stCondLst>
-                                    <p:cond delay="0"/>
-                                  </p:stCondLst>
-                                  <p:childTnLst>
-                                    <p:set>
-                                      <p:cBhvr>
-                                        <p:cTn id="10" dur="1" fill="hold">
-                                          <p:stCondLst>
-                                            <p:cond delay="0"/>
-                                          </p:stCondLst>
-                                        </p:cTn>
-                                        <p:tgtEl>
-                                          <p:spTgt spid="3">
-                                            <p:txEl>
-                                              <p:pRg st="1" end="1"/>
-                                            </p:txEl>
-                                          </p:spTgt>
-                                        </p:tgtEl>
-                                        <p:attrNameLst>
-                                          <p:attrName>style.visibility</p:attrName>
-                                        </p:attrNameLst>
-                                      </p:cBhvr>
-                                      <p:to>
-                                        <p:strVal val="visible"/>
-                                      </p:to>
-                                    </p:set>
-                                  </p:childTnLst>
-                                </p:cTn>
-                              </p:par>
-                              <p:par>
-                                <p:cTn id="11" presetID="1" presetClass="entr" presetSubtype="0" fill="hold" grpId="0" nodeType="withEffect">
-                                  <p:stCondLst>
-                                    <p:cond delay="0"/>
-                                  </p:stCondLst>
-                                  <p:childTnLst>
-                                    <p:set>
-                                      <p:cBhvr>
-                                        <p:cTn id="12" dur="1" fill="hold">
-                                          <p:stCondLst>
-                                            <p:cond delay="0"/>
-                                          </p:stCondLst>
-                                        </p:cTn>
-                                        <p:tgtEl>
-                                          <p:spTgt spid="3">
-                                            <p:txEl>
-                                              <p:pRg st="2" end="2"/>
-                                            </p:txEl>
-                                          </p:spTgt>
-                                        </p:tgtEl>
-                                        <p:attrNameLst>
-                                          <p:attrName>style.visibility</p:attrName>
-                                        </p:attrNameLst>
-                                      </p:cBhvr>
-                                      <p:to>
-                                        <p:strVal val="visible"/>
-                                      </p:to>
-                                    </p:set>
-                                  </p:childTnLst>
-                                </p:cTn>
-                              </p:par>
-                            </p:childTnLst>
-                          </p:cTn>
-                        </p:par>
-                      </p:childTnLst>
-                    </p:cTn>
-                  </p:par>
-                  <p:par>
-                    <p:cTn id="13" fill="hold">
-                      <p:stCondLst>
-                        <p:cond delay="indefinite"/>
-                      </p:stCondLst>
-                      <p:childTnLst>
-                        <p:par>
-                          <p:cTn id="14" fill="hold">
-                            <p:stCondLst>
-                              <p:cond delay="0"/>
-                            </p:stCondLst>
-                            <p:childTnLst>
-                              <p:par>
-                                <p:cTn id="15" presetID="1" presetClass="entr" presetSubtype="0" fill="hold" grpId="0" nodeType="clickEffect">
-                                  <p:stCondLst>
-                                    <p:cond delay="0"/>
-                                  </p:stCondLst>
-                                  <p:childTnLst>
-                                    <p:set>
-                                      <p:cBhvr>
-                                        <p:cTn id="16" dur="1" fill="hold">
-                                          <p:stCondLst>
-                                            <p:cond delay="0"/>
-                                          </p:stCondLst>
-                                        </p:cTn>
-                                        <p:tgtEl>
-                                          <p:spTgt spid="3">
-                                            <p:txEl>
-                                              <p:pRg st="4" end="4"/>
-                                            </p:txEl>
-                                          </p:spTgt>
-                                        </p:tgtEl>
-                                        <p:attrNameLst>
-                                          <p:attrName>style.visibility</p:attrName>
-                                        </p:attrNameLst>
-                                      </p:cBhvr>
-                                      <p:to>
-                                        <p:strVal val="visible"/>
-                                      </p:to>
-                                    </p:set>
-                                  </p:childTnLst>
-                                </p:cTn>
-                              </p:par>
-                              <p:par>
-                                <p:cTn id="17" presetID="1" presetClass="entr" presetSubtype="0" fill="hold" grpId="0" nodeType="withEffect">
-                                  <p:stCondLst>
-                                    <p:cond delay="0"/>
-                                  </p:stCondLst>
-                                  <p:childTnLst>
-                                    <p:set>
-                                      <p:cBhvr>
-                                        <p:cTn id="18" dur="1" fill="hold">
-                                          <p:stCondLst>
-                                            <p:cond delay="0"/>
-                                          </p:stCondLst>
-                                        </p:cTn>
-                                        <p:tgtEl>
-                                          <p:spTgt spid="3">
-                                            <p:txEl>
-                                              <p:pRg st="5" end="5"/>
-                                            </p:txEl>
-                                          </p:spTgt>
-                                        </p:tgtEl>
-                                        <p:attrNameLst>
-                                          <p:attrName>style.visibility</p:attrName>
-                                        </p:attrNameLst>
-                                      </p:cBhvr>
-                                      <p:to>
-                                        <p:strVal val="visible"/>
-                                      </p:to>
-                                    </p:set>
-                                  </p:childTnLst>
-                                </p:cTn>
-                              </p:par>
-                              <p:par>
-                                <p:cTn id="19" presetID="1" presetClass="entr" presetSubtype="0" fill="hold" grpId="0" nodeType="withEffect">
-                                  <p:stCondLst>
-                                    <p:cond delay="0"/>
-                                  </p:stCondLst>
-                                  <p:childTnLst>
-                                    <p:set>
-                                      <p:cBhvr>
-                                        <p:cTn id="20" dur="1" fill="hold">
-                                          <p:stCondLst>
-                                            <p:cond delay="0"/>
-                                          </p:stCondLst>
-                                        </p:cTn>
-                                        <p:tgtEl>
-                                          <p:spTgt spid="3">
-                                            <p:txEl>
-                                              <p:pRg st="6" end="6"/>
-                                            </p:txEl>
-                                          </p:spTgt>
-                                        </p:tgtEl>
-                                        <p:attrNameLst>
-                                          <p:attrName>style.visibility</p:attrName>
-                                        </p:attrNameLst>
-                                      </p:cBhvr>
-                                      <p:to>
-                                        <p:strVal val="visible"/>
-                                      </p:to>
-                                    </p:set>
-                                  </p:childTnLst>
-                                </p:cTn>
-                              </p:par>
-                              <p:par>
-                                <p:cTn id="21" presetID="1" presetClass="entr" presetSubtype="0" fill="hold" grpId="0" nodeType="withEffect">
-                                  <p:stCondLst>
-                                    <p:cond delay="0"/>
-                                  </p:stCondLst>
-                                  <p:childTnLst>
-                                    <p:set>
-                                      <p:cBhvr>
-                                        <p:cTn id="22" dur="1" fill="hold">
-                                          <p:stCondLst>
-                                            <p:cond delay="0"/>
-                                          </p:stCondLst>
-                                        </p:cTn>
-                                        <p:tgtEl>
-                                          <p:spTgt spid="3">
-                                            <p:txEl>
-                                              <p:pRg st="7" end="7"/>
-                                            </p:txEl>
-                                          </p:spTgt>
-                                        </p:tgtEl>
-                                        <p:attrNameLst>
-                                          <p:attrName>style.visibility</p:attrName>
-                                        </p:attrNameLst>
-                                      </p:cBhvr>
-                                      <p:to>
-                                        <p:strVal val="visible"/>
-                                      </p:to>
-                                    </p:set>
-                                  </p:childTnLst>
-                                </p:cTn>
-                              </p:par>
-                              <p:par>
-                                <p:cTn id="23" presetID="1" presetClass="entr" presetSubtype="0" fill="hold" grpId="0" nodeType="withEffect">
-                                  <p:stCondLst>
-                                    <p:cond delay="0"/>
-                                  </p:stCondLst>
-                                  <p:childTnLst>
-                                    <p:set>
-                                      <p:cBhvr>
-                                        <p:cTn id="24" dur="1" fill="hold">
-                                          <p:stCondLst>
-                                            <p:cond delay="0"/>
-                                          </p:stCondLst>
-                                        </p:cTn>
-                                        <p:tgtEl>
-                                          <p:spTgt spid="3">
-                                            <p:txEl>
-                                              <p:pRg st="8" end="8"/>
-                                            </p:txEl>
-                                          </p:spTgt>
-                                        </p:tgtEl>
-                                        <p:attrNameLst>
-                                          <p:attrName>style.visibility</p:attrName>
-                                        </p:attrNameLst>
-                                      </p:cBhvr>
-                                      <p:to>
-                                        <p:strVal val="visible"/>
-                                      </p:to>
-                                    </p:set>
-                                  </p:childTnLst>
-                                </p:cTn>
-                              </p:par>
-                            </p:childTnLst>
-                          </p:cTn>
-                        </p:par>
-                      </p:childTnLst>
-                    </p:cTn>
-                  </p:par>
-                </p:childTnLst>
-              </p:cTn>
-              <p:prevCondLst>
-                <p:cond evt="onPrev" delay="0">
-                  <p:tgtEl>
-                    <p:sldTgt/>
-                  </p:tgtEl>
-                </p:cond>
-              </p:prevCondLst>
-              <p:nextCondLst>
-                <p:cond evt="onNext" delay="0">
-                  <p:tgtEl>
-                    <p:sldTgt/>
-                  </p:tgtEl>
-                </p:cond>
-              </p:nextCondLst>
-            </p:seq>
-          </p:childTnLst>
-        </p:cTn>
-      </p:par>
-    </p:tnLst>
-    <p:bldLst>
-      <p:bldP spid="3" grpId="0" build="p"/>
-    </p:bldLst>
-  </p:timing>
 </p:sld>
 </file>
 
@@ -33036,7 +32676,7 @@
           <a:p>
             <a:r>
               <a:rPr lang="he-IL" dirty="0"/>
-              <a:t>וירטואליזציה של המעבד</a:t>
+              <a:t>הבעיה: חלוקת משאבים</a:t>
             </a:r>
           </a:p>
         </p:txBody>
@@ -33060,70 +32700,108 @@
         <p:spPr/>
         <p:txBody>
           <a:bodyPr>
-            <a:normAutofit/>
+            <a:normAutofit lnSpcReduction="10000"/>
           </a:bodyPr>
           <a:lstStyle/>
           <a:p>
+            <a:r>
+              <a:rPr lang="he-IL" dirty="0"/>
+              <a:t>ליוסי יש מעבד יחיד וזיכרון יחיד.</a:t>
+            </a:r>
+          </a:p>
+          <a:p>
+            <a:r>
+              <a:rPr lang="he-IL" dirty="0"/>
+              <a:t>אבל יוסי רוצה להריץ הרבה אפליקציות בו-זמנית.</a:t>
+            </a:r>
+          </a:p>
+          <a:p>
+            <a:pPr lvl="1"/>
+            <a:r>
+              <a:rPr lang="he-IL" dirty="0"/>
+              <a:t>לגלוש באינטרנט, לשמוע מוזיקה, ולעבוד על שיעורי הבית במערכות הפעלה.</a:t>
+            </a:r>
+          </a:p>
+          <a:p>
             <a:pPr lvl="1"/>
             <a:endParaRPr lang="he-IL" dirty="0"/>
           </a:p>
           <a:p>
+            <a:r>
+              <a:rPr lang="he-IL" dirty="0"/>
+              <a:t>הפתרון: וירטואליזציה של משאבים פיזיים.</a:t>
+            </a:r>
+          </a:p>
+          <a:p>
             <a:pPr lvl="1"/>
-            <a:endParaRPr lang="en-US" dirty="0"/>
+            <a:r>
+              <a:rPr lang="he-IL" dirty="0"/>
+              <a:t>מערכת ההפעלה מציגה למשתמש גרסאות וירטואליות של המעבד והזיכרון.</a:t>
+            </a:r>
           </a:p>
           <a:p>
             <a:pPr lvl="1"/>
-            <a:endParaRPr lang="he-IL" dirty="0"/>
-          </a:p>
-          <a:p>
             <a:r>
               <a:rPr lang="he-IL" dirty="0"/>
-              <a:t>אפליקציה רצה של יוסי תיקרא </a:t>
-            </a:r>
-            <a:r>
-              <a:rPr lang="he-IL" b="1" dirty="0"/>
-              <a:t>תהליך</a:t>
+              <a:t>משאבים וירטואליים מספקים </a:t>
+            </a:r>
+            <a:r>
+              <a:rPr lang="he-IL" b="1" dirty="0">
+                <a:solidFill>
+                  <a:srgbClr val="00823B"/>
+                </a:solidFill>
+              </a:rPr>
+              <a:t>אבסטרקציה</a:t>
             </a:r>
             <a:r>
               <a:rPr lang="he-IL" dirty="0"/>
-              <a:t>.</a:t>
+              <a:t> שמתעלמת מפרטי המימוש של החומרה הספציפית, ולכן הם פשוטים יותר לשימוש.</a:t>
             </a:r>
           </a:p>
           <a:p>
             <a:pPr lvl="1"/>
-            <a:endParaRPr lang="he-IL" dirty="0"/>
-          </a:p>
-          <a:p>
             <a:r>
               <a:rPr lang="he-IL" dirty="0"/>
-              <a:t>מערכת ההפעלה מעניקה לכל תהליך את האשליה שיש לו מעבד וירטואלי נפרד משלו.</a:t>
-            </a:r>
-          </a:p>
-          <a:p>
+              <a:t>משאבים וירטואליים גם מספקים </a:t>
+            </a:r>
+            <a:r>
+              <a:rPr lang="he-IL" b="1" dirty="0">
+                <a:solidFill>
+                  <a:srgbClr val="00823B"/>
+                </a:solidFill>
+              </a:rPr>
+              <a:t>הגנה</a:t>
+            </a:r>
             <a:r>
               <a:rPr lang="he-IL" dirty="0"/>
-              <a:t>בצורה זו מערכת ההפעלה מקלה על התהליך וגם מגנה עליו.</a:t>
+              <a:t> כי הם מסתירים את המשאב הפיזי, וכך אף משתמש או אפליקציה לא יכולים להשתלט עליו.</a:t>
             </a:r>
           </a:p>
           <a:p>
             <a:pPr lvl="1"/>
             <a:r>
               <a:rPr lang="he-IL" dirty="0"/>
-              <a:t>למשל, המעבד הווירטואלי מכיל את כל הרגיסטרים של המעבד הפיזי.</a:t>
-            </a:r>
-          </a:p>
-          <a:p>
-            <a:pPr lvl="1"/>
+              <a:t>אבל וירטואליזציה – כמו כל אבסטרקציה – גם מוסיפה </a:t>
+            </a:r>
+            <a:r>
+              <a:rPr lang="he-IL" b="1" dirty="0">
+                <a:solidFill>
+                  <a:srgbClr val="C00000"/>
+                </a:solidFill>
+              </a:rPr>
+              <a:t>תקורה</a:t>
+            </a:r>
             <a:r>
               <a:rPr lang="he-IL" dirty="0"/>
-              <a:t>התהליך לא צריך "לחשוב" באילו רגיסטרים מותר לו להשתמש כי המעבד הווירטואלי כולו שלו!</a:t>
-            </a:r>
-          </a:p>
-          <a:p>
-            <a:pPr lvl="1"/>
+              <a:t> (</a:t>
+            </a:r>
+            <a:r>
+              <a:rPr lang="en-US" dirty="0"/>
+              <a:t>overhead</a:t>
+            </a:r>
             <a:r>
               <a:rPr lang="he-IL" dirty="0"/>
-              <a:t>כמו כן, תהליכים אחרים לא יכולים לקרוא/לכתוב לרגיסטרים של התהליך.</a:t>
+              <a:t>) שפוגעת בביצועים.</a:t>
             </a:r>
           </a:p>
         </p:txBody>
@@ -33183,6 +32861,211 @@
               <a:rPr lang="en-US" smtClean="0"/>
               <a:pPr/>
               <a:t>14</a:t>
+            </a:fld>
+            <a:endParaRPr lang="en-US"/>
+          </a:p>
+        </p:txBody>
+      </p:sp>
+    </p:spTree>
+    <p:extLst>
+      <p:ext uri="{BB962C8B-B14F-4D97-AF65-F5344CB8AC3E}">
+        <p14:creationId xmlns:p14="http://schemas.microsoft.com/office/powerpoint/2010/main" val="2407113951"/>
+      </p:ext>
+    </p:extLst>
+  </p:cSld>
+  <p:clrMapOvr>
+    <a:masterClrMapping/>
+  </p:clrMapOvr>
+</p:sld>
+</file>
+
+<file path=ppt/slides/slide15.xml><?xml version="1.0" encoding="utf-8"?>
+<p:sld xmlns:a="http://schemas.openxmlformats.org/drawingml/2006/main" xmlns:r="http://schemas.openxmlformats.org/officeDocument/2006/relationships" xmlns:p="http://schemas.openxmlformats.org/presentationml/2006/main">
+  <p:cSld>
+    <p:spTree>
+      <p:nvGrpSpPr>
+        <p:cNvPr id="1" name=""/>
+        <p:cNvGrpSpPr/>
+        <p:nvPr/>
+      </p:nvGrpSpPr>
+      <p:grpSpPr>
+        <a:xfrm>
+          <a:off x="0" y="0"/>
+          <a:ext cx="0" cy="0"/>
+          <a:chOff x="0" y="0"/>
+          <a:chExt cx="0" cy="0"/>
+        </a:xfrm>
+      </p:grpSpPr>
+      <p:sp>
+        <p:nvSpPr>
+          <p:cNvPr id="2" name="כותרת 1">
+            <a:extLst>
+              <a:ext uri="{FF2B5EF4-FFF2-40B4-BE49-F238E27FC236}">
+                <a16:creationId xmlns:a16="http://schemas.microsoft.com/office/drawing/2014/main" id="{ED9BEC25-59AF-4E7E-BFB2-ACF292A8DECF}"/>
+              </a:ext>
+            </a:extLst>
+          </p:cNvPr>
+          <p:cNvSpPr>
+            <a:spLocks noGrp="1"/>
+          </p:cNvSpPr>
+          <p:nvPr>
+            <p:ph type="title"/>
+          </p:nvPr>
+        </p:nvSpPr>
+        <p:spPr/>
+        <p:txBody>
+          <a:bodyPr/>
+          <a:lstStyle/>
+          <a:p>
+            <a:r>
+              <a:rPr lang="he-IL" dirty="0"/>
+              <a:t>וירטואליזציה של המעבד</a:t>
+            </a:r>
+          </a:p>
+        </p:txBody>
+      </p:sp>
+      <p:sp>
+        <p:nvSpPr>
+          <p:cNvPr id="3" name="מציין מיקום תוכן 2">
+            <a:extLst>
+              <a:ext uri="{FF2B5EF4-FFF2-40B4-BE49-F238E27FC236}">
+                <a16:creationId xmlns:a16="http://schemas.microsoft.com/office/drawing/2014/main" id="{3BFF6803-7385-48EE-A734-373E0996B79A}"/>
+              </a:ext>
+            </a:extLst>
+          </p:cNvPr>
+          <p:cNvSpPr>
+            <a:spLocks noGrp="1"/>
+          </p:cNvSpPr>
+          <p:nvPr>
+            <p:ph idx="1"/>
+          </p:nvPr>
+        </p:nvSpPr>
+        <p:spPr/>
+        <p:txBody>
+          <a:bodyPr>
+            <a:normAutofit lnSpcReduction="10000"/>
+          </a:bodyPr>
+          <a:lstStyle/>
+          <a:p>
+            <a:pPr lvl="1"/>
+            <a:endParaRPr lang="he-IL" dirty="0"/>
+          </a:p>
+          <a:p>
+            <a:pPr lvl="1"/>
+            <a:endParaRPr lang="en-US" dirty="0"/>
+          </a:p>
+          <a:p>
+            <a:pPr lvl="1"/>
+            <a:endParaRPr lang="he-IL" dirty="0"/>
+          </a:p>
+          <a:p>
+            <a:r>
+              <a:rPr lang="he-IL" dirty="0"/>
+              <a:t>אפליקציה רצה של יוסי תיקרא </a:t>
+            </a:r>
+            <a:r>
+              <a:rPr lang="he-IL" b="1" dirty="0"/>
+              <a:t>תהליך</a:t>
+            </a:r>
+            <a:r>
+              <a:rPr lang="he-IL" dirty="0"/>
+              <a:t>.</a:t>
+            </a:r>
+          </a:p>
+          <a:p>
+            <a:pPr lvl="1"/>
+            <a:endParaRPr lang="he-IL" dirty="0"/>
+          </a:p>
+          <a:p>
+            <a:r>
+              <a:rPr lang="he-IL" dirty="0"/>
+              <a:t>מערכת ההפעלה מעניקה לכל תהליך את האשליה שיש לו מעבד וירטואלי נפרד משלו.</a:t>
+            </a:r>
+          </a:p>
+          <a:p>
+            <a:r>
+              <a:rPr lang="he-IL" dirty="0"/>
+              <a:t>בצורה זו מערכת ההפעלה מקלה על התהליך וגם מגנה עליו.</a:t>
+            </a:r>
+          </a:p>
+          <a:p>
+            <a:pPr lvl="1"/>
+            <a:r>
+              <a:rPr lang="he-IL" dirty="0"/>
+              <a:t>למשל, המעבד הווירטואלי מכיל את כל הרגיסטרים של המעבד הפיזי.</a:t>
+            </a:r>
+          </a:p>
+          <a:p>
+            <a:pPr lvl="1"/>
+            <a:r>
+              <a:rPr lang="he-IL" dirty="0"/>
+              <a:t>התהליך לא צריך "לחשוב" באילו רגיסטרים מותר לו להשתמש כי המעבד הווירטואלי כולו שלו!</a:t>
+            </a:r>
+          </a:p>
+          <a:p>
+            <a:pPr lvl="1"/>
+            <a:r>
+              <a:rPr lang="he-IL" dirty="0"/>
+              <a:t>כמו כן, תהליכים אחרים לא יכולים לקרוא/לכתוב לרגיסטרים של התהליך.</a:t>
+            </a:r>
+          </a:p>
+        </p:txBody>
+      </p:sp>
+      <p:sp>
+        <p:nvSpPr>
+          <p:cNvPr id="4" name="מציין מיקום של כותרת תחתונה 3">
+            <a:extLst>
+              <a:ext uri="{FF2B5EF4-FFF2-40B4-BE49-F238E27FC236}">
+                <a16:creationId xmlns:a16="http://schemas.microsoft.com/office/drawing/2014/main" id="{05992059-23DB-499D-8090-110EC4C36140}"/>
+              </a:ext>
+            </a:extLst>
+          </p:cNvPr>
+          <p:cNvSpPr>
+            <a:spLocks noGrp="1"/>
+          </p:cNvSpPr>
+          <p:nvPr>
+            <p:ph type="ftr" sz="quarter" idx="11"/>
+          </p:nvPr>
+        </p:nvSpPr>
+        <p:spPr/>
+        <p:txBody>
+          <a:bodyPr/>
+          <a:lstStyle/>
+          <a:p>
+            <a:pPr algn="r"/>
+            <a:r>
+              <a:rPr lang="he-IL"/>
+              <a:t>מערכות הפעלה - תרגול 1</a:t>
+            </a:r>
+            <a:endParaRPr lang="en-US" dirty="0"/>
+          </a:p>
+        </p:txBody>
+      </p:sp>
+      <p:sp>
+        <p:nvSpPr>
+          <p:cNvPr id="5" name="מציין מיקום של מספר שקופית 4">
+            <a:extLst>
+              <a:ext uri="{FF2B5EF4-FFF2-40B4-BE49-F238E27FC236}">
+                <a16:creationId xmlns:a16="http://schemas.microsoft.com/office/drawing/2014/main" id="{6CEC8369-5A28-4C9F-822B-DB45A379A7D2}"/>
+              </a:ext>
+            </a:extLst>
+          </p:cNvPr>
+          <p:cNvSpPr>
+            <a:spLocks noGrp="1"/>
+          </p:cNvSpPr>
+          <p:nvPr>
+            <p:ph type="sldNum" sz="quarter" idx="12"/>
+          </p:nvPr>
+        </p:nvSpPr>
+        <p:spPr/>
+        <p:txBody>
+          <a:bodyPr/>
+          <a:lstStyle/>
+          <a:p>
+            <a:fld id="{0CFEC368-1D7A-4F81-ABF6-AE0E36BAF64C}" type="slidenum">
+              <a:rPr lang="en-US" smtClean="0"/>
+              <a:pPr/>
+              <a:t>15</a:t>
             </a:fld>
             <a:endParaRPr lang="en-US"/>
           </a:p>
@@ -33229,7 +33112,7 @@
 </p:sld>
 </file>
 
-<file path=ppt/slides/slide15.xml><?xml version="1.0" encoding="utf-8"?>
+<file path=ppt/slides/slide16.xml><?xml version="1.0" encoding="utf-8"?>
 <p:sld xmlns:a="http://schemas.openxmlformats.org/drawingml/2006/main" xmlns:r="http://schemas.openxmlformats.org/officeDocument/2006/relationships" xmlns:p="http://schemas.openxmlformats.org/presentationml/2006/main">
   <p:cSld>
     <p:spTree>
@@ -33265,7 +33148,7 @@
         <p:spPr/>
         <p:txBody>
           <a:bodyPr>
-            <a:normAutofit/>
+            <a:normAutofit fontScale="90000"/>
           </a:bodyPr>
           <a:lstStyle/>
           <a:p>
@@ -33401,7 +33284,7 @@
             <a:fld id="{0CFEC368-1D7A-4F81-ABF6-AE0E36BAF64C}" type="slidenum">
               <a:rPr lang="en-US" smtClean="0"/>
               <a:pPr/>
-              <a:t>15</a:t>
+              <a:t>16</a:t>
             </a:fld>
             <a:endParaRPr lang="en-US"/>
           </a:p>
@@ -34648,7 +34531,7 @@
 </p:sld>
 </file>
 
-<file path=ppt/slides/slide16.xml><?xml version="1.0" encoding="utf-8"?>
+<file path=ppt/slides/slide17.xml><?xml version="1.0" encoding="utf-8"?>
 <p:sld xmlns:a="http://schemas.openxmlformats.org/drawingml/2006/main" xmlns:r="http://schemas.openxmlformats.org/officeDocument/2006/relationships" xmlns:p="http://schemas.openxmlformats.org/presentationml/2006/main">
   <p:cSld>
     <p:spTree>
@@ -34809,7 +34692,7 @@
             <a:fld id="{0CFEC368-1D7A-4F81-ABF6-AE0E36BAF64C}" type="slidenum">
               <a:rPr lang="en-US" smtClean="0"/>
               <a:pPr/>
-              <a:t>16</a:t>
+              <a:t>17</a:t>
             </a:fld>
             <a:endParaRPr lang="en-US"/>
           </a:p>
@@ -34856,7 +34739,7 @@
 </p:sld>
 </file>
 
-<file path=ppt/slides/slide17.xml><?xml version="1.0" encoding="utf-8"?>
+<file path=ppt/slides/slide18.xml><?xml version="1.0" encoding="utf-8"?>
 <p:sld xmlns:a="http://schemas.openxmlformats.org/drawingml/2006/main" xmlns:r="http://schemas.openxmlformats.org/officeDocument/2006/relationships" xmlns:p="http://schemas.openxmlformats.org/presentationml/2006/main">
   <p:cSld>
     <p:spTree>
@@ -34891,7 +34774,9 @@
         </p:nvSpPr>
         <p:spPr/>
         <p:txBody>
-          <a:bodyPr/>
+          <a:bodyPr>
+            <a:normAutofit fontScale="90000"/>
+          </a:bodyPr>
           <a:lstStyle/>
           <a:p>
             <a:r>
@@ -34988,7 +34873,7 @@
             <a:fld id="{0CFEC368-1D7A-4F81-ABF6-AE0E36BAF64C}" type="slidenum">
               <a:rPr lang="en-US" smtClean="0"/>
               <a:pPr/>
-              <a:t>17</a:t>
+              <a:t>18</a:t>
             </a:fld>
             <a:endParaRPr lang="en-US"/>
           </a:p>
@@ -35697,7 +35582,314 @@
 </p:sld>
 </file>
 
-<file path=ppt/slides/slide18.xml><?xml version="1.0" encoding="utf-8"?>
+<file path=ppt/slides/slide19.xml><?xml version="1.0" encoding="utf-8"?>
+<p:sld xmlns:a="http://schemas.openxmlformats.org/drawingml/2006/main" xmlns:r="http://schemas.openxmlformats.org/officeDocument/2006/relationships" xmlns:p="http://schemas.openxmlformats.org/presentationml/2006/main">
+  <p:cSld>
+    <p:spTree>
+      <p:nvGrpSpPr>
+        <p:cNvPr id="1" name=""/>
+        <p:cNvGrpSpPr/>
+        <p:nvPr/>
+      </p:nvGrpSpPr>
+      <p:grpSpPr>
+        <a:xfrm>
+          <a:off x="0" y="0"/>
+          <a:ext cx="0" cy="0"/>
+          <a:chOff x="0" y="0"/>
+          <a:chExt cx="0" cy="0"/>
+        </a:xfrm>
+      </p:grpSpPr>
+      <p:sp>
+        <p:nvSpPr>
+          <p:cNvPr id="2" name="Title 1">
+            <a:extLst>
+              <a:ext uri="{FF2B5EF4-FFF2-40B4-BE49-F238E27FC236}">
+                <a16:creationId xmlns:a16="http://schemas.microsoft.com/office/drawing/2014/main" id="{7B0E5840-47D7-44C6-9DE7-59C3D2F0AEA5}"/>
+              </a:ext>
+            </a:extLst>
+          </p:cNvPr>
+          <p:cNvSpPr>
+            <a:spLocks noGrp="1"/>
+          </p:cNvSpPr>
+          <p:nvPr>
+            <p:ph type="title"/>
+          </p:nvPr>
+        </p:nvSpPr>
+        <p:spPr/>
+        <p:txBody>
+          <a:bodyPr/>
+          <a:lstStyle/>
+          <a:p>
+            <a:r>
+              <a:rPr lang="he-IL" dirty="0"/>
+              <a:t>הפסקה</a:t>
+            </a:r>
+            <a:endParaRPr lang="en-US" dirty="0"/>
+          </a:p>
+        </p:txBody>
+      </p:sp>
+      <p:sp>
+        <p:nvSpPr>
+          <p:cNvPr id="4" name="Footer Placeholder 3">
+            <a:extLst>
+              <a:ext uri="{FF2B5EF4-FFF2-40B4-BE49-F238E27FC236}">
+                <a16:creationId xmlns:a16="http://schemas.microsoft.com/office/drawing/2014/main" id="{C4D7E97E-3E11-4D69-8AAE-93B42E319754}"/>
+              </a:ext>
+            </a:extLst>
+          </p:cNvPr>
+          <p:cNvSpPr>
+            <a:spLocks noGrp="1"/>
+          </p:cNvSpPr>
+          <p:nvPr>
+            <p:ph type="ftr" sz="quarter" idx="11"/>
+          </p:nvPr>
+        </p:nvSpPr>
+        <p:spPr/>
+        <p:txBody>
+          <a:bodyPr/>
+          <a:lstStyle/>
+          <a:p>
+            <a:pPr algn="r"/>
+            <a:r>
+              <a:rPr lang="he-IL"/>
+              <a:t>מערכות הפעלה - תרגול 1</a:t>
+            </a:r>
+            <a:endParaRPr lang="en-US" dirty="0"/>
+          </a:p>
+        </p:txBody>
+      </p:sp>
+      <p:sp>
+        <p:nvSpPr>
+          <p:cNvPr id="5" name="Slide Number Placeholder 4">
+            <a:extLst>
+              <a:ext uri="{FF2B5EF4-FFF2-40B4-BE49-F238E27FC236}">
+                <a16:creationId xmlns:a16="http://schemas.microsoft.com/office/drawing/2014/main" id="{3D61323E-4669-42C4-827D-FED1C6CD8B92}"/>
+              </a:ext>
+            </a:extLst>
+          </p:cNvPr>
+          <p:cNvSpPr>
+            <a:spLocks noGrp="1"/>
+          </p:cNvSpPr>
+          <p:nvPr>
+            <p:ph type="sldNum" sz="quarter" idx="12"/>
+          </p:nvPr>
+        </p:nvSpPr>
+        <p:spPr/>
+        <p:txBody>
+          <a:bodyPr/>
+          <a:lstStyle/>
+          <a:p>
+            <a:fld id="{0CFEC368-1D7A-4F81-ABF6-AE0E36BAF64C}" type="slidenum">
+              <a:rPr lang="en-US" smtClean="0"/>
+              <a:pPr/>
+              <a:t>19</a:t>
+            </a:fld>
+            <a:endParaRPr lang="en-US"/>
+          </a:p>
+        </p:txBody>
+      </p:sp>
+      <p:pic>
+        <p:nvPicPr>
+          <p:cNvPr id="6" name="Content Placeholder 5">
+            <a:extLst>
+              <a:ext uri="{FF2B5EF4-FFF2-40B4-BE49-F238E27FC236}">
+                <a16:creationId xmlns:a16="http://schemas.microsoft.com/office/drawing/2014/main" id="{1EC12D13-6C12-41AD-84F5-75CA1826A627}"/>
+              </a:ext>
+            </a:extLst>
+          </p:cNvPr>
+          <p:cNvPicPr>
+            <a:picLocks noGrp="1" noChangeAspect="1"/>
+          </p:cNvPicPr>
+          <p:nvPr>
+            <p:ph idx="1"/>
+          </p:nvPr>
+        </p:nvPicPr>
+        <p:blipFill>
+          <a:blip r:embed="rId2">
+            <a:extLst>
+              <a:ext uri="{28A0092B-C50C-407E-A947-70E740481C1C}">
+                <a14:useLocalDpi xmlns:a14="http://schemas.microsoft.com/office/drawing/2010/main" val="0"/>
+              </a:ext>
+            </a:extLst>
+          </a:blip>
+          <a:stretch>
+            <a:fillRect/>
+          </a:stretch>
+        </p:blipFill>
+        <p:spPr>
+          <a:xfrm>
+            <a:off x="28575" y="1977567"/>
+            <a:ext cx="9086850" cy="3300413"/>
+          </a:xfrm>
+          <a:prstGeom prst="rect">
+            <a:avLst/>
+          </a:prstGeom>
+        </p:spPr>
+      </p:pic>
+    </p:spTree>
+    <p:extLst>
+      <p:ext uri="{BB962C8B-B14F-4D97-AF65-F5344CB8AC3E}">
+        <p14:creationId xmlns:p14="http://schemas.microsoft.com/office/powerpoint/2010/main" val="3033703913"/>
+      </p:ext>
+    </p:extLst>
+  </p:cSld>
+  <p:clrMapOvr>
+    <a:masterClrMapping/>
+  </p:clrMapOvr>
+</p:sld>
+</file>
+
+<file path=ppt/slides/slide2.xml><?xml version="1.0" encoding="utf-8"?>
+<p:sld xmlns:a="http://schemas.openxmlformats.org/drawingml/2006/main" xmlns:r="http://schemas.openxmlformats.org/officeDocument/2006/relationships" xmlns:p="http://schemas.openxmlformats.org/presentationml/2006/main">
+  <p:cSld>
+    <p:spTree>
+      <p:nvGrpSpPr>
+        <p:cNvPr id="1" name=""/>
+        <p:cNvGrpSpPr/>
+        <p:nvPr/>
+      </p:nvGrpSpPr>
+      <p:grpSpPr>
+        <a:xfrm>
+          <a:off x="0" y="0"/>
+          <a:ext cx="0" cy="0"/>
+          <a:chOff x="0" y="0"/>
+          <a:chExt cx="0" cy="0"/>
+        </a:xfrm>
+      </p:grpSpPr>
+      <p:sp>
+        <p:nvSpPr>
+          <p:cNvPr id="2" name="Title 1">
+            <a:extLst>
+              <a:ext uri="{FF2B5EF4-FFF2-40B4-BE49-F238E27FC236}">
+                <a16:creationId xmlns:a16="http://schemas.microsoft.com/office/drawing/2014/main" id="{E869FD92-F10D-434F-9FD3-7CB5798A4178}"/>
+              </a:ext>
+            </a:extLst>
+          </p:cNvPr>
+          <p:cNvSpPr>
+            <a:spLocks noGrp="1"/>
+          </p:cNvSpPr>
+          <p:nvPr>
+            <p:ph type="title"/>
+          </p:nvPr>
+        </p:nvSpPr>
+        <p:spPr/>
+        <p:txBody>
+          <a:bodyPr/>
+          <a:lstStyle/>
+          <a:p>
+            <a:r>
+              <a:rPr lang="he-IL" dirty="0"/>
+              <a:t>מטה-דיון על הקורס</a:t>
+            </a:r>
+            <a:br>
+              <a:rPr lang="he-IL" dirty="0"/>
+            </a:br>
+            <a:r>
+              <a:rPr lang="he-IL" dirty="0"/>
+              <a:t>"מערכות הפעלה"</a:t>
+            </a:r>
+          </a:p>
+        </p:txBody>
+      </p:sp>
+      <p:sp>
+        <p:nvSpPr>
+          <p:cNvPr id="3" name="Text Placeholder 2">
+            <a:extLst>
+              <a:ext uri="{FF2B5EF4-FFF2-40B4-BE49-F238E27FC236}">
+                <a16:creationId xmlns:a16="http://schemas.microsoft.com/office/drawing/2014/main" id="{9C62F663-EFDD-4469-B36A-52F391E2460A}"/>
+              </a:ext>
+            </a:extLst>
+          </p:cNvPr>
+          <p:cNvSpPr>
+            <a:spLocks noGrp="1"/>
+          </p:cNvSpPr>
+          <p:nvPr>
+            <p:ph type="body" idx="1"/>
+          </p:nvPr>
+        </p:nvSpPr>
+        <p:spPr/>
+        <p:txBody>
+          <a:bodyPr/>
+          <a:lstStyle/>
+          <a:p>
+            <a:endParaRPr lang="en-US"/>
+          </a:p>
+        </p:txBody>
+      </p:sp>
+      <p:sp>
+        <p:nvSpPr>
+          <p:cNvPr id="4" name="Footer Placeholder 3">
+            <a:extLst>
+              <a:ext uri="{FF2B5EF4-FFF2-40B4-BE49-F238E27FC236}">
+                <a16:creationId xmlns:a16="http://schemas.microsoft.com/office/drawing/2014/main" id="{1648B920-45E4-44F5-8377-A1D538B0C122}"/>
+              </a:ext>
+            </a:extLst>
+          </p:cNvPr>
+          <p:cNvSpPr>
+            <a:spLocks noGrp="1"/>
+          </p:cNvSpPr>
+          <p:nvPr>
+            <p:ph type="ftr" sz="quarter" idx="11"/>
+          </p:nvPr>
+        </p:nvSpPr>
+        <p:spPr/>
+        <p:txBody>
+          <a:bodyPr/>
+          <a:lstStyle/>
+          <a:p>
+            <a:pPr algn="r"/>
+            <a:r>
+              <a:rPr lang="he-IL"/>
+              <a:t>מערכות הפעלה - תרגול 1</a:t>
+            </a:r>
+            <a:endParaRPr lang="en-US" dirty="0"/>
+          </a:p>
+        </p:txBody>
+      </p:sp>
+      <p:sp>
+        <p:nvSpPr>
+          <p:cNvPr id="5" name="Slide Number Placeholder 4">
+            <a:extLst>
+              <a:ext uri="{FF2B5EF4-FFF2-40B4-BE49-F238E27FC236}">
+                <a16:creationId xmlns:a16="http://schemas.microsoft.com/office/drawing/2014/main" id="{F0FDBE92-C264-4B35-B6C7-D1A2490CD06F}"/>
+              </a:ext>
+            </a:extLst>
+          </p:cNvPr>
+          <p:cNvSpPr>
+            <a:spLocks noGrp="1"/>
+          </p:cNvSpPr>
+          <p:nvPr>
+            <p:ph type="sldNum" sz="quarter" idx="12"/>
+          </p:nvPr>
+        </p:nvSpPr>
+        <p:spPr/>
+        <p:txBody>
+          <a:bodyPr/>
+          <a:lstStyle/>
+          <a:p>
+            <a:fld id="{0CFEC368-1D7A-4F81-ABF6-AE0E36BAF64C}" type="slidenum">
+              <a:rPr lang="en-US" smtClean="0"/>
+              <a:pPr/>
+              <a:t>2</a:t>
+            </a:fld>
+            <a:endParaRPr lang="en-US"/>
+          </a:p>
+        </p:txBody>
+      </p:sp>
+    </p:spTree>
+    <p:extLst>
+      <p:ext uri="{BB962C8B-B14F-4D97-AF65-F5344CB8AC3E}">
+        <p14:creationId xmlns:p14="http://schemas.microsoft.com/office/powerpoint/2010/main" val="3286870270"/>
+      </p:ext>
+    </p:extLst>
+  </p:cSld>
+  <p:clrMapOvr>
+    <a:masterClrMapping/>
+  </p:clrMapOvr>
+</p:sld>
+</file>
+
+<file path=ppt/slides/slide20.xml><?xml version="1.0" encoding="utf-8"?>
 <p:sld xmlns:a="http://schemas.openxmlformats.org/drawingml/2006/main" xmlns:r="http://schemas.openxmlformats.org/officeDocument/2006/relationships" xmlns:p="http://schemas.openxmlformats.org/presentationml/2006/main">
   <p:cSld>
     <p:spTree>
@@ -35732,7 +35924,9 @@
         </p:nvSpPr>
         <p:spPr/>
         <p:txBody>
-          <a:bodyPr/>
+          <a:bodyPr>
+            <a:normAutofit fontScale="90000"/>
+          </a:bodyPr>
           <a:lstStyle/>
           <a:p>
             <a:r>
@@ -35868,7 +36062,7 @@
             <a:fld id="{0CFEC368-1D7A-4F81-ABF6-AE0E36BAF64C}" type="slidenum">
               <a:rPr lang="en-US" smtClean="0"/>
               <a:pPr/>
-              <a:t>18</a:t>
+              <a:t>20</a:t>
             </a:fld>
             <a:endParaRPr lang="en-US"/>
           </a:p>
@@ -36084,7 +36278,7 @@
 </p:sld>
 </file>
 
-<file path=ppt/slides/slide19.xml><?xml version="1.0" encoding="utf-8"?>
+<file path=ppt/slides/slide21.xml><?xml version="1.0" encoding="utf-8"?>
 <p:sld xmlns:a="http://schemas.openxmlformats.org/drawingml/2006/main" xmlns:r="http://schemas.openxmlformats.org/officeDocument/2006/relationships" xmlns:p="http://schemas.openxmlformats.org/presentationml/2006/main">
   <p:cSld>
     <p:spTree>
@@ -36153,7 +36347,7 @@
         </p:spPr>
         <p:txBody>
           <a:bodyPr>
-            <a:normAutofit/>
+            <a:normAutofit lnSpcReduction="10000"/>
           </a:bodyPr>
           <a:lstStyle/>
           <a:p>
@@ -36314,7 +36508,7 @@
             <a:fld id="{0CFEC368-1D7A-4F81-ABF6-AE0E36BAF64C}" type="slidenum">
               <a:rPr lang="en-US" smtClean="0"/>
               <a:pPr/>
-              <a:t>19</a:t>
+              <a:t>21</a:t>
             </a:fld>
             <a:endParaRPr lang="en-US"/>
           </a:p>
@@ -36330,451 +36524,10 @@
   <p:clrMapOvr>
     <a:masterClrMapping/>
   </p:clrMapOvr>
-  <p:timing>
-    <p:tnLst>
-      <p:par>
-        <p:cTn id="1" dur="indefinite" restart="never" nodeType="tmRoot">
-          <p:childTnLst>
-            <p:seq concurrent="1" nextAc="seek">
-              <p:cTn id="2" dur="indefinite" nodeType="mainSeq">
-                <p:childTnLst>
-                  <p:par>
-                    <p:cTn id="3" fill="hold">
-                      <p:stCondLst>
-                        <p:cond delay="indefinite"/>
-                      </p:stCondLst>
-                      <p:childTnLst>
-                        <p:par>
-                          <p:cTn id="4" fill="hold">
-                            <p:stCondLst>
-                              <p:cond delay="0"/>
-                            </p:stCondLst>
-                            <p:childTnLst>
-                              <p:par>
-                                <p:cTn id="5" presetID="1" presetClass="entr" presetSubtype="0" fill="hold" grpId="0" nodeType="clickEffect">
-                                  <p:stCondLst>
-                                    <p:cond delay="0"/>
-                                  </p:stCondLst>
-                                  <p:childTnLst>
-                                    <p:set>
-                                      <p:cBhvr>
-                                        <p:cTn id="6" dur="1" fill="hold">
-                                          <p:stCondLst>
-                                            <p:cond delay="0"/>
-                                          </p:stCondLst>
-                                        </p:cTn>
-                                        <p:tgtEl>
-                                          <p:spTgt spid="3">
-                                            <p:txEl>
-                                              <p:pRg st="0" end="0"/>
-                                            </p:txEl>
-                                          </p:spTgt>
-                                        </p:tgtEl>
-                                        <p:attrNameLst>
-                                          <p:attrName>style.visibility</p:attrName>
-                                        </p:attrNameLst>
-                                      </p:cBhvr>
-                                      <p:to>
-                                        <p:strVal val="visible"/>
-                                      </p:to>
-                                    </p:set>
-                                  </p:childTnLst>
-                                </p:cTn>
-                              </p:par>
-                            </p:childTnLst>
-                          </p:cTn>
-                        </p:par>
-                      </p:childTnLst>
-                    </p:cTn>
-                  </p:par>
-                  <p:par>
-                    <p:cTn id="7" fill="hold">
-                      <p:stCondLst>
-                        <p:cond delay="indefinite"/>
-                      </p:stCondLst>
-                      <p:childTnLst>
-                        <p:par>
-                          <p:cTn id="8" fill="hold">
-                            <p:stCondLst>
-                              <p:cond delay="0"/>
-                            </p:stCondLst>
-                            <p:childTnLst>
-                              <p:par>
-                                <p:cTn id="9" presetID="1" presetClass="entr" presetSubtype="0" fill="hold" grpId="0" nodeType="clickEffect">
-                                  <p:stCondLst>
-                                    <p:cond delay="0"/>
-                                  </p:stCondLst>
-                                  <p:childTnLst>
-                                    <p:set>
-                                      <p:cBhvr>
-                                        <p:cTn id="10" dur="1" fill="hold">
-                                          <p:stCondLst>
-                                            <p:cond delay="0"/>
-                                          </p:stCondLst>
-                                        </p:cTn>
-                                        <p:tgtEl>
-                                          <p:spTgt spid="3">
-                                            <p:txEl>
-                                              <p:pRg st="2" end="2"/>
-                                            </p:txEl>
-                                          </p:spTgt>
-                                        </p:tgtEl>
-                                        <p:attrNameLst>
-                                          <p:attrName>style.visibility</p:attrName>
-                                        </p:attrNameLst>
-                                      </p:cBhvr>
-                                      <p:to>
-                                        <p:strVal val="visible"/>
-                                      </p:to>
-                                    </p:set>
-                                  </p:childTnLst>
-                                </p:cTn>
-                              </p:par>
-                              <p:par>
-                                <p:cTn id="11" presetID="1" presetClass="entr" presetSubtype="0" fill="hold" grpId="0" nodeType="withEffect">
-                                  <p:stCondLst>
-                                    <p:cond delay="0"/>
-                                  </p:stCondLst>
-                                  <p:childTnLst>
-                                    <p:set>
-                                      <p:cBhvr>
-                                        <p:cTn id="12" dur="1" fill="hold">
-                                          <p:stCondLst>
-                                            <p:cond delay="0"/>
-                                          </p:stCondLst>
-                                        </p:cTn>
-                                        <p:tgtEl>
-                                          <p:spTgt spid="3">
-                                            <p:txEl>
-                                              <p:pRg st="3" end="3"/>
-                                            </p:txEl>
-                                          </p:spTgt>
-                                        </p:tgtEl>
-                                        <p:attrNameLst>
-                                          <p:attrName>style.visibility</p:attrName>
-                                        </p:attrNameLst>
-                                      </p:cBhvr>
-                                      <p:to>
-                                        <p:strVal val="visible"/>
-                                      </p:to>
-                                    </p:set>
-                                  </p:childTnLst>
-                                </p:cTn>
-                              </p:par>
-                              <p:par>
-                                <p:cTn id="13" presetID="1" presetClass="entr" presetSubtype="0" fill="hold" grpId="0" nodeType="withEffect">
-                                  <p:stCondLst>
-                                    <p:cond delay="0"/>
-                                  </p:stCondLst>
-                                  <p:childTnLst>
-                                    <p:set>
-                                      <p:cBhvr>
-                                        <p:cTn id="14" dur="1" fill="hold">
-                                          <p:stCondLst>
-                                            <p:cond delay="0"/>
-                                          </p:stCondLst>
-                                        </p:cTn>
-                                        <p:tgtEl>
-                                          <p:spTgt spid="3">
-                                            <p:txEl>
-                                              <p:pRg st="4" end="4"/>
-                                            </p:txEl>
-                                          </p:spTgt>
-                                        </p:tgtEl>
-                                        <p:attrNameLst>
-                                          <p:attrName>style.visibility</p:attrName>
-                                        </p:attrNameLst>
-                                      </p:cBhvr>
-                                      <p:to>
-                                        <p:strVal val="visible"/>
-                                      </p:to>
-                                    </p:set>
-                                  </p:childTnLst>
-                                </p:cTn>
-                              </p:par>
-                            </p:childTnLst>
-                          </p:cTn>
-                        </p:par>
-                      </p:childTnLst>
-                    </p:cTn>
-                  </p:par>
-                  <p:par>
-                    <p:cTn id="15" fill="hold">
-                      <p:stCondLst>
-                        <p:cond delay="indefinite"/>
-                      </p:stCondLst>
-                      <p:childTnLst>
-                        <p:par>
-                          <p:cTn id="16" fill="hold">
-                            <p:stCondLst>
-                              <p:cond delay="0"/>
-                            </p:stCondLst>
-                            <p:childTnLst>
-                              <p:par>
-                                <p:cTn id="17" presetID="1" presetClass="entr" presetSubtype="0" fill="hold" grpId="0" nodeType="clickEffect">
-                                  <p:stCondLst>
-                                    <p:cond delay="0"/>
-                                  </p:stCondLst>
-                                  <p:childTnLst>
-                                    <p:set>
-                                      <p:cBhvr>
-                                        <p:cTn id="18" dur="1" fill="hold">
-                                          <p:stCondLst>
-                                            <p:cond delay="0"/>
-                                          </p:stCondLst>
-                                        </p:cTn>
-                                        <p:tgtEl>
-                                          <p:spTgt spid="3">
-                                            <p:txEl>
-                                              <p:pRg st="6" end="6"/>
-                                            </p:txEl>
-                                          </p:spTgt>
-                                        </p:tgtEl>
-                                        <p:attrNameLst>
-                                          <p:attrName>style.visibility</p:attrName>
-                                        </p:attrNameLst>
-                                      </p:cBhvr>
-                                      <p:to>
-                                        <p:strVal val="visible"/>
-                                      </p:to>
-                                    </p:set>
-                                  </p:childTnLst>
-                                </p:cTn>
-                              </p:par>
-                            </p:childTnLst>
-                          </p:cTn>
-                        </p:par>
-                      </p:childTnLst>
-                    </p:cTn>
-                  </p:par>
-                  <p:par>
-                    <p:cTn id="19" fill="hold">
-                      <p:stCondLst>
-                        <p:cond delay="indefinite"/>
-                      </p:stCondLst>
-                      <p:childTnLst>
-                        <p:par>
-                          <p:cTn id="20" fill="hold">
-                            <p:stCondLst>
-                              <p:cond delay="0"/>
-                            </p:stCondLst>
-                            <p:childTnLst>
-                              <p:par>
-                                <p:cTn id="21" presetID="1" presetClass="entr" presetSubtype="0" fill="hold" grpId="0" nodeType="clickEffect">
-                                  <p:stCondLst>
-                                    <p:cond delay="0"/>
-                                  </p:stCondLst>
-                                  <p:childTnLst>
-                                    <p:set>
-                                      <p:cBhvr>
-                                        <p:cTn id="22" dur="1" fill="hold">
-                                          <p:stCondLst>
-                                            <p:cond delay="0"/>
-                                          </p:stCondLst>
-                                        </p:cTn>
-                                        <p:tgtEl>
-                                          <p:spTgt spid="3">
-                                            <p:txEl>
-                                              <p:pRg st="8" end="8"/>
-                                            </p:txEl>
-                                          </p:spTgt>
-                                        </p:tgtEl>
-                                        <p:attrNameLst>
-                                          <p:attrName>style.visibility</p:attrName>
-                                        </p:attrNameLst>
-                                      </p:cBhvr>
-                                      <p:to>
-                                        <p:strVal val="visible"/>
-                                      </p:to>
-                                    </p:set>
-                                  </p:childTnLst>
-                                </p:cTn>
-                              </p:par>
-                            </p:childTnLst>
-                          </p:cTn>
-                        </p:par>
-                      </p:childTnLst>
-                    </p:cTn>
-                  </p:par>
-                </p:childTnLst>
-              </p:cTn>
-              <p:prevCondLst>
-                <p:cond evt="onPrev" delay="0">
-                  <p:tgtEl>
-                    <p:sldTgt/>
-                  </p:tgtEl>
-                </p:cond>
-              </p:prevCondLst>
-              <p:nextCondLst>
-                <p:cond evt="onNext" delay="0">
-                  <p:tgtEl>
-                    <p:sldTgt/>
-                  </p:tgtEl>
-                </p:cond>
-              </p:nextCondLst>
-            </p:seq>
-          </p:childTnLst>
-        </p:cTn>
-      </p:par>
-    </p:tnLst>
-    <p:bldLst>
-      <p:bldP spid="3" grpId="0" build="p"/>
-    </p:bldLst>
-  </p:timing>
 </p:sld>
 </file>
 
-<file path=ppt/slides/slide2.xml><?xml version="1.0" encoding="utf-8"?>
-<p:sld xmlns:a="http://schemas.openxmlformats.org/drawingml/2006/main" xmlns:r="http://schemas.openxmlformats.org/officeDocument/2006/relationships" xmlns:p="http://schemas.openxmlformats.org/presentationml/2006/main">
-  <p:cSld>
-    <p:spTree>
-      <p:nvGrpSpPr>
-        <p:cNvPr id="1" name=""/>
-        <p:cNvGrpSpPr/>
-        <p:nvPr/>
-      </p:nvGrpSpPr>
-      <p:grpSpPr>
-        <a:xfrm>
-          <a:off x="0" y="0"/>
-          <a:ext cx="0" cy="0"/>
-          <a:chOff x="0" y="0"/>
-          <a:chExt cx="0" cy="0"/>
-        </a:xfrm>
-      </p:grpSpPr>
-      <p:sp>
-        <p:nvSpPr>
-          <p:cNvPr id="2" name="Title 1">
-            <a:extLst>
-              <a:ext uri="{FF2B5EF4-FFF2-40B4-BE49-F238E27FC236}">
-                <a16:creationId xmlns:a16="http://schemas.microsoft.com/office/drawing/2014/main" id="{E869FD92-F10D-434F-9FD3-7CB5798A4178}"/>
-              </a:ext>
-            </a:extLst>
-          </p:cNvPr>
-          <p:cNvSpPr>
-            <a:spLocks noGrp="1"/>
-          </p:cNvSpPr>
-          <p:nvPr>
-            <p:ph type="title"/>
-          </p:nvPr>
-        </p:nvSpPr>
-        <p:spPr/>
-        <p:txBody>
-          <a:bodyPr/>
-          <a:lstStyle/>
-          <a:p>
-            <a:r>
-              <a:rPr lang="he-IL" dirty="0"/>
-              <a:t>מטה-דיון על הקורס</a:t>
-            </a:r>
-            <a:br>
-              <a:rPr lang="he-IL" dirty="0"/>
-            </a:br>
-            <a:r>
-              <a:rPr lang="he-IL" dirty="0"/>
-              <a:t>"מערכות הפעלה"</a:t>
-            </a:r>
-          </a:p>
-        </p:txBody>
-      </p:sp>
-      <p:sp>
-        <p:nvSpPr>
-          <p:cNvPr id="3" name="Text Placeholder 2">
-            <a:extLst>
-              <a:ext uri="{FF2B5EF4-FFF2-40B4-BE49-F238E27FC236}">
-                <a16:creationId xmlns:a16="http://schemas.microsoft.com/office/drawing/2014/main" id="{9C62F663-EFDD-4469-B36A-52F391E2460A}"/>
-              </a:ext>
-            </a:extLst>
-          </p:cNvPr>
-          <p:cNvSpPr>
-            <a:spLocks noGrp="1"/>
-          </p:cNvSpPr>
-          <p:nvPr>
-            <p:ph type="body" idx="1"/>
-          </p:nvPr>
-        </p:nvSpPr>
-        <p:spPr/>
-        <p:txBody>
-          <a:bodyPr/>
-          <a:lstStyle/>
-          <a:p>
-            <a:endParaRPr lang="en-US"/>
-          </a:p>
-        </p:txBody>
-      </p:sp>
-      <p:sp>
-        <p:nvSpPr>
-          <p:cNvPr id="4" name="Footer Placeholder 3">
-            <a:extLst>
-              <a:ext uri="{FF2B5EF4-FFF2-40B4-BE49-F238E27FC236}">
-                <a16:creationId xmlns:a16="http://schemas.microsoft.com/office/drawing/2014/main" id="{1648B920-45E4-44F5-8377-A1D538B0C122}"/>
-              </a:ext>
-            </a:extLst>
-          </p:cNvPr>
-          <p:cNvSpPr>
-            <a:spLocks noGrp="1"/>
-          </p:cNvSpPr>
-          <p:nvPr>
-            <p:ph type="ftr" sz="quarter" idx="11"/>
-          </p:nvPr>
-        </p:nvSpPr>
-        <p:spPr/>
-        <p:txBody>
-          <a:bodyPr/>
-          <a:lstStyle/>
-          <a:p>
-            <a:pPr algn="r"/>
-            <a:r>
-              <a:rPr lang="he-IL"/>
-              <a:t>מערכות הפעלה - תרגול 1</a:t>
-            </a:r>
-            <a:endParaRPr lang="en-US" dirty="0"/>
-          </a:p>
-        </p:txBody>
-      </p:sp>
-      <p:sp>
-        <p:nvSpPr>
-          <p:cNvPr id="5" name="Slide Number Placeholder 4">
-            <a:extLst>
-              <a:ext uri="{FF2B5EF4-FFF2-40B4-BE49-F238E27FC236}">
-                <a16:creationId xmlns:a16="http://schemas.microsoft.com/office/drawing/2014/main" id="{F0FDBE92-C264-4B35-B6C7-D1A2490CD06F}"/>
-              </a:ext>
-            </a:extLst>
-          </p:cNvPr>
-          <p:cNvSpPr>
-            <a:spLocks noGrp="1"/>
-          </p:cNvSpPr>
-          <p:nvPr>
-            <p:ph type="sldNum" sz="quarter" idx="12"/>
-          </p:nvPr>
-        </p:nvSpPr>
-        <p:spPr/>
-        <p:txBody>
-          <a:bodyPr/>
-          <a:lstStyle/>
-          <a:p>
-            <a:fld id="{0CFEC368-1D7A-4F81-ABF6-AE0E36BAF64C}" type="slidenum">
-              <a:rPr lang="en-US" smtClean="0"/>
-              <a:pPr/>
-              <a:t>2</a:t>
-            </a:fld>
-            <a:endParaRPr lang="en-US"/>
-          </a:p>
-        </p:txBody>
-      </p:sp>
-    </p:spTree>
-    <p:extLst>
-      <p:ext uri="{BB962C8B-B14F-4D97-AF65-F5344CB8AC3E}">
-        <p14:creationId xmlns:p14="http://schemas.microsoft.com/office/powerpoint/2010/main" val="3286870270"/>
-      </p:ext>
-    </p:extLst>
-  </p:cSld>
-  <p:clrMapOvr>
-    <a:masterClrMapping/>
-  </p:clrMapOvr>
-</p:sld>
-</file>
-
-<file path=ppt/slides/slide20.xml><?xml version="1.0" encoding="utf-8"?>
+<file path=ppt/slides/slide22.xml><?xml version="1.0" encoding="utf-8"?>
 <p:sld xmlns:a="http://schemas.openxmlformats.org/drawingml/2006/main" xmlns:r="http://schemas.openxmlformats.org/officeDocument/2006/relationships" xmlns:p="http://schemas.openxmlformats.org/presentationml/2006/main">
   <p:cSld>
     <p:spTree>
@@ -36903,13 +36656,6 @@
               <a:t>) נשמרת ברגיסטר כלשהו של המעבד.</a:t>
             </a:r>
           </a:p>
-          <a:p>
-            <a:pPr lvl="1"/>
-            <a:r>
-              <a:rPr lang="he-IL" dirty="0"/>
-              <a:t>הפרטים המדויקים נלמדים בקורס את"מ (234118).</a:t>
-            </a:r>
-          </a:p>
         </p:txBody>
       </p:sp>
       <p:sp>
@@ -36965,7 +36711,7 @@
             <a:fld id="{0CFEC368-1D7A-4F81-ABF6-AE0E36BAF64C}" type="slidenum">
               <a:rPr lang="en-US" smtClean="0"/>
               <a:pPr/>
-              <a:t>20</a:t>
+              <a:t>22</a:t>
             </a:fld>
             <a:endParaRPr lang="en-US"/>
           </a:p>
@@ -37329,7 +37075,7 @@
 </p:sld>
 </file>
 
-<file path=ppt/slides/slide21.xml><?xml version="1.0" encoding="utf-8"?>
+<file path=ppt/slides/slide23.xml><?xml version="1.0" encoding="utf-8"?>
 <p:sld xmlns:a="http://schemas.openxmlformats.org/drawingml/2006/main" xmlns:r="http://schemas.openxmlformats.org/officeDocument/2006/relationships" xmlns:p="http://schemas.openxmlformats.org/presentationml/2006/main">
   <p:cSld>
     <p:spTree>
@@ -37364,7 +37110,9 @@
         </p:nvSpPr>
         <p:spPr/>
         <p:txBody>
-          <a:bodyPr/>
+          <a:bodyPr>
+            <a:normAutofit fontScale="90000"/>
+          </a:bodyPr>
           <a:lstStyle/>
           <a:p>
             <a:r>
@@ -37540,7 +37288,7 @@
             <a:fld id="{0CFEC368-1D7A-4F81-ABF6-AE0E36BAF64C}" type="slidenum">
               <a:rPr lang="en-US" smtClean="0"/>
               <a:pPr/>
-              <a:t>21</a:t>
+              <a:t>23</a:t>
             </a:fld>
             <a:endParaRPr lang="en-US"/>
           </a:p>
@@ -37736,7 +37484,7 @@
 </p:sld>
 </file>
 
-<file path=ppt/slides/slide22.xml><?xml version="1.0" encoding="utf-8"?>
+<file path=ppt/slides/slide24.xml><?xml version="1.0" encoding="utf-8"?>
 <p:sld xmlns:a="http://schemas.openxmlformats.org/drawingml/2006/main" xmlns:r="http://schemas.openxmlformats.org/officeDocument/2006/relationships" xmlns:p="http://schemas.openxmlformats.org/presentationml/2006/main">
   <p:cSld>
     <p:spTree>
@@ -37977,7 +37725,7 @@
             <a:fld id="{0CFEC368-1D7A-4F81-ABF6-AE0E36BAF64C}" type="slidenum">
               <a:rPr lang="en-US" smtClean="0"/>
               <a:pPr/>
-              <a:t>22</a:t>
+              <a:t>24</a:t>
             </a:fld>
             <a:endParaRPr lang="en-US"/>
           </a:p>
@@ -38048,7 +37796,7 @@
 </p:sld>
 </file>
 
-<file path=ppt/slides/slide23.xml><?xml version="1.0" encoding="utf-8"?>
+<file path=ppt/slides/slide25.xml><?xml version="1.0" encoding="utf-8"?>
 <p:sld xmlns:a="http://schemas.openxmlformats.org/drawingml/2006/main" xmlns:r="http://schemas.openxmlformats.org/officeDocument/2006/relationships" xmlns:p="http://schemas.openxmlformats.org/presentationml/2006/main">
   <p:cSld>
     <p:spTree>
@@ -38537,7 +38285,7 @@
             <a:fld id="{0CFEC368-1D7A-4F81-ABF6-AE0E36BAF64C}" type="slidenum">
               <a:rPr lang="en-US" smtClean="0"/>
               <a:pPr/>
-              <a:t>23</a:t>
+              <a:t>25</a:t>
             </a:fld>
             <a:endParaRPr lang="en-US"/>
           </a:p>
@@ -38991,7 +38739,7 @@
 </p:sld>
 </file>
 
-<file path=ppt/slides/slide24.xml><?xml version="1.0" encoding="utf-8"?>
+<file path=ppt/slides/slide26.xml><?xml version="1.0" encoding="utf-8"?>
 <p:sld xmlns:a="http://schemas.openxmlformats.org/drawingml/2006/main" xmlns:r="http://schemas.openxmlformats.org/officeDocument/2006/relationships" xmlns:p="http://schemas.openxmlformats.org/presentationml/2006/main">
   <p:cSld>
     <p:spTree>
@@ -39480,7 +39228,7 @@
             <a:fld id="{0CFEC368-1D7A-4F81-ABF6-AE0E36BAF64C}" type="slidenum">
               <a:rPr lang="en-US" smtClean="0"/>
               <a:pPr/>
-              <a:t>24</a:t>
+              <a:t>26</a:t>
             </a:fld>
             <a:endParaRPr lang="en-US"/>
           </a:p>
@@ -39922,7 +39670,7 @@
 </p:sld>
 </file>
 
-<file path=ppt/slides/slide25.xml><?xml version="1.0" encoding="utf-8"?>
+<file path=ppt/slides/slide27.xml><?xml version="1.0" encoding="utf-8"?>
 <p:sld xmlns:a="http://schemas.openxmlformats.org/drawingml/2006/main" xmlns:r="http://schemas.openxmlformats.org/officeDocument/2006/relationships" xmlns:p="http://schemas.openxmlformats.org/presentationml/2006/main">
   <p:cSld>
     <p:spTree>
@@ -40077,7 +39825,7 @@
             <a:fld id="{0CFEC368-1D7A-4F81-ABF6-AE0E36BAF64C}" type="slidenum">
               <a:rPr lang="en-US" smtClean="0"/>
               <a:pPr/>
-              <a:t>25</a:t>
+              <a:t>27</a:t>
             </a:fld>
             <a:endParaRPr lang="en-US"/>
           </a:p>
@@ -40096,7 +39844,7 @@
 </p:sld>
 </file>
 
-<file path=ppt/slides/slide26.xml><?xml version="1.0" encoding="utf-8"?>
+<file path=ppt/slides/slide28.xml><?xml version="1.0" encoding="utf-8"?>
 <p:sld xmlns:a="http://schemas.openxmlformats.org/drawingml/2006/main" xmlns:r="http://schemas.openxmlformats.org/officeDocument/2006/relationships" xmlns:p="http://schemas.openxmlformats.org/presentationml/2006/main">
   <p:cSld>
     <p:spTree>
@@ -40465,7 +40213,7 @@
             <a:fld id="{0CFEC368-1D7A-4F81-ABF6-AE0E36BAF64C}" type="slidenum">
               <a:rPr lang="en-US" smtClean="0"/>
               <a:pPr/>
-              <a:t>26</a:t>
+              <a:t>28</a:t>
             </a:fld>
             <a:endParaRPr lang="en-US"/>
           </a:p>
@@ -40746,7 +40494,7 @@
 </p:sld>
 </file>
 
-<file path=ppt/slides/slide27.xml><?xml version="1.0" encoding="utf-8"?>
+<file path=ppt/slides/slide29.xml><?xml version="1.0" encoding="utf-8"?>
 <p:sld xmlns:a="http://schemas.openxmlformats.org/drawingml/2006/main" xmlns:r="http://schemas.openxmlformats.org/officeDocument/2006/relationships" xmlns:p="http://schemas.openxmlformats.org/presentationml/2006/main">
   <p:cSld>
     <p:spTree>
@@ -40921,7 +40669,7 @@
             <a:fld id="{0CFEC368-1D7A-4F81-ABF6-AE0E36BAF64C}" type="slidenum">
               <a:rPr lang="en-US" smtClean="0"/>
               <a:pPr/>
-              <a:t>27</a:t>
+              <a:t>29</a:t>
             </a:fld>
             <a:endParaRPr lang="en-US"/>
           </a:p>
@@ -41223,7 +40971,167 @@
 </p:sld>
 </file>
 
-<file path=ppt/slides/slide28.xml><?xml version="1.0" encoding="utf-8"?>
+<file path=ppt/slides/slide3.xml><?xml version="1.0" encoding="utf-8"?>
+<p:sld xmlns:a="http://schemas.openxmlformats.org/drawingml/2006/main" xmlns:r="http://schemas.openxmlformats.org/officeDocument/2006/relationships" xmlns:p="http://schemas.openxmlformats.org/presentationml/2006/main">
+  <p:cSld>
+    <p:spTree>
+      <p:nvGrpSpPr>
+        <p:cNvPr id="1" name=""/>
+        <p:cNvGrpSpPr/>
+        <p:nvPr/>
+      </p:nvGrpSpPr>
+      <p:grpSpPr>
+        <a:xfrm>
+          <a:off x="0" y="0"/>
+          <a:ext cx="0" cy="0"/>
+          <a:chOff x="0" y="0"/>
+          <a:chExt cx="0" cy="0"/>
+        </a:xfrm>
+      </p:grpSpPr>
+      <p:sp>
+        <p:nvSpPr>
+          <p:cNvPr id="2" name="Title 1"/>
+          <p:cNvSpPr>
+            <a:spLocks noGrp="1"/>
+          </p:cNvSpPr>
+          <p:nvPr>
+            <p:ph type="title"/>
+          </p:nvPr>
+        </p:nvSpPr>
+        <p:spPr/>
+        <p:txBody>
+          <a:bodyPr/>
+          <a:lstStyle/>
+          <a:p>
+            <a:r>
+              <a:rPr lang="he-IL" dirty="0"/>
+              <a:t>נהלי הקורס</a:t>
+            </a:r>
+            <a:endParaRPr lang="en-US" dirty="0"/>
+          </a:p>
+        </p:txBody>
+      </p:sp>
+      <p:sp>
+        <p:nvSpPr>
+          <p:cNvPr id="3" name="Content Placeholder 2"/>
+          <p:cNvSpPr>
+            <a:spLocks noGrp="1"/>
+          </p:cNvSpPr>
+          <p:nvPr>
+            <p:ph idx="1"/>
+          </p:nvPr>
+        </p:nvSpPr>
+        <p:spPr/>
+        <p:txBody>
+          <a:bodyPr>
+            <a:normAutofit/>
+          </a:bodyPr>
+          <a:lstStyle/>
+          <a:p>
+            <a:r>
+              <a:rPr lang="he-IL" dirty="0"/>
+              <a:t>מפורט בסילבוס שבמודל</a:t>
+            </a:r>
+          </a:p>
+          <a:p>
+            <a:endParaRPr lang="he-IL" dirty="0"/>
+          </a:p>
+          <a:p>
+            <a:r>
+              <a:rPr lang="he-IL" dirty="0"/>
+              <a:t>תרגילי בית:</a:t>
+            </a:r>
+          </a:p>
+          <a:p>
+            <a:pPr lvl="1"/>
+            <a:r>
+              <a:rPr lang="he-IL" dirty="0"/>
+              <a:t>5 תרגילי בית, </a:t>
+            </a:r>
+            <a:r>
+              <a:rPr lang="en-US" dirty="0"/>
+              <a:t>zero indexed</a:t>
+            </a:r>
+            <a:endParaRPr lang="he-IL" dirty="0"/>
+          </a:p>
+          <a:p>
+            <a:pPr lvl="1"/>
+            <a:r>
+              <a:rPr lang="he-IL" dirty="0"/>
+              <a:t>הגשה בזוגות בלבד</a:t>
+            </a:r>
+          </a:p>
+          <a:p>
+            <a:pPr lvl="1"/>
+            <a:r>
+              <a:rPr lang="he-IL" dirty="0"/>
+              <a:t>25% תקף</a:t>
+            </a:r>
+          </a:p>
+        </p:txBody>
+      </p:sp>
+      <p:sp>
+        <p:nvSpPr>
+          <p:cNvPr id="4" name="Footer Placeholder 3"/>
+          <p:cNvSpPr>
+            <a:spLocks noGrp="1"/>
+          </p:cNvSpPr>
+          <p:nvPr>
+            <p:ph type="ftr" sz="quarter" idx="11"/>
+          </p:nvPr>
+        </p:nvSpPr>
+        <p:spPr/>
+        <p:txBody>
+          <a:bodyPr/>
+          <a:lstStyle/>
+          <a:p>
+            <a:pPr algn="r"/>
+            <a:r>
+              <a:rPr lang="he-IL"/>
+              <a:t>מערכות הפעלה - תרגול 1</a:t>
+            </a:r>
+            <a:endParaRPr lang="en-US" dirty="0"/>
+          </a:p>
+        </p:txBody>
+      </p:sp>
+      <p:sp>
+        <p:nvSpPr>
+          <p:cNvPr id="5" name="Slide Number Placeholder 4"/>
+          <p:cNvSpPr>
+            <a:spLocks noGrp="1"/>
+          </p:cNvSpPr>
+          <p:nvPr>
+            <p:ph type="sldNum" sz="quarter" idx="12"/>
+          </p:nvPr>
+        </p:nvSpPr>
+        <p:spPr/>
+        <p:txBody>
+          <a:bodyPr/>
+          <a:lstStyle/>
+          <a:p>
+            <a:fld id="{0CFEC368-1D7A-4F81-ABF6-AE0E36BAF64C}" type="slidenum">
+              <a:rPr lang="en-US" smtClean="0"/>
+              <a:pPr/>
+              <a:t>3</a:t>
+            </a:fld>
+            <a:endParaRPr lang="en-US"/>
+          </a:p>
+        </p:txBody>
+      </p:sp>
+    </p:spTree>
+    <p:extLst>
+      <p:ext uri="{BB962C8B-B14F-4D97-AF65-F5344CB8AC3E}">
+        <p14:creationId xmlns:p14="http://schemas.microsoft.com/office/powerpoint/2010/main" val="1698252008"/>
+      </p:ext>
+    </p:extLst>
+  </p:cSld>
+  <p:clrMapOvr>
+    <a:masterClrMapping/>
+  </p:clrMapOvr>
+</p:sld>
+</file>
+
+<file path=ppt/slides/slide30.xml><?xml version="1.0" encoding="utf-8"?>
 <p:sld xmlns:a="http://schemas.openxmlformats.org/drawingml/2006/main" xmlns:r="http://schemas.openxmlformats.org/officeDocument/2006/relationships" xmlns:p="http://schemas.openxmlformats.org/presentationml/2006/main">
   <p:cSld>
     <p:spTree>
@@ -41288,7 +41196,7 @@
         <p:spPr/>
         <p:txBody>
           <a:bodyPr>
-            <a:normAutofit/>
+            <a:normAutofit lnSpcReduction="10000"/>
           </a:bodyPr>
           <a:lstStyle/>
           <a:p>
@@ -41439,7 +41347,7 @@
             <a:fld id="{0CFEC368-1D7A-4F81-ABF6-AE0E36BAF64C}" type="slidenum">
               <a:rPr lang="en-US" smtClean="0"/>
               <a:pPr/>
-              <a:t>28</a:t>
+              <a:t>30</a:t>
             </a:fld>
             <a:endParaRPr lang="en-US"/>
           </a:p>
@@ -41459,7 +41367,7 @@
         </p:nvSpPr>
         <p:spPr>
           <a:xfrm>
-            <a:off x="3970800" y="2525231"/>
+            <a:off x="3894600" y="2658581"/>
             <a:ext cx="4716000" cy="1080000"/>
           </a:xfrm>
           <a:prstGeom prst="wedgeRoundRectCallout">
@@ -41595,7 +41503,7 @@
 </p:sld>
 </file>
 
-<file path=ppt/slides/slide29.xml><?xml version="1.0" encoding="utf-8"?>
+<file path=ppt/slides/slide31.xml><?xml version="1.0" encoding="utf-8"?>
 <p:sld xmlns:a="http://schemas.openxmlformats.org/drawingml/2006/main" xmlns:r="http://schemas.openxmlformats.org/officeDocument/2006/relationships" xmlns:p="http://schemas.openxmlformats.org/presentationml/2006/main">
   <p:cSld>
     <p:spTree>
@@ -41660,7 +41568,7 @@
         <p:spPr/>
         <p:txBody>
           <a:bodyPr>
-            <a:normAutofit/>
+            <a:normAutofit lnSpcReduction="10000"/>
           </a:bodyPr>
           <a:lstStyle/>
           <a:p>
@@ -41691,13 +41599,8 @@
             <a:pPr lvl="1"/>
             <a:r>
               <a:rPr lang="he-IL" altLang="en-US" dirty="0"/>
-              <a:t>כדי לדעת לחזור, המעבד ומערכת ההפעלה צריכים לשמור את המצב של המעבד ברגע קבלת הפסיקה – פרטים נוספים בקורס </a:t>
-            </a:r>
-            <a:r>
-              <a:rPr lang="he-IL" dirty="0"/>
-              <a:t>את"מ (234118).</a:t>
-            </a:r>
-            <a:endParaRPr lang="he-IL" altLang="en-US" dirty="0"/>
+              <a:t>כדי לדעת לחזור, המעבד ומערכת ההפעלה צריכים לשמור את המצב של המעבד ברגע קבלת הפסיקה.</a:t>
+            </a:r>
           </a:p>
           <a:p>
             <a:r>
@@ -41769,7 +41672,7 @@
             <a:fld id="{0CFEC368-1D7A-4F81-ABF6-AE0E36BAF64C}" type="slidenum">
               <a:rPr lang="en-US" smtClean="0"/>
               <a:pPr/>
-              <a:t>29</a:t>
+              <a:t>31</a:t>
             </a:fld>
             <a:endParaRPr lang="en-US"/>
           </a:p>
@@ -41981,145 +41884,7 @@
 </p:sld>
 </file>
 
-<file path=ppt/slides/slide3.xml><?xml version="1.0" encoding="utf-8"?>
-<p:sld xmlns:a="http://schemas.openxmlformats.org/drawingml/2006/main" xmlns:r="http://schemas.openxmlformats.org/officeDocument/2006/relationships" xmlns:p="http://schemas.openxmlformats.org/presentationml/2006/main">
-  <p:cSld>
-    <p:spTree>
-      <p:nvGrpSpPr>
-        <p:cNvPr id="1" name=""/>
-        <p:cNvGrpSpPr/>
-        <p:nvPr/>
-      </p:nvGrpSpPr>
-      <p:grpSpPr>
-        <a:xfrm>
-          <a:off x="0" y="0"/>
-          <a:ext cx="0" cy="0"/>
-          <a:chOff x="0" y="0"/>
-          <a:chExt cx="0" cy="0"/>
-        </a:xfrm>
-      </p:grpSpPr>
-      <p:sp>
-        <p:nvSpPr>
-          <p:cNvPr id="2" name="Title 1"/>
-          <p:cNvSpPr>
-            <a:spLocks noGrp="1"/>
-          </p:cNvSpPr>
-          <p:nvPr>
-            <p:ph type="title"/>
-          </p:nvPr>
-        </p:nvSpPr>
-        <p:spPr/>
-        <p:txBody>
-          <a:bodyPr/>
-          <a:lstStyle/>
-          <a:p>
-            <a:r>
-              <a:rPr lang="he-IL" dirty="0"/>
-              <a:t>מערכות הפעלה </a:t>
-            </a:r>
-            <a:r>
-              <a:rPr lang="en-US" dirty="0"/>
-              <a:t>be like</a:t>
-            </a:r>
-            <a:r>
-              <a:rPr lang="he-IL" dirty="0"/>
-              <a:t>...</a:t>
-            </a:r>
-            <a:endParaRPr lang="en-US" dirty="0"/>
-          </a:p>
-        </p:txBody>
-      </p:sp>
-      <p:pic>
-        <p:nvPicPr>
-          <p:cNvPr id="6" name="Content Placeholder 5"/>
-          <p:cNvPicPr>
-            <a:picLocks noGrp="1" noChangeAspect="1"/>
-          </p:cNvPicPr>
-          <p:nvPr>
-            <p:ph idx="1"/>
-          </p:nvPr>
-        </p:nvPicPr>
-        <p:blipFill>
-          <a:blip r:embed="rId3">
-            <a:extLst>
-              <a:ext uri="{28A0092B-C50C-407E-A947-70E740481C1C}">
-                <a14:useLocalDpi xmlns:a14="http://schemas.microsoft.com/office/drawing/2010/main" val="0"/>
-              </a:ext>
-            </a:extLst>
-          </a:blip>
-          <a:stretch>
-            <a:fillRect/>
-          </a:stretch>
-        </p:blipFill>
-        <p:spPr>
-          <a:xfrm>
-            <a:off x="2133600" y="1600200"/>
-            <a:ext cx="4876800" cy="4876800"/>
-          </a:xfrm>
-        </p:spPr>
-      </p:pic>
-      <p:sp>
-        <p:nvSpPr>
-          <p:cNvPr id="4" name="Footer Placeholder 3"/>
-          <p:cNvSpPr>
-            <a:spLocks noGrp="1"/>
-          </p:cNvSpPr>
-          <p:nvPr>
-            <p:ph type="ftr" sz="quarter" idx="11"/>
-          </p:nvPr>
-        </p:nvSpPr>
-        <p:spPr/>
-        <p:txBody>
-          <a:bodyPr/>
-          <a:lstStyle/>
-          <a:p>
-            <a:pPr algn="r"/>
-            <a:r>
-              <a:rPr lang="he-IL"/>
-              <a:t>מערכות הפעלה - תרגול 1</a:t>
-            </a:r>
-            <a:endParaRPr lang="en-US" dirty="0"/>
-          </a:p>
-        </p:txBody>
-      </p:sp>
-      <p:sp>
-        <p:nvSpPr>
-          <p:cNvPr id="5" name="Slide Number Placeholder 4"/>
-          <p:cNvSpPr>
-            <a:spLocks noGrp="1"/>
-          </p:cNvSpPr>
-          <p:nvPr>
-            <p:ph type="sldNum" sz="quarter" idx="12"/>
-          </p:nvPr>
-        </p:nvSpPr>
-        <p:spPr/>
-        <p:txBody>
-          <a:bodyPr/>
-          <a:lstStyle/>
-          <a:p>
-            <a:fld id="{0CFEC368-1D7A-4F81-ABF6-AE0E36BAF64C}" type="slidenum">
-              <a:rPr lang="en-US" smtClean="0"/>
-              <a:pPr/>
-              <a:t>3</a:t>
-            </a:fld>
-            <a:endParaRPr lang="en-US"/>
-          </a:p>
-        </p:txBody>
-      </p:sp>
-    </p:spTree>
-    <p:extLst>
-      <p:ext uri="{BB962C8B-B14F-4D97-AF65-F5344CB8AC3E}">
-        <p14:creationId xmlns:p14="http://schemas.microsoft.com/office/powerpoint/2010/main" val="3583035542"/>
-      </p:ext>
-    </p:extLst>
-  </p:cSld>
-  <p:clrMapOvr>
-    <a:masterClrMapping/>
-  </p:clrMapOvr>
-</p:sld>
-</file>
-
-<file path=ppt/slides/slide30.xml><?xml version="1.0" encoding="utf-8"?>
+<file path=ppt/slides/slide32.xml><?xml version="1.0" encoding="utf-8"?>
 <p:sld xmlns:a="http://schemas.openxmlformats.org/drawingml/2006/main" xmlns:r="http://schemas.openxmlformats.org/officeDocument/2006/relationships" xmlns:p="http://schemas.openxmlformats.org/presentationml/2006/main">
   <p:cSld>
     <p:spTree>
@@ -42489,7 +42254,7 @@
             <a:fld id="{0CFEC368-1D7A-4F81-ABF6-AE0E36BAF64C}" type="slidenum">
               <a:rPr lang="en-US" smtClean="0"/>
               <a:pPr/>
-              <a:t>30</a:t>
+              <a:t>32</a:t>
             </a:fld>
             <a:endParaRPr lang="en-US"/>
           </a:p>
@@ -42812,7 +42577,7 @@
 </p:sld>
 </file>
 
-<file path=ppt/slides/slide31.xml><?xml version="1.0" encoding="utf-8"?>
+<file path=ppt/slides/slide33.xml><?xml version="1.0" encoding="utf-8"?>
 <p:sld xmlns:a="http://schemas.openxmlformats.org/drawingml/2006/main" xmlns:r="http://schemas.openxmlformats.org/officeDocument/2006/relationships" xmlns:p="http://schemas.openxmlformats.org/presentationml/2006/main">
   <p:cSld>
     <p:spTree>
@@ -42978,7 +42743,7 @@
             </a:pPr>
             <a:r>
               <a:rPr lang="en-US" sz="2000" dirty="0"/>
-              <a:t>/* OS returns from interrupt */</a:t>
+              <a:t>/*OS returns from interrupt*/</a:t>
             </a:r>
           </a:p>
           <a:p>
@@ -43189,7 +42954,7 @@
             <a:fld id="{0CFEC368-1D7A-4F81-ABF6-AE0E36BAF64C}" type="slidenum">
               <a:rPr lang="en-US" smtClean="0"/>
               <a:pPr/>
-              <a:t>31</a:t>
+              <a:t>33</a:t>
             </a:fld>
             <a:endParaRPr lang="en-US"/>
           </a:p>
@@ -43470,7 +43235,7 @@
 </p:sld>
 </file>
 
-<file path=ppt/slides/slide32.xml><?xml version="1.0" encoding="utf-8"?>
+<file path=ppt/slides/slide34.xml><?xml version="1.0" encoding="utf-8"?>
 <p:sld xmlns:a="http://schemas.openxmlformats.org/drawingml/2006/main" xmlns:r="http://schemas.openxmlformats.org/officeDocument/2006/relationships" xmlns:p="http://schemas.openxmlformats.org/presentationml/2006/main">
   <p:cSld>
     <p:spTree>
@@ -43531,7 +43296,12 @@
             <p:ph idx="1"/>
           </p:nvPr>
         </p:nvSpPr>
-        <p:spPr/>
+        <p:spPr>
+          <a:xfrm>
+            <a:off x="457200" y="1574800"/>
+            <a:ext cx="8229600" cy="4876800"/>
+          </a:xfrm>
+        </p:spPr>
         <p:txBody>
           <a:bodyPr/>
           <a:lstStyle/>
@@ -43639,7 +43409,7 @@
             <a:fld id="{0CFEC368-1D7A-4F81-ABF6-AE0E36BAF64C}" type="slidenum">
               <a:rPr lang="en-US" smtClean="0"/>
               <a:pPr/>
-              <a:t>32</a:t>
+              <a:t>34</a:t>
             </a:fld>
             <a:endParaRPr lang="en-US"/>
           </a:p>
@@ -43660,7 +43430,7 @@
           <p:nvPr>
             <p:extLst>
               <p:ext uri="{D42A27DB-BD31-4B8C-83A1-F6EECF244321}">
-                <p14:modId xmlns:p14="http://schemas.microsoft.com/office/powerpoint/2010/main" val="2910332632"/>
+                <p14:modId xmlns:p14="http://schemas.microsoft.com/office/powerpoint/2010/main" val="1914855695"/>
               </p:ext>
             </p:extLst>
           </p:nvPr>
@@ -44299,7 +44069,7 @@
 </p:sld>
 </file>
 
-<file path=ppt/slides/slide33.xml><?xml version="1.0" encoding="utf-8"?>
+<file path=ppt/slides/slide35.xml><?xml version="1.0" encoding="utf-8"?>
 <p:sld xmlns:a="http://schemas.openxmlformats.org/drawingml/2006/main" xmlns:r="http://schemas.openxmlformats.org/officeDocument/2006/relationships" xmlns:p="http://schemas.openxmlformats.org/presentationml/2006/main">
   <p:cSld>
     <p:spTree>
@@ -44433,7 +44203,7 @@
             <a:fld id="{0CFEC368-1D7A-4F81-ABF6-AE0E36BAF64C}" type="slidenum">
               <a:rPr lang="en-US" smtClean="0"/>
               <a:pPr/>
-              <a:t>33</a:t>
+              <a:t>35</a:t>
             </a:fld>
             <a:endParaRPr lang="en-US"/>
           </a:p>
@@ -44935,7 +44705,7 @@
 </p:sld>
 </file>
 
-<file path=ppt/slides/slide34.xml><?xml version="1.0" encoding="utf-8"?>
+<file path=ppt/slides/slide36.xml><?xml version="1.0" encoding="utf-8"?>
 <p:sld xmlns:a="http://schemas.openxmlformats.org/drawingml/2006/main" xmlns:r="http://schemas.openxmlformats.org/officeDocument/2006/relationships" xmlns:p="http://schemas.openxmlformats.org/presentationml/2006/main">
   <p:cSld>
     <p:spTree>
@@ -45032,13 +44802,13 @@
         </p:nvSpPr>
         <p:spPr>
           <a:xfrm>
-            <a:off x="457200" y="2148313"/>
+            <a:off x="457200" y="2288013"/>
             <a:ext cx="3931920" cy="4376473"/>
           </a:xfrm>
         </p:spPr>
         <p:txBody>
           <a:bodyPr>
-            <a:normAutofit/>
+            <a:normAutofit lnSpcReduction="10000"/>
           </a:bodyPr>
           <a:lstStyle/>
           <a:p>
@@ -45174,13 +44944,13 @@
         </p:nvSpPr>
         <p:spPr>
           <a:xfrm>
-            <a:off x="4754880" y="1935377"/>
+            <a:off x="4754880" y="1948077"/>
             <a:ext cx="3931920" cy="4589410"/>
           </a:xfrm>
         </p:spPr>
         <p:txBody>
           <a:bodyPr>
-            <a:normAutofit/>
+            <a:normAutofit lnSpcReduction="10000"/>
           </a:bodyPr>
           <a:lstStyle/>
           <a:p>
@@ -45300,7 +45070,7 @@
             <a:fld id="{0CFEC368-1D7A-4F81-ABF6-AE0E36BAF64C}" type="slidenum">
               <a:rPr lang="en-US" smtClean="0"/>
               <a:pPr/>
-              <a:t>34</a:t>
+              <a:t>36</a:t>
             </a:fld>
             <a:endParaRPr lang="en-US"/>
           </a:p>
@@ -45581,7 +45351,7 @@
 </p:sld>
 </file>
 
-<file path=ppt/slides/slide35.xml><?xml version="1.0" encoding="utf-8"?>
+<file path=ppt/slides/slide37.xml><?xml version="1.0" encoding="utf-8"?>
 <p:sld xmlns:a="http://schemas.openxmlformats.org/drawingml/2006/main" xmlns:r="http://schemas.openxmlformats.org/officeDocument/2006/relationships" xmlns:p="http://schemas.openxmlformats.org/presentationml/2006/main">
   <p:cSld>
     <p:spTree>
@@ -45770,7 +45540,7 @@
             <a:fld id="{0CFEC368-1D7A-4F81-ABF6-AE0E36BAF64C}" type="slidenum">
               <a:rPr lang="en-US" smtClean="0"/>
               <a:pPr/>
-              <a:t>35</a:t>
+              <a:t>37</a:t>
             </a:fld>
             <a:endParaRPr lang="en-US"/>
           </a:p>
@@ -45891,7 +45661,7 @@
 </p:sld>
 </file>
 
-<file path=ppt/slides/slide36.xml><?xml version="1.0" encoding="utf-8"?>
+<file path=ppt/slides/slide38.xml><?xml version="1.0" encoding="utf-8"?>
 <p:sld xmlns:a="http://schemas.openxmlformats.org/drawingml/2006/main" xmlns:r="http://schemas.openxmlformats.org/officeDocument/2006/relationships" xmlns:p="http://schemas.openxmlformats.org/presentationml/2006/main">
   <p:cSld>
     <p:spTree>
@@ -46016,7 +45786,7 @@
             <a:fld id="{0CFEC368-1D7A-4F81-ABF6-AE0E36BAF64C}" type="slidenum">
               <a:rPr lang="en-US" smtClean="0"/>
               <a:pPr/>
-              <a:t>36</a:t>
+              <a:t>38</a:t>
             </a:fld>
             <a:endParaRPr lang="en-US"/>
           </a:p>
@@ -46035,7 +45805,7 @@
 </p:sld>
 </file>
 
-<file path=ppt/slides/slide37.xml><?xml version="1.0" encoding="utf-8"?>
+<file path=ppt/slides/slide39.xml><?xml version="1.0" encoding="utf-8"?>
 <p:sld xmlns:a="http://schemas.openxmlformats.org/drawingml/2006/main" xmlns:r="http://schemas.openxmlformats.org/officeDocument/2006/relationships" xmlns:p="http://schemas.openxmlformats.org/presentationml/2006/main">
   <p:cSld>
     <p:spTree>
@@ -46134,7 +45904,7 @@
             <a:fld id="{0CFEC368-1D7A-4F81-ABF6-AE0E36BAF64C}" type="slidenum">
               <a:rPr lang="en-US" smtClean="0"/>
               <a:pPr/>
-              <a:t>37</a:t>
+              <a:t>39</a:t>
             </a:fld>
             <a:endParaRPr lang="en-US"/>
           </a:p>
@@ -46184,7 +45954,145 @@
 </p:sld>
 </file>
 
-<file path=ppt/slides/slide38.xml><?xml version="1.0" encoding="utf-8"?>
+<file path=ppt/slides/slide4.xml><?xml version="1.0" encoding="utf-8"?>
+<p:sld xmlns:a="http://schemas.openxmlformats.org/drawingml/2006/main" xmlns:r="http://schemas.openxmlformats.org/officeDocument/2006/relationships" xmlns:p="http://schemas.openxmlformats.org/presentationml/2006/main">
+  <p:cSld>
+    <p:spTree>
+      <p:nvGrpSpPr>
+        <p:cNvPr id="1" name=""/>
+        <p:cNvGrpSpPr/>
+        <p:nvPr/>
+      </p:nvGrpSpPr>
+      <p:grpSpPr>
+        <a:xfrm>
+          <a:off x="0" y="0"/>
+          <a:ext cx="0" cy="0"/>
+          <a:chOff x="0" y="0"/>
+          <a:chExt cx="0" cy="0"/>
+        </a:xfrm>
+      </p:grpSpPr>
+      <p:sp>
+        <p:nvSpPr>
+          <p:cNvPr id="2" name="Title 1"/>
+          <p:cNvSpPr>
+            <a:spLocks noGrp="1"/>
+          </p:cNvSpPr>
+          <p:nvPr>
+            <p:ph type="title"/>
+          </p:nvPr>
+        </p:nvSpPr>
+        <p:spPr/>
+        <p:txBody>
+          <a:bodyPr/>
+          <a:lstStyle/>
+          <a:p>
+            <a:r>
+              <a:rPr lang="he-IL" dirty="0"/>
+              <a:t>מערכות הפעלה </a:t>
+            </a:r>
+            <a:r>
+              <a:rPr lang="en-US" dirty="0"/>
+              <a:t>be like</a:t>
+            </a:r>
+            <a:r>
+              <a:rPr lang="he-IL" dirty="0"/>
+              <a:t>...</a:t>
+            </a:r>
+            <a:endParaRPr lang="en-US" dirty="0"/>
+          </a:p>
+        </p:txBody>
+      </p:sp>
+      <p:pic>
+        <p:nvPicPr>
+          <p:cNvPr id="6" name="Content Placeholder 5"/>
+          <p:cNvPicPr>
+            <a:picLocks noGrp="1" noChangeAspect="1"/>
+          </p:cNvPicPr>
+          <p:nvPr>
+            <p:ph idx="1"/>
+          </p:nvPr>
+        </p:nvPicPr>
+        <p:blipFill>
+          <a:blip r:embed="rId3">
+            <a:extLst>
+              <a:ext uri="{28A0092B-C50C-407E-A947-70E740481C1C}">
+                <a14:useLocalDpi xmlns:a14="http://schemas.microsoft.com/office/drawing/2010/main" val="0"/>
+              </a:ext>
+            </a:extLst>
+          </a:blip>
+          <a:stretch>
+            <a:fillRect/>
+          </a:stretch>
+        </p:blipFill>
+        <p:spPr>
+          <a:xfrm>
+            <a:off x="2133600" y="1600200"/>
+            <a:ext cx="4876800" cy="4876800"/>
+          </a:xfrm>
+        </p:spPr>
+      </p:pic>
+      <p:sp>
+        <p:nvSpPr>
+          <p:cNvPr id="4" name="Footer Placeholder 3"/>
+          <p:cNvSpPr>
+            <a:spLocks noGrp="1"/>
+          </p:cNvSpPr>
+          <p:nvPr>
+            <p:ph type="ftr" sz="quarter" idx="11"/>
+          </p:nvPr>
+        </p:nvSpPr>
+        <p:spPr/>
+        <p:txBody>
+          <a:bodyPr/>
+          <a:lstStyle/>
+          <a:p>
+            <a:pPr algn="r"/>
+            <a:r>
+              <a:rPr lang="he-IL"/>
+              <a:t>מערכות הפעלה - תרגול 1</a:t>
+            </a:r>
+            <a:endParaRPr lang="en-US" dirty="0"/>
+          </a:p>
+        </p:txBody>
+      </p:sp>
+      <p:sp>
+        <p:nvSpPr>
+          <p:cNvPr id="5" name="Slide Number Placeholder 4"/>
+          <p:cNvSpPr>
+            <a:spLocks noGrp="1"/>
+          </p:cNvSpPr>
+          <p:nvPr>
+            <p:ph type="sldNum" sz="quarter" idx="12"/>
+          </p:nvPr>
+        </p:nvSpPr>
+        <p:spPr/>
+        <p:txBody>
+          <a:bodyPr/>
+          <a:lstStyle/>
+          <a:p>
+            <a:fld id="{0CFEC368-1D7A-4F81-ABF6-AE0E36BAF64C}" type="slidenum">
+              <a:rPr lang="en-US" smtClean="0"/>
+              <a:pPr/>
+              <a:t>4</a:t>
+            </a:fld>
+            <a:endParaRPr lang="en-US"/>
+          </a:p>
+        </p:txBody>
+      </p:sp>
+    </p:spTree>
+    <p:extLst>
+      <p:ext uri="{BB962C8B-B14F-4D97-AF65-F5344CB8AC3E}">
+        <p14:creationId xmlns:p14="http://schemas.microsoft.com/office/powerpoint/2010/main" val="3583035542"/>
+      </p:ext>
+    </p:extLst>
+  </p:cSld>
+  <p:clrMapOvr>
+    <a:masterClrMapping/>
+  </p:clrMapOvr>
+</p:sld>
+</file>
+
+<file path=ppt/slides/slide40.xml><?xml version="1.0" encoding="utf-8"?>
 <p:sld xmlns:a="http://schemas.openxmlformats.org/drawingml/2006/main" xmlns:r="http://schemas.openxmlformats.org/officeDocument/2006/relationships" xmlns:p="http://schemas.openxmlformats.org/presentationml/2006/main">
   <p:cSld>
     <p:spTree>
@@ -46249,7 +46157,7 @@
         <p:spPr/>
         <p:txBody>
           <a:bodyPr>
-            <a:normAutofit/>
+            <a:normAutofit lnSpcReduction="10000"/>
           </a:bodyPr>
           <a:lstStyle/>
           <a:p>
@@ -46286,27 +46194,11 @@
           <a:p>
             <a:r>
               <a:rPr lang="he-IL" dirty="0"/>
-              <a:t>גרסת הגרעין היא </a:t>
+              <a:t>הספציפית בה נשתמש בקורס היא </a:t>
             </a:r>
             <a:r>
               <a:rPr lang="en-US" dirty="0"/>
-              <a:t>2.4</a:t>
-            </a:r>
-            <a:r>
-              <a:rPr lang="he-IL" dirty="0"/>
-              <a:t> (</a:t>
-            </a:r>
-            <a:r>
-              <a:rPr lang="en-US" dirty="0" err="1"/>
-              <a:t>Redhat</a:t>
-            </a:r>
-            <a:r>
-              <a:rPr lang="en-US" dirty="0"/>
-              <a:t> Linux</a:t>
-            </a:r>
-            <a:r>
-              <a:rPr lang="ar-SA" dirty="0"/>
-              <a:t>)</a:t>
+              <a:t>Red Hat</a:t>
             </a:r>
             <a:r>
               <a:rPr lang="he-IL" dirty="0"/>
@@ -46316,7 +46208,37 @@
           <a:p>
             <a:r>
               <a:rPr lang="he-IL" dirty="0"/>
-              <a:t>בתרגיל בית 0 תתקינו את מערכת ההפעלה לינוקס על המחשב האישי שלכם באמצעות מכונה וירטואלית (</a:t>
+              <a:t>גרסת הגרעין היא </a:t>
+            </a:r>
+            <a:r>
+              <a:rPr lang="en-US" dirty="0"/>
+              <a:t>2.4.18-14</a:t>
+            </a:r>
+            <a:r>
+              <a:rPr lang="he-IL" dirty="0"/>
+              <a:t>.</a:t>
+            </a:r>
+          </a:p>
+          <a:p>
+            <a:pPr lvl="1"/>
+            <a:r>
+              <a:rPr lang="he-IL" dirty="0"/>
+              <a:t>כל הקוד כמובן חופשי לכולם באינטרנט.</a:t>
+            </a:r>
+            <a:endParaRPr lang="en-US" dirty="0"/>
+          </a:p>
+          <a:p>
+            <a:r>
+              <a:rPr lang="he-IL" dirty="0"/>
+              <a:t>בתרגיל בית 0 תתקינו את מערכת ההפעלה</a:t>
+            </a:r>
+            <a:r>
+              <a:rPr lang="en-US" dirty="0"/>
+              <a:t> </a:t>
+            </a:r>
+            <a:r>
+              <a:rPr lang="he-IL" dirty="0"/>
+              <a:t>על המחשב האישי שלכם באמצעות מכונה וירטואלית (</a:t>
             </a:r>
             <a:r>
               <a:rPr lang="en-US" dirty="0"/>
@@ -46326,27 +46248,6 @@
               <a:rPr lang="he-IL" dirty="0"/>
               <a:t>).</a:t>
             </a:r>
-          </a:p>
-          <a:p>
-            <a:r>
-              <a:rPr lang="he-IL" dirty="0"/>
-              <a:t>כל הפרטים </a:t>
-            </a:r>
-            <a:r>
-              <a:rPr lang="he-IL"/>
-              <a:t>+ סרטוני </a:t>
-            </a:r>
-            <a:r>
-              <a:rPr lang="he-IL" dirty="0"/>
-              <a:t>הדרכה יהיו בתרגיל בית 0.</a:t>
-            </a:r>
-          </a:p>
-          <a:p>
-            <a:r>
-              <a:rPr lang="he-IL" dirty="0"/>
-              <a:t>בהצלחה!</a:t>
-            </a:r>
-            <a:endParaRPr lang="ar-SA" dirty="0"/>
           </a:p>
         </p:txBody>
       </p:sp>
@@ -46404,7 +46305,7 @@
             <a:fld id="{0CFEC368-1D7A-4F81-ABF6-AE0E36BAF64C}" type="slidenum">
               <a:rPr lang="en-US" smtClean="0"/>
               <a:pPr/>
-              <a:t>38</a:t>
+              <a:t>40</a:t>
             </a:fld>
             <a:endParaRPr lang="en-US"/>
           </a:p>
@@ -46423,7 +46324,7 @@
 </p:sld>
 </file>
 
-<file path=ppt/slides/slide4.xml><?xml version="1.0" encoding="utf-8"?>
+<file path=ppt/slides/slide5.xml><?xml version="1.0" encoding="utf-8"?>
 <p:sld xmlns:a="http://schemas.openxmlformats.org/drawingml/2006/main" xmlns:r="http://schemas.openxmlformats.org/officeDocument/2006/relationships" xmlns:p="http://schemas.openxmlformats.org/presentationml/2006/main">
   <p:cSld>
     <p:spTree>
@@ -46499,7 +46400,7 @@
           <a:p>
             <a:r>
               <a:rPr lang="he-IL" dirty="0"/>
-              <a:t>שיעורי בית טכניים בסביבת עבודה "קשוחה".</a:t>
+              <a:t>תרגילי בית טכניים בסביבת עבודה "קשוחה".</a:t>
             </a:r>
           </a:p>
           <a:p>
@@ -46579,7 +46480,7 @@
             <a:fld id="{0CFEC368-1D7A-4F81-ABF6-AE0E36BAF64C}" type="slidenum">
               <a:rPr lang="en-US" smtClean="0"/>
               <a:pPr/>
-              <a:t>4</a:t>
+              <a:t>5</a:t>
             </a:fld>
             <a:endParaRPr lang="en-US"/>
           </a:p>
@@ -46602,7 +46503,7 @@
               <p:nvPr>
                 <p:extLst>
                   <p:ext uri="{D42A27DB-BD31-4B8C-83A1-F6EECF244321}">
-                    <p14:modId xmlns:p14="http://schemas.microsoft.com/office/powerpoint/2010/main" val="3064023246"/>
+                    <p14:modId xmlns:p14="http://schemas.microsoft.com/office/powerpoint/2010/main" val="841441624"/>
                   </p:ext>
                 </p:extLst>
               </p:nvPr>
@@ -46657,7 +46558,7 @@
                           <a:pPr algn="r" rtl="1"/>
                           <a:r>
                             <a:rPr lang="he-IL" sz="2000" dirty="0"/>
-                            <a:t>בחדוו"א</a:t>
+                            <a:t>בחדו"א</a:t>
                           </a:r>
                           <a:endParaRPr lang="en-US" sz="2000" dirty="0"/>
                         </a:p>
@@ -46842,7 +46743,7 @@
               <p:nvPr>
                 <p:extLst>
                   <p:ext uri="{D42A27DB-BD31-4B8C-83A1-F6EECF244321}">
-                    <p14:modId xmlns:p14="http://schemas.microsoft.com/office/powerpoint/2010/main" val="3064023246"/>
+                    <p14:modId xmlns:p14="http://schemas.microsoft.com/office/powerpoint/2010/main" val="841441624"/>
                   </p:ext>
                 </p:extLst>
               </p:nvPr>
@@ -46897,7 +46798,7 @@
                           <a:pPr algn="r" rtl="1"/>
                           <a:r>
                             <a:rPr lang="he-IL" sz="2000" dirty="0"/>
-                            <a:t>בחדוו"א</a:t>
+                            <a:t>בחדו"א</a:t>
                           </a:r>
                           <a:endParaRPr lang="en-US" sz="2000" dirty="0"/>
                         </a:p>
@@ -46916,7 +46817,7 @@
                         <a:bodyPr/>
                         <a:lstStyle/>
                         <a:p>
-                          <a:endParaRPr lang="en-US"/>
+                          <a:endParaRPr lang="en-IL"/>
                         </a:p>
                       </a:txBody>
                       <a:tcPr>
@@ -46933,7 +46834,7 @@
                         <a:bodyPr/>
                         <a:lstStyle/>
                         <a:p>
-                          <a:endParaRPr lang="en-US"/>
+                          <a:endParaRPr lang="en-IL"/>
                         </a:p>
                       </a:txBody>
                       <a:tcPr>
@@ -47044,7 +46945,7 @@
 </p:sld>
 </file>
 
-<file path=ppt/slides/slide5.xml><?xml version="1.0" encoding="utf-8"?>
+<file path=ppt/slides/slide6.xml><?xml version="1.0" encoding="utf-8"?>
 <p:sld xmlns:a="http://schemas.openxmlformats.org/drawingml/2006/main" xmlns:r="http://schemas.openxmlformats.org/officeDocument/2006/relationships" xmlns:p="http://schemas.openxmlformats.org/presentationml/2006/main">
   <p:cSld>
     <p:spTree>
@@ -47096,7 +46997,9 @@
         </p:nvSpPr>
         <p:spPr/>
         <p:txBody>
-          <a:bodyPr/>
+          <a:bodyPr>
+            <a:normAutofit lnSpcReduction="10000"/>
+          </a:bodyPr>
           <a:lstStyle/>
           <a:p>
             <a:r>
@@ -47107,12 +47010,8 @@
           <a:p>
             <a:pPr lvl="1"/>
             <a:r>
-              <a:rPr lang="he-IL"/>
-              <a:t>של 5 </a:t>
-            </a:r>
-            <a:r>
               <a:rPr lang="he-IL" dirty="0"/>
-              <a:t>נקודות!</a:t>
+              <a:t>של 5 נ"ז!</a:t>
             </a:r>
           </a:p>
           <a:p>
@@ -47217,7 +47116,7 @@
             <a:fld id="{0CFEC368-1D7A-4F81-ABF6-AE0E36BAF64C}" type="slidenum">
               <a:rPr lang="en-US" smtClean="0"/>
               <a:pPr/>
-              <a:t>5</a:t>
+              <a:t>6</a:t>
             </a:fld>
             <a:endParaRPr lang="en-US"/>
           </a:p>
@@ -47236,7 +47135,7 @@
 </p:sld>
 </file>
 
-<file path=ppt/slides/slide6.xml><?xml version="1.0" encoding="utf-8"?>
+<file path=ppt/slides/slide7.xml><?xml version="1.0" encoding="utf-8"?>
 <p:sld xmlns:a="http://schemas.openxmlformats.org/drawingml/2006/main" xmlns:r="http://schemas.openxmlformats.org/officeDocument/2006/relationships" xmlns:p="http://schemas.openxmlformats.org/presentationml/2006/main">
   <p:cSld>
     <p:spTree>
@@ -47352,7 +47251,7 @@
             <a:pPr lvl="1"/>
             <a:r>
               <a:rPr lang="he-IL" dirty="0"/>
-              <a:t>נתקעתם? תשאלו חברים או את המתרגל האחראי על התרגיל.</a:t>
+              <a:t>נתקעתם? תשאלו חברים או אותנו.</a:t>
             </a:r>
           </a:p>
           <a:p>
@@ -47407,7 +47306,7 @@
             <a:fld id="{0CFEC368-1D7A-4F81-ABF6-AE0E36BAF64C}" type="slidenum">
               <a:rPr lang="en-US" smtClean="0"/>
               <a:pPr/>
-              <a:t>6</a:t>
+              <a:t>7</a:t>
             </a:fld>
             <a:endParaRPr lang="en-US"/>
           </a:p>
@@ -47426,7 +47325,7 @@
 </p:sld>
 </file>
 
-<file path=ppt/slides/slide7.xml><?xml version="1.0" encoding="utf-8"?>
+<file path=ppt/slides/slide8.xml><?xml version="1.0" encoding="utf-8"?>
 <p:sld xmlns:a="http://schemas.openxmlformats.org/drawingml/2006/main" xmlns:r="http://schemas.openxmlformats.org/officeDocument/2006/relationships" xmlns:p="http://schemas.openxmlformats.org/presentationml/2006/main">
   <p:cSld>
     <p:spTree>
@@ -47550,7 +47449,7 @@
             <a:fld id="{0CFEC368-1D7A-4F81-ABF6-AE0E36BAF64C}" type="slidenum">
               <a:rPr lang="en-US" smtClean="0"/>
               <a:pPr/>
-              <a:t>7</a:t>
+              <a:t>8</a:t>
             </a:fld>
             <a:endParaRPr lang="en-US"/>
           </a:p>
@@ -47569,7 +47468,7 @@
 </p:sld>
 </file>
 
-<file path=ppt/slides/slide8.xml><?xml version="1.0" encoding="utf-8"?>
+<file path=ppt/slides/slide9.xml><?xml version="1.0" encoding="utf-8"?>
 <p:sld xmlns:a="http://schemas.openxmlformats.org/drawingml/2006/main" xmlns:r="http://schemas.openxmlformats.org/officeDocument/2006/relationships" xmlns:p="http://schemas.openxmlformats.org/presentationml/2006/main">
   <p:cSld>
     <p:spTree>
@@ -47746,7 +47645,7 @@
             <a:fld id="{0CFEC368-1D7A-4F81-ABF6-AE0E36BAF64C}" type="slidenum">
               <a:rPr lang="en-US" smtClean="0"/>
               <a:pPr/>
-              <a:t>8</a:t>
+              <a:t>9</a:t>
             </a:fld>
             <a:endParaRPr lang="en-US"/>
           </a:p>
@@ -47800,1054 +47699,6 @@
   <p:clrMapOvr>
     <a:masterClrMapping/>
   </p:clrMapOvr>
-</p:sld>
-</file>
-
-<file path=ppt/slides/slide9.xml><?xml version="1.0" encoding="utf-8"?>
-<p:sld xmlns:a="http://schemas.openxmlformats.org/drawingml/2006/main" xmlns:r="http://schemas.openxmlformats.org/officeDocument/2006/relationships" xmlns:p="http://schemas.openxmlformats.org/presentationml/2006/main">
-  <p:cSld>
-    <p:spTree>
-      <p:nvGrpSpPr>
-        <p:cNvPr id="1" name=""/>
-        <p:cNvGrpSpPr/>
-        <p:nvPr/>
-      </p:nvGrpSpPr>
-      <p:grpSpPr>
-        <a:xfrm>
-          <a:off x="0" y="0"/>
-          <a:ext cx="0" cy="0"/>
-          <a:chOff x="0" y="0"/>
-          <a:chExt cx="0" cy="0"/>
-        </a:xfrm>
-      </p:grpSpPr>
-      <p:sp>
-        <p:nvSpPr>
-          <p:cNvPr id="22" name="Title 21">
-            <a:extLst>
-              <a:ext uri="{FF2B5EF4-FFF2-40B4-BE49-F238E27FC236}">
-                <a16:creationId xmlns:a16="http://schemas.microsoft.com/office/drawing/2014/main" id="{A804667E-EB91-4958-859C-A7690FD33C88}"/>
-              </a:ext>
-            </a:extLst>
-          </p:cNvPr>
-          <p:cNvSpPr>
-            <a:spLocks noGrp="1"/>
-          </p:cNvSpPr>
-          <p:nvPr>
-            <p:ph type="title"/>
-          </p:nvPr>
-        </p:nvSpPr>
-        <p:spPr>
-          <a:xfrm>
-            <a:off x="457200" y="404577"/>
-            <a:ext cx="8229600" cy="990600"/>
-          </a:xfrm>
-        </p:spPr>
-        <p:txBody>
-          <a:bodyPr/>
-          <a:lstStyle/>
-          <a:p>
-            <a:r>
-              <a:rPr lang="he-IL" dirty="0"/>
-              <a:t>יישור קו</a:t>
-            </a:r>
-            <a:endParaRPr lang="en-US" dirty="0"/>
-          </a:p>
-        </p:txBody>
-      </p:sp>
-      <p:sp>
-        <p:nvSpPr>
-          <p:cNvPr id="4" name="Footer Placeholder 3">
-            <a:extLst>
-              <a:ext uri="{FF2B5EF4-FFF2-40B4-BE49-F238E27FC236}">
-                <a16:creationId xmlns:a16="http://schemas.microsoft.com/office/drawing/2014/main" id="{0CF9779C-842D-4A23-86DA-32DF7FF4039F}"/>
-              </a:ext>
-            </a:extLst>
-          </p:cNvPr>
-          <p:cNvSpPr>
-            <a:spLocks noGrp="1"/>
-          </p:cNvSpPr>
-          <p:nvPr>
-            <p:ph type="ftr" sz="quarter" idx="11"/>
-          </p:nvPr>
-        </p:nvSpPr>
-        <p:spPr/>
-        <p:txBody>
-          <a:bodyPr/>
-          <a:lstStyle/>
-          <a:p>
-            <a:r>
-              <a:rPr lang="he-IL"/>
-              <a:t>מערכות הפעלה - תרגול 1</a:t>
-            </a:r>
-            <a:endParaRPr lang="en-US" dirty="0"/>
-          </a:p>
-        </p:txBody>
-      </p:sp>
-      <p:sp>
-        <p:nvSpPr>
-          <p:cNvPr id="5" name="Slide Number Placeholder 4">
-            <a:extLst>
-              <a:ext uri="{FF2B5EF4-FFF2-40B4-BE49-F238E27FC236}">
-                <a16:creationId xmlns:a16="http://schemas.microsoft.com/office/drawing/2014/main" id="{266B12E1-8D72-456A-A4A2-5F1583784E63}"/>
-              </a:ext>
-            </a:extLst>
-          </p:cNvPr>
-          <p:cNvSpPr>
-            <a:spLocks noGrp="1"/>
-          </p:cNvSpPr>
-          <p:nvPr>
-            <p:ph type="sldNum" sz="quarter" idx="12"/>
-          </p:nvPr>
-        </p:nvSpPr>
-        <p:spPr/>
-        <p:txBody>
-          <a:bodyPr/>
-          <a:lstStyle/>
-          <a:p>
-            <a:fld id="{0CFEC368-1D7A-4F81-ABF6-AE0E36BAF64C}" type="slidenum">
-              <a:rPr lang="en-US" smtClean="0"/>
-              <a:pPr/>
-              <a:t>9</a:t>
-            </a:fld>
-            <a:endParaRPr lang="en-US"/>
-          </a:p>
-        </p:txBody>
-      </p:sp>
-      <p:pic>
-        <p:nvPicPr>
-          <p:cNvPr id="23" name="Picture 6" descr="×ª××¦××ª ×ª××× × ×¢×××¨ âªdiskâ¬â">
-            <a:extLst>
-              <a:ext uri="{FF2B5EF4-FFF2-40B4-BE49-F238E27FC236}">
-                <a16:creationId xmlns:a16="http://schemas.microsoft.com/office/drawing/2014/main" id="{D96B73BE-3323-4E67-94EB-E897430D9190}"/>
-              </a:ext>
-            </a:extLst>
-          </p:cNvPr>
-          <p:cNvPicPr>
-            <a:picLocks noChangeAspect="1" noChangeArrowheads="1"/>
-          </p:cNvPicPr>
-          <p:nvPr/>
-        </p:nvPicPr>
-        <p:blipFill>
-          <a:blip r:embed="rId3" cstate="print">
-            <a:extLst>
-              <a:ext uri="{28A0092B-C50C-407E-A947-70E740481C1C}">
-                <a14:useLocalDpi xmlns:a14="http://schemas.microsoft.com/office/drawing/2010/main" val="0"/>
-              </a:ext>
-            </a:extLst>
-          </a:blip>
-          <a:srcRect/>
-          <a:stretch>
-            <a:fillRect/>
-          </a:stretch>
-        </p:blipFill>
-        <p:spPr bwMode="auto">
-          <a:xfrm>
-            <a:off x="362137" y="1520591"/>
-            <a:ext cx="1621684" cy="1208313"/>
-          </a:xfrm>
-          <a:prstGeom prst="rect">
-            <a:avLst/>
-          </a:prstGeom>
-          <a:noFill/>
-          <a:extLst>
-            <a:ext uri="{909E8E84-426E-40DD-AFC4-6F175D3DCCD1}">
-              <a14:hiddenFill xmlns:a14="http://schemas.microsoft.com/office/drawing/2010/main">
-                <a:solidFill>
-                  <a:srgbClr val="FFFFFF"/>
-                </a:solidFill>
-              </a14:hiddenFill>
-            </a:ext>
-          </a:extLst>
-        </p:spPr>
-      </p:pic>
-      <p:pic>
-        <p:nvPicPr>
-          <p:cNvPr id="51" name="Picture 4" descr="×ª××¦××ª ×ª××× × ×¢×××¨ âªramâ¬â">
-            <a:extLst>
-              <a:ext uri="{FF2B5EF4-FFF2-40B4-BE49-F238E27FC236}">
-                <a16:creationId xmlns:a16="http://schemas.microsoft.com/office/drawing/2014/main" id="{C04695C2-EE44-474B-83E3-5D7E83A052D8}"/>
-              </a:ext>
-            </a:extLst>
-          </p:cNvPr>
-          <p:cNvPicPr>
-            <a:picLocks noChangeAspect="1" noChangeArrowheads="1"/>
-          </p:cNvPicPr>
-          <p:nvPr/>
-        </p:nvPicPr>
-        <p:blipFill>
-          <a:blip r:embed="rId4">
-            <a:extLst>
-              <a:ext uri="{28A0092B-C50C-407E-A947-70E740481C1C}">
-                <a14:useLocalDpi xmlns:a14="http://schemas.microsoft.com/office/drawing/2010/main" val="0"/>
-              </a:ext>
-            </a:extLst>
-          </a:blip>
-          <a:srcRect/>
-          <a:stretch>
-            <a:fillRect/>
-          </a:stretch>
-        </p:blipFill>
-        <p:spPr bwMode="auto">
-          <a:xfrm>
-            <a:off x="3198539" y="1504033"/>
-            <a:ext cx="1524000" cy="1097280"/>
-          </a:xfrm>
-          <a:prstGeom prst="rect">
-            <a:avLst/>
-          </a:prstGeom>
-          <a:noFill/>
-          <a:extLst>
-            <a:ext uri="{909E8E84-426E-40DD-AFC4-6F175D3DCCD1}">
-              <a14:hiddenFill xmlns:a14="http://schemas.microsoft.com/office/drawing/2010/main">
-                <a:solidFill>
-                  <a:srgbClr val="FFFFFF"/>
-                </a:solidFill>
-              </a14:hiddenFill>
-            </a:ext>
-          </a:extLst>
-        </p:spPr>
-      </p:pic>
-      <p:pic>
-        <p:nvPicPr>
-          <p:cNvPr id="52" name="Picture 51" descr="×ª××¦××ª ×ª××× × ×¢×××¨ âªcpuâ¬â">
-            <a:extLst>
-              <a:ext uri="{FF2B5EF4-FFF2-40B4-BE49-F238E27FC236}">
-                <a16:creationId xmlns:a16="http://schemas.microsoft.com/office/drawing/2014/main" id="{2E008C75-34AC-4AD2-BDE7-6D51D41F44AB}"/>
-              </a:ext>
-            </a:extLst>
-          </p:cNvPr>
-          <p:cNvPicPr>
-            <a:picLocks noChangeAspect="1" noChangeArrowheads="1"/>
-          </p:cNvPicPr>
-          <p:nvPr/>
-        </p:nvPicPr>
-        <p:blipFill rotWithShape="1">
-          <a:blip r:embed="rId5" cstate="print">
-            <a:extLst>
-              <a:ext uri="{28A0092B-C50C-407E-A947-70E740481C1C}">
-                <a14:useLocalDpi xmlns:a14="http://schemas.microsoft.com/office/drawing/2010/main" val="0"/>
-              </a:ext>
-            </a:extLst>
-          </a:blip>
-          <a:srcRect l="12396" r="13936"/>
-          <a:stretch/>
-        </p:blipFill>
-        <p:spPr bwMode="auto">
-          <a:xfrm>
-            <a:off x="6048220" y="1552090"/>
-            <a:ext cx="1571780" cy="1176814"/>
-          </a:xfrm>
-          <a:prstGeom prst="rect">
-            <a:avLst/>
-          </a:prstGeom>
-          <a:noFill/>
-          <a:extLst>
-            <a:ext uri="{909E8E84-426E-40DD-AFC4-6F175D3DCCD1}">
-              <a14:hiddenFill xmlns:a14="http://schemas.microsoft.com/office/drawing/2010/main">
-                <a:solidFill>
-                  <a:srgbClr val="FFFFFF"/>
-                </a:solidFill>
-              </a14:hiddenFill>
-            </a:ext>
-          </a:extLst>
-        </p:spPr>
-      </p:pic>
-      <p:graphicFrame>
-        <p:nvGraphicFramePr>
-          <p:cNvPr id="12" name="Content Placeholder 5">
-            <a:extLst>
-              <a:ext uri="{FF2B5EF4-FFF2-40B4-BE49-F238E27FC236}">
-                <a16:creationId xmlns:a16="http://schemas.microsoft.com/office/drawing/2014/main" id="{89BE5109-E02C-4C62-A0DB-45B8DE44159E}"/>
-              </a:ext>
-            </a:extLst>
-          </p:cNvPr>
-          <p:cNvGraphicFramePr>
-            <a:graphicFrameLocks/>
-          </p:cNvGraphicFramePr>
-          <p:nvPr>
-            <p:extLst>
-              <p:ext uri="{D42A27DB-BD31-4B8C-83A1-F6EECF244321}">
-                <p14:modId xmlns:p14="http://schemas.microsoft.com/office/powerpoint/2010/main" val="1070078051"/>
-              </p:ext>
-            </p:extLst>
-          </p:nvPr>
-        </p:nvGraphicFramePr>
-        <p:xfrm>
-          <a:off x="3098995" y="1448965"/>
-          <a:ext cx="2743200" cy="1335894"/>
-        </p:xfrm>
-        <a:graphic>
-          <a:graphicData uri="http://schemas.openxmlformats.org/drawingml/2006/table">
-            <a:tbl>
-              <a:tblPr firstRow="1" bandRow="1">
-                <a:tableStyleId>{BC89EF96-8CEA-46FF-86C4-4CE0E7609802}</a:tableStyleId>
-              </a:tblPr>
-              <a:tblGrid>
-                <a:gridCol w="2743200">
-                  <a:extLst>
-                    <a:ext uri="{9D8B030D-6E8A-4147-A177-3AD203B41FA5}">
-                      <a16:colId xmlns:a16="http://schemas.microsoft.com/office/drawing/2014/main" val="2976404297"/>
-                    </a:ext>
-                  </a:extLst>
-                </a:gridCol>
-              </a:tblGrid>
-              <a:tr h="1335894">
-                <a:tc>
-                  <a:txBody>
-                    <a:bodyPr/>
-                    <a:lstStyle/>
-                    <a:p>
-                      <a:pPr algn="r" rtl="1"/>
-                      <a:endParaRPr lang="he-IL" sz="2400" dirty="0"/>
-                    </a:p>
-                    <a:p>
-                      <a:pPr algn="r" rtl="1"/>
-                      <a:r>
-                        <a:rPr lang="he-IL" sz="2400" dirty="0"/>
-                        <a:t>זיכרון</a:t>
-                      </a:r>
-                      <a:endParaRPr lang="he-IL" sz="2400" i="1" dirty="0"/>
-                    </a:p>
-                  </a:txBody>
-                  <a:tcPr/>
-                </a:tc>
-                <a:extLst>
-                  <a:ext uri="{0D108BD9-81ED-4DB2-BD59-A6C34878D82A}">
-                    <a16:rowId xmlns:a16="http://schemas.microsoft.com/office/drawing/2014/main" val="899653204"/>
-                  </a:ext>
-                </a:extLst>
-              </a:tr>
-            </a:tbl>
-          </a:graphicData>
-        </a:graphic>
-      </p:graphicFrame>
-      <p:graphicFrame>
-        <p:nvGraphicFramePr>
-          <p:cNvPr id="13" name="Content Placeholder 5">
-            <a:extLst>
-              <a:ext uri="{FF2B5EF4-FFF2-40B4-BE49-F238E27FC236}">
-                <a16:creationId xmlns:a16="http://schemas.microsoft.com/office/drawing/2014/main" id="{89BE5109-E02C-4C62-A0DB-45B8DE44159E}"/>
-              </a:ext>
-            </a:extLst>
-          </p:cNvPr>
-          <p:cNvGraphicFramePr>
-            <a:graphicFrameLocks/>
-          </p:cNvGraphicFramePr>
-          <p:nvPr>
-            <p:extLst>
-              <p:ext uri="{D42A27DB-BD31-4B8C-83A1-F6EECF244321}">
-                <p14:modId xmlns:p14="http://schemas.microsoft.com/office/powerpoint/2010/main" val="672094524"/>
-              </p:ext>
-            </p:extLst>
-          </p:nvPr>
-        </p:nvGraphicFramePr>
-        <p:xfrm>
-          <a:off x="229185" y="1448298"/>
-          <a:ext cx="2743200" cy="1335894"/>
-        </p:xfrm>
-        <a:graphic>
-          <a:graphicData uri="http://schemas.openxmlformats.org/drawingml/2006/table">
-            <a:tbl>
-              <a:tblPr firstRow="1" bandRow="1">
-                <a:tableStyleId>{BC89EF96-8CEA-46FF-86C4-4CE0E7609802}</a:tableStyleId>
-              </a:tblPr>
-              <a:tblGrid>
-                <a:gridCol w="2743200">
-                  <a:extLst>
-                    <a:ext uri="{9D8B030D-6E8A-4147-A177-3AD203B41FA5}">
-                      <a16:colId xmlns:a16="http://schemas.microsoft.com/office/drawing/2014/main" val="2976404297"/>
-                    </a:ext>
-                  </a:extLst>
-                </a:gridCol>
-              </a:tblGrid>
-              <a:tr h="1335894">
-                <a:tc>
-                  <a:txBody>
-                    <a:bodyPr/>
-                    <a:lstStyle/>
-                    <a:p>
-                      <a:pPr algn="r" rtl="1"/>
-                      <a:endParaRPr lang="he-IL" sz="2400" dirty="0"/>
-                    </a:p>
-                    <a:p>
-                      <a:pPr algn="r" rtl="1"/>
-                      <a:r>
-                        <a:rPr lang="he-IL" sz="2400" dirty="0"/>
-                        <a:t>דיסק</a:t>
-                      </a:r>
-                      <a:endParaRPr lang="he-IL" sz="2400" i="1" dirty="0"/>
-                    </a:p>
-                  </a:txBody>
-                  <a:tcPr/>
-                </a:tc>
-                <a:extLst>
-                  <a:ext uri="{0D108BD9-81ED-4DB2-BD59-A6C34878D82A}">
-                    <a16:rowId xmlns:a16="http://schemas.microsoft.com/office/drawing/2014/main" val="899653204"/>
-                  </a:ext>
-                </a:extLst>
-              </a:tr>
-            </a:tbl>
-          </a:graphicData>
-        </a:graphic>
-      </p:graphicFrame>
-      <p:graphicFrame>
-        <p:nvGraphicFramePr>
-          <p:cNvPr id="2" name="Table 1">
-            <a:extLst>
-              <a:ext uri="{FF2B5EF4-FFF2-40B4-BE49-F238E27FC236}">
-                <a16:creationId xmlns:a16="http://schemas.microsoft.com/office/drawing/2014/main" id="{EF74E83C-1D09-4620-B7A5-04CE85363F3A}"/>
-              </a:ext>
-            </a:extLst>
-          </p:cNvPr>
-          <p:cNvGraphicFramePr>
-            <a:graphicFrameLocks noGrp="1"/>
-          </p:cNvGraphicFramePr>
-          <p:nvPr>
-            <p:extLst>
-              <p:ext uri="{D42A27DB-BD31-4B8C-83A1-F6EECF244321}">
-                <p14:modId xmlns:p14="http://schemas.microsoft.com/office/powerpoint/2010/main" val="4002070105"/>
-              </p:ext>
-            </p:extLst>
-          </p:nvPr>
-        </p:nvGraphicFramePr>
-        <p:xfrm>
-          <a:off x="229185" y="2784860"/>
-          <a:ext cx="2743200" cy="3674204"/>
-        </p:xfrm>
-        <a:graphic>
-          <a:graphicData uri="http://schemas.openxmlformats.org/drawingml/2006/table">
-            <a:tbl>
-              <a:tblPr bandRow="1">
-                <a:tableStyleId>{BC89EF96-8CEA-46FF-86C4-4CE0E7609802}</a:tableStyleId>
-              </a:tblPr>
-              <a:tblGrid>
-                <a:gridCol w="2743200">
-                  <a:extLst>
-                    <a:ext uri="{9D8B030D-6E8A-4147-A177-3AD203B41FA5}">
-                      <a16:colId xmlns:a16="http://schemas.microsoft.com/office/drawing/2014/main" val="3351847365"/>
-                    </a:ext>
-                  </a:extLst>
-                </a:gridCol>
-              </a:tblGrid>
-              <a:tr h="1287350">
-                <a:tc>
-                  <a:txBody>
-                    <a:bodyPr/>
-                    <a:lstStyle/>
-                    <a:p>
-                      <a:pPr algn="r" rtl="1"/>
-                      <a:r>
-                        <a:rPr lang="he-IL" sz="2000" dirty="0"/>
-                        <a:t>אמצעי אחסון איטי ועמיד (המידע נשמר גם אם מכבים את המחשב)</a:t>
-                      </a:r>
-                      <a:endParaRPr lang="en-US" sz="2000" dirty="0"/>
-                    </a:p>
-                  </a:txBody>
-                  <a:tcPr/>
-                </a:tc>
-                <a:extLst>
-                  <a:ext uri="{0D108BD9-81ED-4DB2-BD59-A6C34878D82A}">
-                    <a16:rowId xmlns:a16="http://schemas.microsoft.com/office/drawing/2014/main" val="2435511963"/>
-                  </a:ext>
-                </a:extLst>
-              </a:tr>
-              <a:tr h="1304334">
-                <a:tc>
-                  <a:txBody>
-                    <a:bodyPr/>
-                    <a:lstStyle/>
-                    <a:p>
-                      <a:pPr algn="r" rtl="1"/>
-                      <a:r>
-                        <a:rPr lang="he-IL" sz="2000" dirty="0"/>
-                        <a:t>המעבד לא יכול לעבד מידע ישירות על הדיסק, הוא צריך קודם להעביר את המידע לזיכרון</a:t>
-                      </a:r>
-                      <a:endParaRPr lang="en-US" sz="2000" dirty="0"/>
-                    </a:p>
-                  </a:txBody>
-                  <a:tcPr/>
-                </a:tc>
-                <a:extLst>
-                  <a:ext uri="{0D108BD9-81ED-4DB2-BD59-A6C34878D82A}">
-                    <a16:rowId xmlns:a16="http://schemas.microsoft.com/office/drawing/2014/main" val="2435113697"/>
-                  </a:ext>
-                </a:extLst>
-              </a:tr>
-              <a:tr h="1076214">
-                <a:tc>
-                  <a:txBody>
-                    <a:bodyPr/>
-                    <a:lstStyle/>
-                    <a:p>
-                      <a:pPr algn="r" rtl="1"/>
-                      <a:r>
-                        <a:rPr lang="he-IL" sz="2000" dirty="0"/>
-                        <a:t>נפח אופייני – </a:t>
-                      </a:r>
-                      <a:r>
-                        <a:rPr lang="en-US" sz="2000" dirty="0"/>
-                        <a:t>1TB</a:t>
-                      </a:r>
-                    </a:p>
-                    <a:p>
-                      <a:pPr marL="0" marR="0" lvl="0" indent="0" algn="r" defTabSz="914400" rtl="1" eaLnBrk="1" fontAlgn="auto" latinLnBrk="0" hangingPunct="1">
-                        <a:lnSpc>
-                          <a:spcPct val="100000"/>
-                        </a:lnSpc>
-                        <a:spcBef>
-                          <a:spcPts val="0"/>
-                        </a:spcBef>
-                        <a:spcAft>
-                          <a:spcPts val="0"/>
-                        </a:spcAft>
-                        <a:buClrTx/>
-                        <a:buSzTx/>
-                        <a:buFontTx/>
-                        <a:buNone/>
-                        <a:tabLst/>
-                        <a:defRPr/>
-                      </a:pPr>
-                      <a:r>
-                        <a:rPr lang="he-IL" sz="2000" dirty="0"/>
-                        <a:t>זמן גישה טיפוסי: </a:t>
-                      </a:r>
-                      <a:r>
-                        <a:rPr lang="en-US" sz="2000" dirty="0"/>
-                        <a:t>1 </a:t>
-                      </a:r>
-                      <a:r>
-                        <a:rPr lang="en-US" sz="2000" dirty="0" err="1"/>
-                        <a:t>ms</a:t>
-                      </a:r>
-                      <a:endParaRPr lang="en-US" sz="2000" dirty="0"/>
-                    </a:p>
-                  </a:txBody>
-                  <a:tcPr/>
-                </a:tc>
-                <a:extLst>
-                  <a:ext uri="{0D108BD9-81ED-4DB2-BD59-A6C34878D82A}">
-                    <a16:rowId xmlns:a16="http://schemas.microsoft.com/office/drawing/2014/main" val="56586209"/>
-                  </a:ext>
-                </a:extLst>
-              </a:tr>
-            </a:tbl>
-          </a:graphicData>
-        </a:graphic>
-      </p:graphicFrame>
-      <p:graphicFrame>
-        <p:nvGraphicFramePr>
-          <p:cNvPr id="3" name="Table 2">
-            <a:extLst>
-              <a:ext uri="{FF2B5EF4-FFF2-40B4-BE49-F238E27FC236}">
-                <a16:creationId xmlns:a16="http://schemas.microsoft.com/office/drawing/2014/main" id="{B4D2E070-3D38-4B7F-A8CE-6873EF0B2991}"/>
-              </a:ext>
-            </a:extLst>
-          </p:cNvPr>
-          <p:cNvGraphicFramePr>
-            <a:graphicFrameLocks noGrp="1"/>
-          </p:cNvGraphicFramePr>
-          <p:nvPr>
-            <p:extLst>
-              <p:ext uri="{D42A27DB-BD31-4B8C-83A1-F6EECF244321}">
-                <p14:modId xmlns:p14="http://schemas.microsoft.com/office/powerpoint/2010/main" val="1105441698"/>
-              </p:ext>
-            </p:extLst>
-          </p:nvPr>
-        </p:nvGraphicFramePr>
-        <p:xfrm>
-          <a:off x="3098995" y="2784192"/>
-          <a:ext cx="2743200" cy="3668565"/>
-        </p:xfrm>
-        <a:graphic>
-          <a:graphicData uri="http://schemas.openxmlformats.org/drawingml/2006/table">
-            <a:tbl>
-              <a:tblPr bandRow="1">
-                <a:tableStyleId>{BC89EF96-8CEA-46FF-86C4-4CE0E7609802}</a:tableStyleId>
-              </a:tblPr>
-              <a:tblGrid>
-                <a:gridCol w="2743200">
-                  <a:extLst>
-                    <a:ext uri="{9D8B030D-6E8A-4147-A177-3AD203B41FA5}">
-                      <a16:colId xmlns:a16="http://schemas.microsoft.com/office/drawing/2014/main" val="3433637837"/>
-                    </a:ext>
-                  </a:extLst>
-                </a:gridCol>
-              </a:tblGrid>
-              <a:tr h="1293574">
-                <a:tc>
-                  <a:txBody>
-                    <a:bodyPr/>
-                    <a:lstStyle/>
-                    <a:p>
-                      <a:pPr algn="r" rtl="1"/>
-                      <a:r>
-                        <a:rPr lang="he-IL" sz="2000" dirty="0"/>
-                        <a:t>אמצעי אחסון מהיר</a:t>
-                      </a:r>
-                      <a:r>
-                        <a:rPr lang="he-IL" sz="2000" baseline="0" dirty="0"/>
-                        <a:t> ו</a:t>
-                      </a:r>
-                      <a:r>
-                        <a:rPr lang="he-IL" sz="2000" dirty="0"/>
-                        <a:t>נדיף (</a:t>
-                      </a:r>
-                      <a:r>
-                        <a:rPr lang="he-IL" sz="2000" dirty="0">
-                          <a:sym typeface="Wingdings" panose="05000000000000000000" pitchFamily="2" charset="2"/>
-                        </a:rPr>
-                        <a:t>המידע נמחק כאשר מכבים את המחשב)</a:t>
-                      </a:r>
-                      <a:endParaRPr lang="en-US" sz="2000" dirty="0"/>
-                    </a:p>
-                  </a:txBody>
-                  <a:tcPr/>
-                </a:tc>
-                <a:extLst>
-                  <a:ext uri="{0D108BD9-81ED-4DB2-BD59-A6C34878D82A}">
-                    <a16:rowId xmlns:a16="http://schemas.microsoft.com/office/drawing/2014/main" val="3767780814"/>
-                  </a:ext>
-                </a:extLst>
-              </a:tr>
-              <a:tr h="1293574">
-                <a:tc>
-                  <a:txBody>
-                    <a:bodyPr/>
-                    <a:lstStyle/>
-                    <a:p>
-                      <a:pPr algn="r" rtl="1"/>
-                      <a:r>
-                        <a:rPr lang="he-IL" sz="2000" dirty="0"/>
-                        <a:t>הזיכרון נגיש לכל הליבות של אותו מחשב</a:t>
-                      </a:r>
-                      <a:endParaRPr lang="en-US" sz="2000" dirty="0"/>
-                    </a:p>
-                  </a:txBody>
-                  <a:tcPr/>
-                </a:tc>
-                <a:extLst>
-                  <a:ext uri="{0D108BD9-81ED-4DB2-BD59-A6C34878D82A}">
-                    <a16:rowId xmlns:a16="http://schemas.microsoft.com/office/drawing/2014/main" val="2358068485"/>
-                  </a:ext>
-                </a:extLst>
-              </a:tr>
-              <a:tr h="1081417">
-                <a:tc>
-                  <a:txBody>
-                    <a:bodyPr/>
-                    <a:lstStyle/>
-                    <a:p>
-                      <a:pPr algn="r" rtl="1"/>
-                      <a:r>
-                        <a:rPr lang="he-IL" sz="2000" dirty="0"/>
-                        <a:t>נפח אופייני – </a:t>
-                      </a:r>
-                      <a:r>
-                        <a:rPr lang="en-US" sz="2000" dirty="0"/>
-                        <a:t>8GB</a:t>
-                      </a:r>
-                      <a:endParaRPr lang="he-IL" sz="2000" dirty="0"/>
-                    </a:p>
-                    <a:p>
-                      <a:pPr algn="r" rtl="1"/>
-                      <a:r>
-                        <a:rPr lang="he-IL" sz="2000" dirty="0"/>
-                        <a:t>זמן גישה טיפוסי: </a:t>
-                      </a:r>
-                      <a:r>
-                        <a:rPr lang="en-US" sz="2000" dirty="0"/>
-                        <a:t>100 ns</a:t>
-                      </a:r>
-                    </a:p>
-                  </a:txBody>
-                  <a:tcPr/>
-                </a:tc>
-                <a:extLst>
-                  <a:ext uri="{0D108BD9-81ED-4DB2-BD59-A6C34878D82A}">
-                    <a16:rowId xmlns:a16="http://schemas.microsoft.com/office/drawing/2014/main" val="1839228500"/>
-                  </a:ext>
-                </a:extLst>
-              </a:tr>
-            </a:tbl>
-          </a:graphicData>
-        </a:graphic>
-      </p:graphicFrame>
-      <p:graphicFrame>
-        <p:nvGraphicFramePr>
-          <p:cNvPr id="6" name="Table 5">
-            <a:extLst>
-              <a:ext uri="{FF2B5EF4-FFF2-40B4-BE49-F238E27FC236}">
-                <a16:creationId xmlns:a16="http://schemas.microsoft.com/office/drawing/2014/main" id="{BF845971-89E5-4C00-AB5D-A3CE273809C8}"/>
-              </a:ext>
-            </a:extLst>
-          </p:cNvPr>
-          <p:cNvGraphicFramePr>
-            <a:graphicFrameLocks noGrp="1"/>
-          </p:cNvGraphicFramePr>
-          <p:nvPr>
-            <p:extLst>
-              <p:ext uri="{D42A27DB-BD31-4B8C-83A1-F6EECF244321}">
-                <p14:modId xmlns:p14="http://schemas.microsoft.com/office/powerpoint/2010/main" val="548316160"/>
-              </p:ext>
-            </p:extLst>
-          </p:nvPr>
-        </p:nvGraphicFramePr>
-        <p:xfrm>
-          <a:off x="5943600" y="2784192"/>
-          <a:ext cx="2743200" cy="3668565"/>
-        </p:xfrm>
-        <a:graphic>
-          <a:graphicData uri="http://schemas.openxmlformats.org/drawingml/2006/table">
-            <a:tbl>
-              <a:tblPr bandRow="1">
-                <a:tableStyleId>{BC89EF96-8CEA-46FF-86C4-4CE0E7609802}</a:tableStyleId>
-              </a:tblPr>
-              <a:tblGrid>
-                <a:gridCol w="2743200">
-                  <a:extLst>
-                    <a:ext uri="{9D8B030D-6E8A-4147-A177-3AD203B41FA5}">
-                      <a16:colId xmlns:a16="http://schemas.microsoft.com/office/drawing/2014/main" val="2506966917"/>
-                    </a:ext>
-                  </a:extLst>
-                </a:gridCol>
-              </a:tblGrid>
-              <a:tr h="1293574">
-                <a:tc>
-                  <a:txBody>
-                    <a:bodyPr/>
-                    <a:lstStyle/>
-                    <a:p>
-                      <a:pPr algn="r" rtl="1"/>
-                      <a:r>
-                        <a:rPr lang="he-IL" sz="2000" dirty="0"/>
-                        <a:t>מקבל זרם של פקודות מכונה (אסמבלי) ומבצע אותן בצורה סדרתית</a:t>
-                      </a:r>
-                      <a:endParaRPr lang="en-US" sz="2000" dirty="0"/>
-                    </a:p>
-                  </a:txBody>
-                  <a:tcPr/>
-                </a:tc>
-                <a:extLst>
-                  <a:ext uri="{0D108BD9-81ED-4DB2-BD59-A6C34878D82A}">
-                    <a16:rowId xmlns:a16="http://schemas.microsoft.com/office/drawing/2014/main" val="3940912522"/>
-                  </a:ext>
-                </a:extLst>
-              </a:tr>
-              <a:tr h="1293574">
-                <a:tc>
-                  <a:txBody>
-                    <a:bodyPr/>
-                    <a:lstStyle/>
-                    <a:p>
-                      <a:pPr algn="r" rtl="1"/>
-                      <a:r>
-                        <a:rPr lang="he-IL" sz="2000" dirty="0"/>
-                        <a:t>כל מעבד מורכב ממספר ליבות חישוב עצמאיות שרצות במקביל</a:t>
-                      </a:r>
-                      <a:endParaRPr lang="en-US" sz="2000" dirty="0"/>
-                    </a:p>
-                  </a:txBody>
-                  <a:tcPr/>
-                </a:tc>
-                <a:extLst>
-                  <a:ext uri="{0D108BD9-81ED-4DB2-BD59-A6C34878D82A}">
-                    <a16:rowId xmlns:a16="http://schemas.microsoft.com/office/drawing/2014/main" val="2552741602"/>
-                  </a:ext>
-                </a:extLst>
-              </a:tr>
-              <a:tr h="1081417">
-                <a:tc>
-                  <a:txBody>
-                    <a:bodyPr/>
-                    <a:lstStyle/>
-                    <a:p>
-                      <a:pPr algn="r" rtl="1"/>
-                      <a:r>
-                        <a:rPr lang="he-IL" sz="2000" dirty="0"/>
-                        <a:t>תדר אופייני – </a:t>
-                      </a:r>
-                      <a:r>
-                        <a:rPr lang="en-US" sz="2000" dirty="0"/>
-                        <a:t>3GHz</a:t>
-                      </a:r>
-                      <a:br>
-                        <a:rPr lang="en-US" sz="2000" dirty="0"/>
-                      </a:br>
-                      <a:r>
-                        <a:rPr lang="he-IL" sz="2000" dirty="0"/>
-                        <a:t>זמן גישה טיפוסי: </a:t>
-                      </a:r>
-                      <a:r>
-                        <a:rPr lang="en-US" sz="2000" dirty="0"/>
-                        <a:t>1 ns</a:t>
-                      </a:r>
-                      <a:endParaRPr lang="he-IL" sz="2000" dirty="0"/>
-                    </a:p>
-                    <a:p>
-                      <a:pPr algn="r" rtl="1"/>
-                      <a:r>
-                        <a:rPr lang="he-IL" sz="2000" dirty="0"/>
-                        <a:t>(רגיסטרים + מטמונים)</a:t>
-                      </a:r>
-                      <a:endParaRPr lang="en-US" sz="2000" dirty="0"/>
-                    </a:p>
-                  </a:txBody>
-                  <a:tcPr/>
-                </a:tc>
-                <a:extLst>
-                  <a:ext uri="{0D108BD9-81ED-4DB2-BD59-A6C34878D82A}">
-                    <a16:rowId xmlns:a16="http://schemas.microsoft.com/office/drawing/2014/main" val="4177707250"/>
-                  </a:ext>
-                </a:extLst>
-              </a:tr>
-            </a:tbl>
-          </a:graphicData>
-        </a:graphic>
-      </p:graphicFrame>
-      <p:graphicFrame>
-        <p:nvGraphicFramePr>
-          <p:cNvPr id="9" name="Content Placeholder 5">
-            <a:extLst>
-              <a:ext uri="{FF2B5EF4-FFF2-40B4-BE49-F238E27FC236}">
-                <a16:creationId xmlns:a16="http://schemas.microsoft.com/office/drawing/2014/main" id="{89BE5109-E02C-4C62-A0DB-45B8DE44159E}"/>
-              </a:ext>
-            </a:extLst>
-          </p:cNvPr>
-          <p:cNvGraphicFramePr>
-            <a:graphicFrameLocks/>
-          </p:cNvGraphicFramePr>
-          <p:nvPr>
-            <p:extLst>
-              <p:ext uri="{D42A27DB-BD31-4B8C-83A1-F6EECF244321}">
-                <p14:modId xmlns:p14="http://schemas.microsoft.com/office/powerpoint/2010/main" val="3921305170"/>
-              </p:ext>
-            </p:extLst>
-          </p:nvPr>
-        </p:nvGraphicFramePr>
-        <p:xfrm>
-          <a:off x="5943600" y="1452284"/>
-          <a:ext cx="2743200" cy="1335894"/>
-        </p:xfrm>
-        <a:graphic>
-          <a:graphicData uri="http://schemas.openxmlformats.org/drawingml/2006/table">
-            <a:tbl>
-              <a:tblPr firstRow="1" bandRow="1">
-                <a:tableStyleId>{BC89EF96-8CEA-46FF-86C4-4CE0E7609802}</a:tableStyleId>
-              </a:tblPr>
-              <a:tblGrid>
-                <a:gridCol w="2743200">
-                  <a:extLst>
-                    <a:ext uri="{9D8B030D-6E8A-4147-A177-3AD203B41FA5}">
-                      <a16:colId xmlns:a16="http://schemas.microsoft.com/office/drawing/2014/main" val="2976404297"/>
-                    </a:ext>
-                  </a:extLst>
-                </a:gridCol>
-              </a:tblGrid>
-              <a:tr h="1335894">
-                <a:tc>
-                  <a:txBody>
-                    <a:bodyPr/>
-                    <a:lstStyle/>
-                    <a:p>
-                      <a:pPr algn="r" rtl="1"/>
-                      <a:endParaRPr lang="he-IL" sz="2400" dirty="0"/>
-                    </a:p>
-                    <a:p>
-                      <a:pPr algn="r" rtl="1"/>
-                      <a:r>
-                        <a:rPr lang="he-IL" sz="2400" dirty="0"/>
-                        <a:t>מעבד</a:t>
-                      </a:r>
-                      <a:endParaRPr lang="he-IL" sz="2400" i="1" dirty="0"/>
-                    </a:p>
-                  </a:txBody>
-                  <a:tcPr/>
-                </a:tc>
-                <a:extLst>
-                  <a:ext uri="{0D108BD9-81ED-4DB2-BD59-A6C34878D82A}">
-                    <a16:rowId xmlns:a16="http://schemas.microsoft.com/office/drawing/2014/main" val="899653204"/>
-                  </a:ext>
-                </a:extLst>
-              </a:tr>
-            </a:tbl>
-          </a:graphicData>
-        </a:graphic>
-      </p:graphicFrame>
-    </p:spTree>
-    <p:extLst>
-      <p:ext uri="{BB962C8B-B14F-4D97-AF65-F5344CB8AC3E}">
-        <p14:creationId xmlns:p14="http://schemas.microsoft.com/office/powerpoint/2010/main" val="3974307281"/>
-      </p:ext>
-    </p:extLst>
-  </p:cSld>
-  <p:clrMapOvr>
-    <a:masterClrMapping/>
-  </p:clrMapOvr>
-  <p:timing>
-    <p:tnLst>
-      <p:par>
-        <p:cTn id="1" dur="indefinite" restart="never" nodeType="tmRoot">
-          <p:childTnLst>
-            <p:seq concurrent="1" nextAc="seek">
-              <p:cTn id="2" dur="indefinite" nodeType="mainSeq">
-                <p:childTnLst>
-                  <p:par>
-                    <p:cTn id="3" fill="hold">
-                      <p:stCondLst>
-                        <p:cond delay="indefinite"/>
-                      </p:stCondLst>
-                      <p:childTnLst>
-                        <p:par>
-                          <p:cTn id="4" fill="hold">
-                            <p:stCondLst>
-                              <p:cond delay="0"/>
-                            </p:stCondLst>
-                            <p:childTnLst>
-                              <p:par>
-                                <p:cTn id="5" presetID="1" presetClass="entr" presetSubtype="0" fill="hold" nodeType="clickEffect">
-                                  <p:stCondLst>
-                                    <p:cond delay="0"/>
-                                  </p:stCondLst>
-                                  <p:childTnLst>
-                                    <p:set>
-                                      <p:cBhvr>
-                                        <p:cTn id="6" dur="1" fill="hold">
-                                          <p:stCondLst>
-                                            <p:cond delay="0"/>
-                                          </p:stCondLst>
-                                        </p:cTn>
-                                        <p:tgtEl>
-                                          <p:spTgt spid="6"/>
-                                        </p:tgtEl>
-                                        <p:attrNameLst>
-                                          <p:attrName>style.visibility</p:attrName>
-                                        </p:attrNameLst>
-                                      </p:cBhvr>
-                                      <p:to>
-                                        <p:strVal val="visible"/>
-                                      </p:to>
-                                    </p:set>
-                                  </p:childTnLst>
-                                </p:cTn>
-                              </p:par>
-                            </p:childTnLst>
-                          </p:cTn>
-                        </p:par>
-                      </p:childTnLst>
-                    </p:cTn>
-                  </p:par>
-                  <p:par>
-                    <p:cTn id="7" fill="hold">
-                      <p:stCondLst>
-                        <p:cond delay="indefinite"/>
-                      </p:stCondLst>
-                      <p:childTnLst>
-                        <p:par>
-                          <p:cTn id="8" fill="hold">
-                            <p:stCondLst>
-                              <p:cond delay="0"/>
-                            </p:stCondLst>
-                            <p:childTnLst>
-                              <p:par>
-                                <p:cTn id="9" presetID="1" presetClass="entr" presetSubtype="0" fill="hold" nodeType="clickEffect">
-                                  <p:stCondLst>
-                                    <p:cond delay="0"/>
-                                  </p:stCondLst>
-                                  <p:childTnLst>
-                                    <p:set>
-                                      <p:cBhvr>
-                                        <p:cTn id="10" dur="1" fill="hold">
-                                          <p:stCondLst>
-                                            <p:cond delay="0"/>
-                                          </p:stCondLst>
-                                        </p:cTn>
-                                        <p:tgtEl>
-                                          <p:spTgt spid="3"/>
-                                        </p:tgtEl>
-                                        <p:attrNameLst>
-                                          <p:attrName>style.visibility</p:attrName>
-                                        </p:attrNameLst>
-                                      </p:cBhvr>
-                                      <p:to>
-                                        <p:strVal val="visible"/>
-                                      </p:to>
-                                    </p:set>
-                                  </p:childTnLst>
-                                </p:cTn>
-                              </p:par>
-                            </p:childTnLst>
-                          </p:cTn>
-                        </p:par>
-                      </p:childTnLst>
-                    </p:cTn>
-                  </p:par>
-                  <p:par>
-                    <p:cTn id="11" fill="hold">
-                      <p:stCondLst>
-                        <p:cond delay="indefinite"/>
-                      </p:stCondLst>
-                      <p:childTnLst>
-                        <p:par>
-                          <p:cTn id="12" fill="hold">
-                            <p:stCondLst>
-                              <p:cond delay="0"/>
-                            </p:stCondLst>
-                            <p:childTnLst>
-                              <p:par>
-                                <p:cTn id="13" presetID="1" presetClass="entr" presetSubtype="0" fill="hold" nodeType="clickEffect">
-                                  <p:stCondLst>
-                                    <p:cond delay="0"/>
-                                  </p:stCondLst>
-                                  <p:childTnLst>
-                                    <p:set>
-                                      <p:cBhvr>
-                                        <p:cTn id="14" dur="1" fill="hold">
-                                          <p:stCondLst>
-                                            <p:cond delay="0"/>
-                                          </p:stCondLst>
-                                        </p:cTn>
-                                        <p:tgtEl>
-                                          <p:spTgt spid="2"/>
-                                        </p:tgtEl>
-                                        <p:attrNameLst>
-                                          <p:attrName>style.visibility</p:attrName>
-                                        </p:attrNameLst>
-                                      </p:cBhvr>
-                                      <p:to>
-                                        <p:strVal val="visible"/>
-                                      </p:to>
-                                    </p:set>
-                                  </p:childTnLst>
-                                </p:cTn>
-                              </p:par>
-                            </p:childTnLst>
-                          </p:cTn>
-                        </p:par>
-                      </p:childTnLst>
-                    </p:cTn>
-                  </p:par>
-                </p:childTnLst>
-              </p:cTn>
-              <p:prevCondLst>
-                <p:cond evt="onPrev" delay="0">
-                  <p:tgtEl>
-                    <p:sldTgt/>
-                  </p:tgtEl>
-                </p:cond>
-              </p:prevCondLst>
-              <p:nextCondLst>
-                <p:cond evt="onNext" delay="0">
-                  <p:tgtEl>
-                    <p:sldTgt/>
-                  </p:tgtEl>
-                </p:cond>
-              </p:nextCondLst>
-            </p:seq>
-          </p:childTnLst>
-        </p:cTn>
-      </p:par>
-    </p:tnLst>
-  </p:timing>
 </p:sld>
 </file>
 
